--- a/Classes/week_01/ta1/simon_group/oop1.pptx
+++ b/Classes/week_01/ta1/simon_group/oop1.pptx
@@ -8,23 +8,23 @@
     <p:sldId id="256" r:id="rId5"/>
     <p:sldId id="257" r:id="rId6"/>
     <p:sldId id="258" r:id="rId7"/>
-    <p:sldId id="260" r:id="rId8"/>
-    <p:sldId id="261" r:id="rId9"/>
-    <p:sldId id="262" r:id="rId10"/>
-    <p:sldId id="290" r:id="rId11"/>
-    <p:sldId id="263" r:id="rId12"/>
-    <p:sldId id="269" r:id="rId13"/>
-    <p:sldId id="282" r:id="rId14"/>
-    <p:sldId id="278" r:id="rId15"/>
-    <p:sldId id="279" r:id="rId16"/>
-    <p:sldId id="281" r:id="rId17"/>
-    <p:sldId id="280" r:id="rId18"/>
-    <p:sldId id="271" r:id="rId19"/>
-    <p:sldId id="283" r:id="rId20"/>
-    <p:sldId id="284" r:id="rId21"/>
-    <p:sldId id="285" r:id="rId22"/>
-    <p:sldId id="286" r:id="rId23"/>
-    <p:sldId id="291" r:id="rId24"/>
+    <p:sldId id="304" r:id="rId8"/>
+    <p:sldId id="305" r:id="rId9"/>
+    <p:sldId id="260" r:id="rId10"/>
+    <p:sldId id="261" r:id="rId11"/>
+    <p:sldId id="262" r:id="rId12"/>
+    <p:sldId id="290" r:id="rId13"/>
+    <p:sldId id="263" r:id="rId14"/>
+    <p:sldId id="282" r:id="rId15"/>
+    <p:sldId id="278" r:id="rId16"/>
+    <p:sldId id="279" r:id="rId17"/>
+    <p:sldId id="281" r:id="rId18"/>
+    <p:sldId id="280" r:id="rId19"/>
+    <p:sldId id="271" r:id="rId20"/>
+    <p:sldId id="283" r:id="rId21"/>
+    <p:sldId id="284" r:id="rId22"/>
+    <p:sldId id="291" r:id="rId23"/>
+    <p:sldId id="286" r:id="rId24"/>
     <p:sldId id="292" r:id="rId25"/>
     <p:sldId id="289" r:id="rId26"/>
     <p:sldId id="294" r:id="rId27"/>
@@ -32,8 +32,9 @@
     <p:sldId id="297" r:id="rId29"/>
     <p:sldId id="298" r:id="rId30"/>
     <p:sldId id="299" r:id="rId31"/>
-    <p:sldId id="272" r:id="rId32"/>
-    <p:sldId id="268" r:id="rId33"/>
+    <p:sldId id="301" r:id="rId32"/>
+    <p:sldId id="272" r:id="rId33"/>
+    <p:sldId id="268" r:id="rId34"/>
   </p:sldIdLst>
   <p:sldSz cx="12192000" cy="6858000"/>
   <p:notesSz cx="6858000" cy="9144000"/>
@@ -358,7 +359,7 @@
           <a:p>
             <a:fld id="{F9F2E34D-57B0-41D5-A7AF-DF10D1068115}" type="datetime1">
               <a:rPr lang="en-US" smtClean="0"/>
-              <a:t>10/17/2020</a:t>
+              <a:t>10/21/2020</a:t>
             </a:fld>
             <a:endParaRPr lang="en-US" dirty="0"/>
           </a:p>
@@ -563,7 +564,7 @@
           <a:p>
             <a:fld id="{BF56EAF9-2583-4989-8D87-13F548ED6E0C}" type="datetime1">
               <a:rPr lang="en-US" smtClean="0"/>
-              <a:t>10/17/2020</a:t>
+              <a:t>10/21/2020</a:t>
             </a:fld>
             <a:endParaRPr lang="en-US" dirty="0"/>
           </a:p>
@@ -783,7 +784,7 @@
           <a:p>
             <a:fld id="{4E3F0A0B-291C-4112-A023-023C51AB2E85}" type="datetime1">
               <a:rPr lang="en-US" smtClean="0"/>
-              <a:t>10/17/2020</a:t>
+              <a:t>10/21/2020</a:t>
             </a:fld>
             <a:endParaRPr lang="en-US" dirty="0"/>
           </a:p>
@@ -1496,6 +1497,9 @@
   <p:clrMapOvr>
     <a:masterClrMapping/>
   </p:clrMapOvr>
+  <p:transition spd="slow">
+    <p:cover/>
+  </p:transition>
 </p:sld>
 </file>
 
@@ -1521,7 +1525,7 @@
           <p:cNvPr id="2" name="כותרת 1">
             <a:extLst>
               <a:ext uri="{FF2B5EF4-FFF2-40B4-BE49-F238E27FC236}">
-                <a16:creationId xmlns:a16="http://schemas.microsoft.com/office/drawing/2014/main" id="{04CFF8C4-9641-4C0E-8AA3-83B355EC4EA7}"/>
+                <a16:creationId xmlns:a16="http://schemas.microsoft.com/office/drawing/2014/main" id="{148F0701-6498-4272-AEE7-646753DDA5E1}"/>
               </a:ext>
             </a:extLst>
           </p:cNvPr>
@@ -1532,19 +1536,14 @@
             <p:ph type="title"/>
           </p:nvPr>
         </p:nvSpPr>
-        <p:spPr>
-          <a:xfrm>
-            <a:off x="2511319" y="0"/>
-            <a:ext cx="10018713" cy="1752599"/>
-          </a:xfrm>
-        </p:spPr>
+        <p:spPr/>
         <p:txBody>
           <a:bodyPr/>
           <a:lstStyle/>
           <a:p>
             <a:r>
               <a:rPr lang="en-US" dirty="0"/>
-              <a:t>Classes </a:t>
+              <a:t>for each</a:t>
             </a:r>
             <a:endParaRPr lang="he-IL" dirty="0"/>
           </a:p>
@@ -1552,10 +1551,10 @@
       </p:sp>
       <p:sp>
         <p:nvSpPr>
-          <p:cNvPr id="3" name="מציין מיקום תוכן 2">
+          <p:cNvPr id="5" name="Content Placeholder 4">
             <a:extLst>
               <a:ext uri="{FF2B5EF4-FFF2-40B4-BE49-F238E27FC236}">
-                <a16:creationId xmlns:a16="http://schemas.microsoft.com/office/drawing/2014/main" id="{7BF63E3D-ABEB-4A96-90D7-8B972409A3F8}"/>
+                <a16:creationId xmlns:a16="http://schemas.microsoft.com/office/drawing/2014/main" id="{C821A2D8-DB43-4F32-9B19-9822BDFD912E}"/>
               </a:ext>
             </a:extLst>
           </p:cNvPr>
@@ -1568,108 +1567,41 @@
         </p:nvSpPr>
         <p:spPr>
           <a:xfrm>
-            <a:off x="2853373" y="0"/>
-            <a:ext cx="9338628" cy="4853942"/>
+            <a:off x="2173287" y="1722269"/>
+            <a:ext cx="10018713" cy="4036274"/>
           </a:xfrm>
         </p:spPr>
         <p:txBody>
-          <a:bodyPr>
-            <a:normAutofit/>
-          </a:bodyPr>
+          <a:bodyPr/>
           <a:lstStyle/>
           <a:p>
             <a:pPr marL="0" indent="0" algn="l">
               <a:buNone/>
             </a:pPr>
             <a:r>
-              <a:rPr lang="en-US" sz="1800" b="0" i="0" dirty="0">
-                <a:solidFill>
-                  <a:schemeClr val="tx1"/>
-                </a:solidFill>
-                <a:effectLst/>
-                <a:latin typeface="Segoe UI" panose="020B0502040204020203" pitchFamily="34" charset="0"/>
-              </a:rPr>
-              <a:t>Java - What are Classes and Objects?</a:t>
-            </a:r>
-          </a:p>
-          <a:p>
-            <a:pPr marL="0" indent="0" algn="l">
-              <a:buNone/>
-            </a:pPr>
-            <a:r>
-              <a:rPr lang="en-US" sz="1800" b="0" i="0" dirty="0">
-                <a:solidFill>
-                  <a:schemeClr val="tx1"/>
-                </a:solidFill>
-                <a:effectLst/>
-                <a:latin typeface="Verdana" panose="020B0604030504040204" pitchFamily="34" charset="0"/>
-              </a:rPr>
-              <a:t>Classes and objects are the two main aspects of object-oriented programming.</a:t>
-            </a:r>
-          </a:p>
-          <a:p>
-            <a:pPr marL="0" indent="0" algn="l">
-              <a:buNone/>
-            </a:pPr>
-            <a:r>
-              <a:rPr lang="en-US" sz="1800" b="0" i="0" dirty="0">
-                <a:solidFill>
-                  <a:schemeClr val="tx1"/>
-                </a:solidFill>
-                <a:effectLst/>
-                <a:latin typeface="Verdana" panose="020B0604030504040204" pitchFamily="34" charset="0"/>
-              </a:rPr>
-              <a:t>Look at the following illustration to see the difference between class and objects:</a:t>
-            </a:r>
-            <a:endParaRPr lang="he-IL" sz="1800" b="0" i="0" dirty="0">
-              <a:solidFill>
-                <a:schemeClr val="tx1"/>
-              </a:solidFill>
-              <a:effectLst/>
-              <a:latin typeface="Verdana" panose="020B0604030504040204" pitchFamily="34" charset="0"/>
-            </a:endParaRPr>
-          </a:p>
-          <a:p>
-            <a:pPr marL="0" indent="0" algn="l">
-              <a:buNone/>
-            </a:pPr>
-            <a:endParaRPr lang="he-IL" sz="1000" dirty="0">
-              <a:solidFill>
-                <a:schemeClr val="tx1"/>
-              </a:solidFill>
-              <a:latin typeface="Verdana" panose="020B0604030504040204" pitchFamily="34" charset="0"/>
-            </a:endParaRPr>
-          </a:p>
-          <a:p>
-            <a:pPr marL="0" indent="0" algn="l">
-              <a:buNone/>
-            </a:pPr>
-            <a:endParaRPr lang="en-US" sz="1000" b="0" i="0" dirty="0">
-              <a:solidFill>
-                <a:schemeClr val="tx1"/>
-              </a:solidFill>
-              <a:effectLst/>
-              <a:latin typeface="Verdana" panose="020B0604030504040204" pitchFamily="34" charset="0"/>
-            </a:endParaRPr>
-          </a:p>
-          <a:p>
-            <a:pPr marL="0" indent="0" algn="l">
-              <a:buNone/>
-            </a:pPr>
-            <a:endParaRPr lang="he-IL" sz="1000" dirty="0">
-              <a:solidFill>
-                <a:schemeClr val="tx1"/>
-              </a:solidFill>
-            </a:endParaRPr>
+              <a:rPr lang="en-US" dirty="0"/>
+              <a:t>               </a:t>
+            </a:r>
+            <a:r>
+              <a:rPr lang="en-US" dirty="0">
+                <a:solidFill>
+                  <a:schemeClr val="bg2">
+                    <a:lumMod val="10000"/>
+                    <a:lumOff val="90000"/>
+                  </a:schemeClr>
+                </a:solidFill>
+              </a:rPr>
+              <a:t>Out:</a:t>
+            </a:r>
           </a:p>
         </p:txBody>
       </p:sp>
       <p:pic>
         <p:nvPicPr>
-          <p:cNvPr id="6" name="תמונה 5">
+          <p:cNvPr id="6" name="Picture 5">
             <a:extLst>
               <a:ext uri="{FF2B5EF4-FFF2-40B4-BE49-F238E27FC236}">
-                <a16:creationId xmlns:a16="http://schemas.microsoft.com/office/drawing/2014/main" id="{41AD84D9-E2C3-461E-816C-D662A4D855F3}"/>
+                <a16:creationId xmlns:a16="http://schemas.microsoft.com/office/drawing/2014/main" id="{CEBF4BA9-9AE7-4A6F-9671-92C873349E39}"/>
               </a:ext>
             </a:extLst>
           </p:cNvPr>
@@ -1686,8 +1618,38 @@
         </p:blipFill>
         <p:spPr>
           <a:xfrm>
-            <a:off x="3562350" y="3076575"/>
-            <a:ext cx="7615237" cy="3291786"/>
+            <a:off x="3119437" y="2098276"/>
+            <a:ext cx="5953125" cy="1390650"/>
+          </a:xfrm>
+          <a:prstGeom prst="rect">
+            <a:avLst/>
+          </a:prstGeom>
+        </p:spPr>
+      </p:pic>
+      <p:pic>
+        <p:nvPicPr>
+          <p:cNvPr id="7" name="Picture 6">
+            <a:extLst>
+              <a:ext uri="{FF2B5EF4-FFF2-40B4-BE49-F238E27FC236}">
+                <a16:creationId xmlns:a16="http://schemas.microsoft.com/office/drawing/2014/main" id="{A2AE082B-CE1F-4D23-8FB8-6143F3B77A3A}"/>
+              </a:ext>
+            </a:extLst>
+          </p:cNvPr>
+          <p:cNvPicPr>
+            <a:picLocks noChangeAspect="1"/>
+          </p:cNvPicPr>
+          <p:nvPr/>
+        </p:nvPicPr>
+        <p:blipFill>
+          <a:blip r:embed="rId3"/>
+          <a:stretch>
+            <a:fillRect/>
+          </a:stretch>
+        </p:blipFill>
+        <p:spPr>
+          <a:xfrm>
+            <a:off x="3119437" y="4051867"/>
+            <a:ext cx="3844151" cy="702128"/>
           </a:xfrm>
           <a:prstGeom prst="rect">
             <a:avLst/>
@@ -1697,13 +1659,267 @@
     </p:spTree>
     <p:extLst>
       <p:ext uri="{BB962C8B-B14F-4D97-AF65-F5344CB8AC3E}">
-        <p14:creationId xmlns:p14="http://schemas.microsoft.com/office/powerpoint/2010/main" val="3338846964"/>
+        <p14:creationId xmlns:p14="http://schemas.microsoft.com/office/powerpoint/2010/main" val="777950363"/>
       </p:ext>
     </p:extLst>
   </p:cSld>
   <p:clrMapOvr>
     <a:masterClrMapping/>
   </p:clrMapOvr>
+  <p:transition spd="slow">
+    <p:cover/>
+  </p:transition>
+  <p:timing>
+    <p:tnLst>
+      <p:par>
+        <p:cTn id="1" dur="indefinite" restart="never" nodeType="tmRoot">
+          <p:childTnLst>
+            <p:seq concurrent="1" nextAc="seek">
+              <p:cTn id="2" dur="indefinite" nodeType="mainSeq">
+                <p:childTnLst>
+                  <p:par>
+                    <p:cTn id="3" fill="hold">
+                      <p:stCondLst>
+                        <p:cond delay="indefinite"/>
+                      </p:stCondLst>
+                      <p:childTnLst>
+                        <p:par>
+                          <p:cTn id="4" fill="hold">
+                            <p:stCondLst>
+                              <p:cond delay="0"/>
+                            </p:stCondLst>
+                            <p:childTnLst>
+                              <p:par>
+                                <p:cTn id="5" presetID="31" presetClass="entr" presetSubtype="0" fill="hold" nodeType="clickEffect">
+                                  <p:stCondLst>
+                                    <p:cond delay="0"/>
+                                  </p:stCondLst>
+                                  <p:childTnLst>
+                                    <p:set>
+                                      <p:cBhvr>
+                                        <p:cTn id="6" dur="1" fill="hold">
+                                          <p:stCondLst>
+                                            <p:cond delay="0"/>
+                                          </p:stCondLst>
+                                        </p:cTn>
+                                        <p:tgtEl>
+                                          <p:spTgt spid="6"/>
+                                        </p:tgtEl>
+                                        <p:attrNameLst>
+                                          <p:attrName>style.visibility</p:attrName>
+                                        </p:attrNameLst>
+                                      </p:cBhvr>
+                                      <p:to>
+                                        <p:strVal val="visible"/>
+                                      </p:to>
+                                    </p:set>
+                                    <p:anim calcmode="lin" valueType="num">
+                                      <p:cBhvr>
+                                        <p:cTn id="7" dur="1000" fill="hold"/>
+                                        <p:tgtEl>
+                                          <p:spTgt spid="6"/>
+                                        </p:tgtEl>
+                                        <p:attrNameLst>
+                                          <p:attrName>ppt_w</p:attrName>
+                                        </p:attrNameLst>
+                                      </p:cBhvr>
+                                      <p:tavLst>
+                                        <p:tav tm="0">
+                                          <p:val>
+                                            <p:fltVal val="0"/>
+                                          </p:val>
+                                        </p:tav>
+                                        <p:tav tm="100000">
+                                          <p:val>
+                                            <p:strVal val="#ppt_w"/>
+                                          </p:val>
+                                        </p:tav>
+                                      </p:tavLst>
+                                    </p:anim>
+                                    <p:anim calcmode="lin" valueType="num">
+                                      <p:cBhvr>
+                                        <p:cTn id="8" dur="1000" fill="hold"/>
+                                        <p:tgtEl>
+                                          <p:spTgt spid="6"/>
+                                        </p:tgtEl>
+                                        <p:attrNameLst>
+                                          <p:attrName>ppt_h</p:attrName>
+                                        </p:attrNameLst>
+                                      </p:cBhvr>
+                                      <p:tavLst>
+                                        <p:tav tm="0">
+                                          <p:val>
+                                            <p:fltVal val="0"/>
+                                          </p:val>
+                                        </p:tav>
+                                        <p:tav tm="100000">
+                                          <p:val>
+                                            <p:strVal val="#ppt_h"/>
+                                          </p:val>
+                                        </p:tav>
+                                      </p:tavLst>
+                                    </p:anim>
+                                    <p:anim calcmode="lin" valueType="num">
+                                      <p:cBhvr>
+                                        <p:cTn id="9" dur="1000" fill="hold"/>
+                                        <p:tgtEl>
+                                          <p:spTgt spid="6"/>
+                                        </p:tgtEl>
+                                        <p:attrNameLst>
+                                          <p:attrName>style.rotation</p:attrName>
+                                        </p:attrNameLst>
+                                      </p:cBhvr>
+                                      <p:tavLst>
+                                        <p:tav tm="0">
+                                          <p:val>
+                                            <p:fltVal val="90"/>
+                                          </p:val>
+                                        </p:tav>
+                                        <p:tav tm="100000">
+                                          <p:val>
+                                            <p:fltVal val="0"/>
+                                          </p:val>
+                                        </p:tav>
+                                      </p:tavLst>
+                                    </p:anim>
+                                    <p:animEffect transition="in" filter="fade">
+                                      <p:cBhvr>
+                                        <p:cTn id="10" dur="1000"/>
+                                        <p:tgtEl>
+                                          <p:spTgt spid="6"/>
+                                        </p:tgtEl>
+                                      </p:cBhvr>
+                                    </p:animEffect>
+                                  </p:childTnLst>
+                                </p:cTn>
+                              </p:par>
+                            </p:childTnLst>
+                          </p:cTn>
+                        </p:par>
+                      </p:childTnLst>
+                    </p:cTn>
+                  </p:par>
+                  <p:par>
+                    <p:cTn id="11" fill="hold">
+                      <p:stCondLst>
+                        <p:cond delay="indefinite"/>
+                      </p:stCondLst>
+                      <p:childTnLst>
+                        <p:par>
+                          <p:cTn id="12" fill="hold">
+                            <p:stCondLst>
+                              <p:cond delay="0"/>
+                            </p:stCondLst>
+                            <p:childTnLst>
+                              <p:par>
+                                <p:cTn id="13" presetID="53" presetClass="entr" presetSubtype="16" fill="hold" nodeType="clickEffect">
+                                  <p:stCondLst>
+                                    <p:cond delay="0"/>
+                                  </p:stCondLst>
+                                  <p:childTnLst>
+                                    <p:set>
+                                      <p:cBhvr>
+                                        <p:cTn id="14" dur="1" fill="hold">
+                                          <p:stCondLst>
+                                            <p:cond delay="0"/>
+                                          </p:stCondLst>
+                                        </p:cTn>
+                                        <p:tgtEl>
+                                          <p:spTgt spid="7"/>
+                                        </p:tgtEl>
+                                        <p:attrNameLst>
+                                          <p:attrName>style.visibility</p:attrName>
+                                        </p:attrNameLst>
+                                      </p:cBhvr>
+                                      <p:to>
+                                        <p:strVal val="visible"/>
+                                      </p:to>
+                                    </p:set>
+                                    <p:anim calcmode="lin" valueType="num">
+                                      <p:cBhvr>
+                                        <p:cTn id="15" dur="500" fill="hold"/>
+                                        <p:tgtEl>
+                                          <p:spTgt spid="7"/>
+                                        </p:tgtEl>
+                                        <p:attrNameLst>
+                                          <p:attrName>ppt_w</p:attrName>
+                                        </p:attrNameLst>
+                                      </p:cBhvr>
+                                      <p:tavLst>
+                                        <p:tav tm="0">
+                                          <p:val>
+                                            <p:fltVal val="0"/>
+                                          </p:val>
+                                        </p:tav>
+                                        <p:tav tm="100000">
+                                          <p:val>
+                                            <p:strVal val="#ppt_w"/>
+                                          </p:val>
+                                        </p:tav>
+                                      </p:tavLst>
+                                    </p:anim>
+                                    <p:anim calcmode="lin" valueType="num">
+                                      <p:cBhvr>
+                                        <p:cTn id="16" dur="500" fill="hold"/>
+                                        <p:tgtEl>
+                                          <p:spTgt spid="7"/>
+                                        </p:tgtEl>
+                                        <p:attrNameLst>
+                                          <p:attrName>ppt_h</p:attrName>
+                                        </p:attrNameLst>
+                                      </p:cBhvr>
+                                      <p:tavLst>
+                                        <p:tav tm="0">
+                                          <p:val>
+                                            <p:fltVal val="0"/>
+                                          </p:val>
+                                        </p:tav>
+                                        <p:tav tm="100000">
+                                          <p:val>
+                                            <p:strVal val="#ppt_h"/>
+                                          </p:val>
+                                        </p:tav>
+                                      </p:tavLst>
+                                    </p:anim>
+                                    <p:animEffect transition="in" filter="fade">
+                                      <p:cBhvr>
+                                        <p:cTn id="17" dur="500"/>
+                                        <p:tgtEl>
+                                          <p:spTgt spid="7"/>
+                                        </p:tgtEl>
+                                      </p:cBhvr>
+                                    </p:animEffect>
+                                  </p:childTnLst>
+                                </p:cTn>
+                              </p:par>
+                            </p:childTnLst>
+                          </p:cTn>
+                        </p:par>
+                      </p:childTnLst>
+                    </p:cTn>
+                  </p:par>
+                </p:childTnLst>
+              </p:cTn>
+              <p:prevCondLst>
+                <p:cond evt="onPrev" delay="0">
+                  <p:tgtEl>
+                    <p:sldTgt/>
+                  </p:tgtEl>
+                </p:cond>
+              </p:prevCondLst>
+              <p:nextCondLst>
+                <p:cond evt="onNext" delay="0">
+                  <p:tgtEl>
+                    <p:sldTgt/>
+                  </p:tgtEl>
+                </p:cond>
+              </p:nextCondLst>
+            </p:seq>
+          </p:childTnLst>
+        </p:cTn>
+      </p:par>
+    </p:tnLst>
+  </p:timing>
 </p:sld>
 </file>
 
@@ -1754,23 +1970,6 @@
               <a:rPr lang="en-US" dirty="0"/>
               <a:t>Classes </a:t>
             </a:r>
-            <a:r>
-              <a:rPr lang="en-US" b="0" i="0" dirty="0">
-                <a:effectLst/>
-                <a:latin typeface="Segoe UI" panose="020B0502040204020203" pitchFamily="34" charset="0"/>
-              </a:rPr>
-              <a:t>Constructors</a:t>
-            </a:r>
-            <a:br>
-              <a:rPr lang="en-US" b="0" i="0" dirty="0">
-                <a:effectLst/>
-                <a:latin typeface="Segoe UI" panose="020B0502040204020203" pitchFamily="34" charset="0"/>
-              </a:rPr>
-            </a:br>
-            <a:r>
-              <a:rPr lang="en-US" dirty="0"/>
-              <a:t> </a:t>
-            </a:r>
             <a:endParaRPr lang="he-IL" dirty="0"/>
           </a:p>
         </p:txBody>
@@ -1793,8 +1992,8 @@
         </p:nvSpPr>
         <p:spPr>
           <a:xfrm>
-            <a:off x="2958147" y="647698"/>
-            <a:ext cx="10018713" cy="4853942"/>
+            <a:off x="2853373" y="0"/>
+            <a:ext cx="9338628" cy="4853942"/>
           </a:xfrm>
         </p:spPr>
         <p:txBody>
@@ -1807,12 +2006,14 @@
               <a:buNone/>
             </a:pPr>
             <a:r>
-              <a:rPr lang="en-US" dirty="0">
+              <a:rPr lang="en-US" sz="1800" b="0" i="0" dirty="0">
                 <a:solidFill>
                   <a:schemeClr val="tx1"/>
                 </a:solidFill>
-              </a:rPr>
-              <a:t>Create a Class</a:t>
+                <a:effectLst/>
+                <a:latin typeface="Segoe UI" panose="020B0502040204020203" pitchFamily="34" charset="0"/>
+              </a:rPr>
+              <a:t>Java - What are Classes and Objects?</a:t>
             </a:r>
           </a:p>
           <a:p>
@@ -1820,14 +2021,66 @@
               <a:buNone/>
             </a:pPr>
             <a:r>
-              <a:rPr lang="en-US" dirty="0">
+              <a:rPr lang="en-US" sz="1800" b="0" i="0" dirty="0">
                 <a:solidFill>
                   <a:schemeClr val="tx1"/>
                 </a:solidFill>
-              </a:rPr>
-              <a:t>To create a class, use the keyword class:</a:t>
-            </a:r>
-            <a:endParaRPr lang="he-IL" dirty="0">
+                <a:effectLst/>
+                <a:latin typeface="Verdana" panose="020B0604030504040204" pitchFamily="34" charset="0"/>
+              </a:rPr>
+              <a:t>Classes and objects are the two main aspects of object-oriented programming.</a:t>
+            </a:r>
+          </a:p>
+          <a:p>
+            <a:pPr marL="0" indent="0" algn="l">
+              <a:buNone/>
+            </a:pPr>
+            <a:r>
+              <a:rPr lang="en-US" sz="1800" b="0" i="0" dirty="0">
+                <a:solidFill>
+                  <a:schemeClr val="tx1"/>
+                </a:solidFill>
+                <a:effectLst/>
+                <a:latin typeface="Verdana" panose="020B0604030504040204" pitchFamily="34" charset="0"/>
+              </a:rPr>
+              <a:t>Look at the following illustration to see the difference between class and objects:</a:t>
+            </a:r>
+            <a:endParaRPr lang="he-IL" sz="1800" b="0" i="0" dirty="0">
+              <a:solidFill>
+                <a:schemeClr val="tx1"/>
+              </a:solidFill>
+              <a:effectLst/>
+              <a:latin typeface="Verdana" panose="020B0604030504040204" pitchFamily="34" charset="0"/>
+            </a:endParaRPr>
+          </a:p>
+          <a:p>
+            <a:pPr marL="0" indent="0" algn="l">
+              <a:buNone/>
+            </a:pPr>
+            <a:endParaRPr lang="he-IL" sz="1000" dirty="0">
+              <a:solidFill>
+                <a:schemeClr val="tx1"/>
+              </a:solidFill>
+              <a:latin typeface="Verdana" panose="020B0604030504040204" pitchFamily="34" charset="0"/>
+            </a:endParaRPr>
+          </a:p>
+          <a:p>
+            <a:pPr marL="0" indent="0" algn="l">
+              <a:buNone/>
+            </a:pPr>
+            <a:endParaRPr lang="en-US" sz="1000" b="0" i="0" dirty="0">
+              <a:solidFill>
+                <a:schemeClr val="tx1"/>
+              </a:solidFill>
+              <a:effectLst/>
+              <a:latin typeface="Verdana" panose="020B0604030504040204" pitchFamily="34" charset="0"/>
+            </a:endParaRPr>
+          </a:p>
+          <a:p>
+            <a:pPr marL="0" indent="0" algn="l">
+              <a:buNone/>
+            </a:pPr>
+            <a:endParaRPr lang="he-IL" sz="1000" dirty="0">
               <a:solidFill>
                 <a:schemeClr val="tx1"/>
               </a:solidFill>
@@ -1837,10 +2090,10 @@
       </p:sp>
       <p:pic>
         <p:nvPicPr>
-          <p:cNvPr id="10" name="תמונה 9">
+          <p:cNvPr id="6" name="תמונה 5">
             <a:extLst>
               <a:ext uri="{FF2B5EF4-FFF2-40B4-BE49-F238E27FC236}">
-                <a16:creationId xmlns:a16="http://schemas.microsoft.com/office/drawing/2014/main" id="{24383848-376F-4661-9BB9-22F3E011092F}"/>
+                <a16:creationId xmlns:a16="http://schemas.microsoft.com/office/drawing/2014/main" id="{41AD84D9-E2C3-461E-816C-D662A4D855F3}"/>
               </a:ext>
             </a:extLst>
           </p:cNvPr>
@@ -1857,8 +2110,8 @@
         </p:blipFill>
         <p:spPr>
           <a:xfrm>
-            <a:off x="3843337" y="3992953"/>
-            <a:ext cx="6034088" cy="1893495"/>
+            <a:off x="3562350" y="3076575"/>
+            <a:ext cx="7615237" cy="3291786"/>
           </a:xfrm>
           <a:prstGeom prst="rect">
             <a:avLst/>
@@ -1868,13 +2121,145 @@
     </p:spTree>
     <p:extLst>
       <p:ext uri="{BB962C8B-B14F-4D97-AF65-F5344CB8AC3E}">
-        <p14:creationId xmlns:p14="http://schemas.microsoft.com/office/powerpoint/2010/main" val="3765678608"/>
+        <p14:creationId xmlns:p14="http://schemas.microsoft.com/office/powerpoint/2010/main" val="3338846964"/>
       </p:ext>
     </p:extLst>
   </p:cSld>
   <p:clrMapOvr>
     <a:masterClrMapping/>
   </p:clrMapOvr>
+  <p:transition spd="slow">
+    <p:cover/>
+  </p:transition>
+  <p:timing>
+    <p:tnLst>
+      <p:par>
+        <p:cTn id="1" dur="indefinite" restart="never" nodeType="tmRoot">
+          <p:childTnLst>
+            <p:seq concurrent="1" nextAc="seek">
+              <p:cTn id="2" dur="indefinite" nodeType="mainSeq">
+                <p:childTnLst>
+                  <p:par>
+                    <p:cTn id="3" fill="hold">
+                      <p:stCondLst>
+                        <p:cond delay="indefinite"/>
+                      </p:stCondLst>
+                      <p:childTnLst>
+                        <p:par>
+                          <p:cTn id="4" fill="hold">
+                            <p:stCondLst>
+                              <p:cond delay="0"/>
+                            </p:stCondLst>
+                            <p:childTnLst>
+                              <p:par>
+                                <p:cTn id="5" presetID="42" presetClass="entr" presetSubtype="0" fill="hold" nodeType="clickEffect">
+                                  <p:stCondLst>
+                                    <p:cond delay="0"/>
+                                  </p:stCondLst>
+                                  <p:childTnLst>
+                                    <p:set>
+                                      <p:cBhvr>
+                                        <p:cTn id="6" dur="1" fill="hold">
+                                          <p:stCondLst>
+                                            <p:cond delay="0"/>
+                                          </p:stCondLst>
+                                        </p:cTn>
+                                        <p:tgtEl>
+                                          <p:spTgt spid="6"/>
+                                        </p:tgtEl>
+                                        <p:attrNameLst>
+                                          <p:attrName>style.visibility</p:attrName>
+                                        </p:attrNameLst>
+                                      </p:cBhvr>
+                                      <p:to>
+                                        <p:strVal val="visible"/>
+                                      </p:to>
+                                    </p:set>
+                                    <p:animEffect transition="in" filter="fade">
+                                      <p:cBhvr>
+                                        <p:cTn id="7" dur="1000"/>
+                                        <p:tgtEl>
+                                          <p:spTgt spid="6"/>
+                                        </p:tgtEl>
+                                      </p:cBhvr>
+                                    </p:animEffect>
+                                    <p:anim calcmode="lin" valueType="num">
+                                      <p:cBhvr>
+                                        <p:cTn id="8" dur="1000" fill="hold"/>
+                                        <p:tgtEl>
+                                          <p:spTgt spid="6"/>
+                                        </p:tgtEl>
+                                        <p:attrNameLst>
+                                          <p:attrName>ppt_x</p:attrName>
+                                        </p:attrNameLst>
+                                      </p:cBhvr>
+                                      <p:tavLst>
+                                        <p:tav tm="0">
+                                          <p:val>
+                                            <p:strVal val="#ppt_x"/>
+                                          </p:val>
+                                        </p:tav>
+                                        <p:tav tm="100000">
+                                          <p:val>
+                                            <p:strVal val="#ppt_x"/>
+                                          </p:val>
+                                        </p:tav>
+                                      </p:tavLst>
+                                    </p:anim>
+                                    <p:anim calcmode="lin" valueType="num">
+                                      <p:cBhvr>
+                                        <p:cTn id="9" dur="1000" fill="hold"/>
+                                        <p:tgtEl>
+                                          <p:spTgt spid="6"/>
+                                        </p:tgtEl>
+                                        <p:attrNameLst>
+                                          <p:attrName>ppt_y</p:attrName>
+                                        </p:attrNameLst>
+                                      </p:cBhvr>
+                                      <p:tavLst>
+                                        <p:tav tm="0">
+                                          <p:val>
+                                            <p:strVal val="#ppt_y+.1"/>
+                                          </p:val>
+                                        </p:tav>
+                                        <p:tav tm="100000">
+                                          <p:val>
+                                            <p:strVal val="#ppt_y"/>
+                                          </p:val>
+                                        </p:tav>
+                                      </p:tavLst>
+                                    </p:anim>
+                                  </p:childTnLst>
+                                </p:cTn>
+                              </p:par>
+                            </p:childTnLst>
+                          </p:cTn>
+                        </p:par>
+                      </p:childTnLst>
+                    </p:cTn>
+                  </p:par>
+                </p:childTnLst>
+              </p:cTn>
+              <p:prevCondLst>
+                <p:cond evt="onPrev" delay="0">
+                  <p:tgtEl>
+                    <p:sldTgt/>
+                  </p:tgtEl>
+                </p:cond>
+              </p:prevCondLst>
+              <p:nextCondLst>
+                <p:cond evt="onNext" delay="0">
+                  <p:tgtEl>
+                    <p:sldTgt/>
+                  </p:tgtEl>
+                </p:cond>
+              </p:nextCondLst>
+            </p:seq>
+          </p:childTnLst>
+        </p:cTn>
+      </p:par>
+    </p:tnLst>
+  </p:timing>
 </p:sld>
 </file>
 
@@ -1926,12 +2311,18 @@
               <a:t>Classes </a:t>
             </a:r>
             <a:r>
-              <a:rPr lang="en-US" sz="4000" b="0" i="0" dirty="0">
+              <a:rPr lang="en-US" b="0" i="0" dirty="0">
                 <a:effectLst/>
                 <a:latin typeface="Segoe UI" panose="020B0502040204020203" pitchFamily="34" charset="0"/>
               </a:rPr>
-              <a:t>methods</a:t>
-            </a:r>
+              <a:t>Constructors</a:t>
+            </a:r>
+            <a:br>
+              <a:rPr lang="en-US" b="0" i="0" dirty="0">
+                <a:effectLst/>
+                <a:latin typeface="Segoe UI" panose="020B0502040204020203" pitchFamily="34" charset="0"/>
+              </a:rPr>
+            </a:br>
             <a:r>
               <a:rPr lang="en-US" dirty="0"/>
               <a:t> </a:t>
@@ -1972,60 +2363,27 @@
               <a:buNone/>
             </a:pPr>
             <a:r>
-              <a:rPr lang="en-US" sz="1600" b="0" i="0" dirty="0">
+              <a:rPr lang="en-US" dirty="0">
                 <a:solidFill>
                   <a:schemeClr val="tx1"/>
                 </a:solidFill>
-                <a:effectLst/>
-                <a:latin typeface="Segoe UI" panose="020B0502040204020203" pitchFamily="34" charset="0"/>
-              </a:rPr>
-              <a:t>Java class methods</a:t>
-            </a:r>
-            <a:r>
-              <a:rPr lang="en-US" sz="1600" dirty="0">
-                <a:solidFill>
-                  <a:schemeClr val="tx1"/>
-                </a:solidFill>
-                <a:latin typeface="Segoe UI" panose="020B0502040204020203" pitchFamily="34" charset="0"/>
-              </a:rPr>
-              <a:t>: </a:t>
-            </a:r>
-            <a:endParaRPr lang="he-IL" sz="1600" b="0" i="0" dirty="0">
-              <a:solidFill>
-                <a:schemeClr val="tx1"/>
-              </a:solidFill>
-              <a:effectLst/>
-              <a:latin typeface="Verdana" panose="020B0604030504040204" pitchFamily="34" charset="0"/>
-            </a:endParaRPr>
+              </a:rPr>
+              <a:t>Create a Class</a:t>
+            </a:r>
           </a:p>
           <a:p>
             <a:pPr marL="0" indent="0" algn="l">
               <a:buNone/>
             </a:pPr>
-            <a:endParaRPr lang="he-IL" sz="1000" dirty="0">
-              <a:solidFill>
-                <a:schemeClr val="tx1"/>
-              </a:solidFill>
-              <a:latin typeface="Verdana" panose="020B0604030504040204" pitchFamily="34" charset="0"/>
-            </a:endParaRPr>
-          </a:p>
-          <a:p>
-            <a:pPr marL="0" indent="0" algn="l">
-              <a:buNone/>
-            </a:pPr>
-            <a:endParaRPr lang="en-US" sz="1000" b="0" i="0" dirty="0">
-              <a:solidFill>
-                <a:schemeClr val="tx1"/>
-              </a:solidFill>
-              <a:effectLst/>
-              <a:latin typeface="Verdana" panose="020B0604030504040204" pitchFamily="34" charset="0"/>
-            </a:endParaRPr>
-          </a:p>
-          <a:p>
-            <a:pPr marL="0" indent="0" algn="l">
-              <a:buNone/>
-            </a:pPr>
-            <a:endParaRPr lang="he-IL" sz="1000" dirty="0">
+            <a:r>
+              <a:rPr lang="en-US" dirty="0">
+                <a:solidFill>
+                  <a:schemeClr val="tx1"/>
+                </a:solidFill>
+              </a:rPr>
+              <a:t>To create a class, use the keyword class:</a:t>
+            </a:r>
+            <a:endParaRPr lang="he-IL" dirty="0">
               <a:solidFill>
                 <a:schemeClr val="tx1"/>
               </a:solidFill>
@@ -2035,10 +2393,10 @@
       </p:sp>
       <p:pic>
         <p:nvPicPr>
-          <p:cNvPr id="7" name="תמונה 6">
+          <p:cNvPr id="10" name="תמונה 9">
             <a:extLst>
               <a:ext uri="{FF2B5EF4-FFF2-40B4-BE49-F238E27FC236}">
-                <a16:creationId xmlns:a16="http://schemas.microsoft.com/office/drawing/2014/main" id="{85A7D0F8-10C0-4966-8AAC-D5F7BB51FEFE}"/>
+                <a16:creationId xmlns:a16="http://schemas.microsoft.com/office/drawing/2014/main" id="{24383848-376F-4661-9BB9-22F3E011092F}"/>
               </a:ext>
             </a:extLst>
           </p:cNvPr>
@@ -2055,8 +2413,8 @@
         </p:blipFill>
         <p:spPr>
           <a:xfrm>
-            <a:off x="2958147" y="3162299"/>
-            <a:ext cx="5297329" cy="2162175"/>
+            <a:off x="3843337" y="3992953"/>
+            <a:ext cx="6034088" cy="1893495"/>
           </a:xfrm>
           <a:prstGeom prst="rect">
             <a:avLst/>
@@ -2066,13 +2424,145 @@
     </p:spTree>
     <p:extLst>
       <p:ext uri="{BB962C8B-B14F-4D97-AF65-F5344CB8AC3E}">
-        <p14:creationId xmlns:p14="http://schemas.microsoft.com/office/powerpoint/2010/main" val="1294004215"/>
+        <p14:creationId xmlns:p14="http://schemas.microsoft.com/office/powerpoint/2010/main" val="3765678608"/>
       </p:ext>
     </p:extLst>
   </p:cSld>
   <p:clrMapOvr>
     <a:masterClrMapping/>
   </p:clrMapOvr>
+  <p:transition spd="slow">
+    <p:cover/>
+  </p:transition>
+  <p:timing>
+    <p:tnLst>
+      <p:par>
+        <p:cTn id="1" dur="indefinite" restart="never" nodeType="tmRoot">
+          <p:childTnLst>
+            <p:seq concurrent="1" nextAc="seek">
+              <p:cTn id="2" dur="indefinite" nodeType="mainSeq">
+                <p:childTnLst>
+                  <p:par>
+                    <p:cTn id="3" fill="hold">
+                      <p:stCondLst>
+                        <p:cond delay="indefinite"/>
+                      </p:stCondLst>
+                      <p:childTnLst>
+                        <p:par>
+                          <p:cTn id="4" fill="hold">
+                            <p:stCondLst>
+                              <p:cond delay="0"/>
+                            </p:stCondLst>
+                            <p:childTnLst>
+                              <p:par>
+                                <p:cTn id="5" presetID="53" presetClass="entr" presetSubtype="16" fill="hold" nodeType="clickEffect">
+                                  <p:stCondLst>
+                                    <p:cond delay="0"/>
+                                  </p:stCondLst>
+                                  <p:childTnLst>
+                                    <p:set>
+                                      <p:cBhvr>
+                                        <p:cTn id="6" dur="1" fill="hold">
+                                          <p:stCondLst>
+                                            <p:cond delay="0"/>
+                                          </p:stCondLst>
+                                        </p:cTn>
+                                        <p:tgtEl>
+                                          <p:spTgt spid="10"/>
+                                        </p:tgtEl>
+                                        <p:attrNameLst>
+                                          <p:attrName>style.visibility</p:attrName>
+                                        </p:attrNameLst>
+                                      </p:cBhvr>
+                                      <p:to>
+                                        <p:strVal val="visible"/>
+                                      </p:to>
+                                    </p:set>
+                                    <p:anim calcmode="lin" valueType="num">
+                                      <p:cBhvr>
+                                        <p:cTn id="7" dur="500" fill="hold"/>
+                                        <p:tgtEl>
+                                          <p:spTgt spid="10"/>
+                                        </p:tgtEl>
+                                        <p:attrNameLst>
+                                          <p:attrName>ppt_w</p:attrName>
+                                        </p:attrNameLst>
+                                      </p:cBhvr>
+                                      <p:tavLst>
+                                        <p:tav tm="0">
+                                          <p:val>
+                                            <p:fltVal val="0"/>
+                                          </p:val>
+                                        </p:tav>
+                                        <p:tav tm="100000">
+                                          <p:val>
+                                            <p:strVal val="#ppt_w"/>
+                                          </p:val>
+                                        </p:tav>
+                                      </p:tavLst>
+                                    </p:anim>
+                                    <p:anim calcmode="lin" valueType="num">
+                                      <p:cBhvr>
+                                        <p:cTn id="8" dur="500" fill="hold"/>
+                                        <p:tgtEl>
+                                          <p:spTgt spid="10"/>
+                                        </p:tgtEl>
+                                        <p:attrNameLst>
+                                          <p:attrName>ppt_h</p:attrName>
+                                        </p:attrNameLst>
+                                      </p:cBhvr>
+                                      <p:tavLst>
+                                        <p:tav tm="0">
+                                          <p:val>
+                                            <p:fltVal val="0"/>
+                                          </p:val>
+                                        </p:tav>
+                                        <p:tav tm="100000">
+                                          <p:val>
+                                            <p:strVal val="#ppt_h"/>
+                                          </p:val>
+                                        </p:tav>
+                                      </p:tavLst>
+                                    </p:anim>
+                                    <p:animEffect transition="in" filter="fade">
+                                      <p:cBhvr>
+                                        <p:cTn id="9" dur="500"/>
+                                        <p:tgtEl>
+                                          <p:spTgt spid="10"/>
+                                        </p:tgtEl>
+                                      </p:cBhvr>
+                                    </p:animEffect>
+                                  </p:childTnLst>
+                                </p:cTn>
+                              </p:par>
+                            </p:childTnLst>
+                          </p:cTn>
+                        </p:par>
+                      </p:childTnLst>
+                    </p:cTn>
+                  </p:par>
+                </p:childTnLst>
+              </p:cTn>
+              <p:prevCondLst>
+                <p:cond evt="onPrev" delay="0">
+                  <p:tgtEl>
+                    <p:sldTgt/>
+                  </p:tgtEl>
+                </p:cond>
+              </p:prevCondLst>
+              <p:nextCondLst>
+                <p:cond evt="onNext" delay="0">
+                  <p:tgtEl>
+                    <p:sldTgt/>
+                  </p:tgtEl>
+                </p:cond>
+              </p:nextCondLst>
+            </p:seq>
+          </p:childTnLst>
+        </p:cTn>
+      </p:par>
+    </p:tnLst>
+  </p:timing>
 </p:sld>
 </file>
 
@@ -2121,6 +2611,290 @@
           <a:p>
             <a:r>
               <a:rPr lang="en-US" dirty="0"/>
+              <a:t>Classes </a:t>
+            </a:r>
+            <a:r>
+              <a:rPr lang="en-US" sz="4000" b="0" i="0" dirty="0">
+                <a:effectLst/>
+                <a:latin typeface="Segoe UI" panose="020B0502040204020203" pitchFamily="34" charset="0"/>
+              </a:rPr>
+              <a:t>methods</a:t>
+            </a:r>
+            <a:r>
+              <a:rPr lang="en-US" dirty="0"/>
+              <a:t> </a:t>
+            </a:r>
+            <a:endParaRPr lang="he-IL" dirty="0"/>
+          </a:p>
+        </p:txBody>
+      </p:sp>
+      <p:sp>
+        <p:nvSpPr>
+          <p:cNvPr id="3" name="מציין מיקום תוכן 2">
+            <a:extLst>
+              <a:ext uri="{FF2B5EF4-FFF2-40B4-BE49-F238E27FC236}">
+                <a16:creationId xmlns:a16="http://schemas.microsoft.com/office/drawing/2014/main" id="{7BF63E3D-ABEB-4A96-90D7-8B972409A3F8}"/>
+              </a:ext>
+            </a:extLst>
+          </p:cNvPr>
+          <p:cNvSpPr>
+            <a:spLocks noGrp="1"/>
+          </p:cNvSpPr>
+          <p:nvPr>
+            <p:ph idx="1"/>
+          </p:nvPr>
+        </p:nvSpPr>
+        <p:spPr>
+          <a:xfrm>
+            <a:off x="2958147" y="647698"/>
+            <a:ext cx="10018713" cy="4853942"/>
+          </a:xfrm>
+        </p:spPr>
+        <p:txBody>
+          <a:bodyPr>
+            <a:normAutofit/>
+          </a:bodyPr>
+          <a:lstStyle/>
+          <a:p>
+            <a:pPr marL="0" indent="0" algn="l">
+              <a:buNone/>
+            </a:pPr>
+            <a:r>
+              <a:rPr lang="en-US" sz="1600" b="0" i="0" dirty="0">
+                <a:solidFill>
+                  <a:schemeClr val="tx1"/>
+                </a:solidFill>
+                <a:effectLst/>
+                <a:latin typeface="Segoe UI" panose="020B0502040204020203" pitchFamily="34" charset="0"/>
+              </a:rPr>
+              <a:t>Java class methods</a:t>
+            </a:r>
+            <a:r>
+              <a:rPr lang="en-US" sz="1600" dirty="0">
+                <a:solidFill>
+                  <a:schemeClr val="tx1"/>
+                </a:solidFill>
+                <a:latin typeface="Segoe UI" panose="020B0502040204020203" pitchFamily="34" charset="0"/>
+              </a:rPr>
+              <a:t>: </a:t>
+            </a:r>
+            <a:endParaRPr lang="he-IL" sz="1600" b="0" i="0" dirty="0">
+              <a:solidFill>
+                <a:schemeClr val="tx1"/>
+              </a:solidFill>
+              <a:effectLst/>
+              <a:latin typeface="Verdana" panose="020B0604030504040204" pitchFamily="34" charset="0"/>
+            </a:endParaRPr>
+          </a:p>
+          <a:p>
+            <a:pPr marL="0" indent="0" algn="l">
+              <a:buNone/>
+            </a:pPr>
+            <a:endParaRPr lang="he-IL" sz="1000" dirty="0">
+              <a:solidFill>
+                <a:schemeClr val="tx1"/>
+              </a:solidFill>
+              <a:latin typeface="Verdana" panose="020B0604030504040204" pitchFamily="34" charset="0"/>
+            </a:endParaRPr>
+          </a:p>
+          <a:p>
+            <a:pPr marL="0" indent="0" algn="l">
+              <a:buNone/>
+            </a:pPr>
+            <a:endParaRPr lang="en-US" sz="1000" b="0" i="0" dirty="0">
+              <a:solidFill>
+                <a:schemeClr val="tx1"/>
+              </a:solidFill>
+              <a:effectLst/>
+              <a:latin typeface="Verdana" panose="020B0604030504040204" pitchFamily="34" charset="0"/>
+            </a:endParaRPr>
+          </a:p>
+          <a:p>
+            <a:pPr marL="0" indent="0" algn="l">
+              <a:buNone/>
+            </a:pPr>
+            <a:endParaRPr lang="he-IL" sz="1000" dirty="0">
+              <a:solidFill>
+                <a:schemeClr val="tx1"/>
+              </a:solidFill>
+            </a:endParaRPr>
+          </a:p>
+        </p:txBody>
+      </p:sp>
+      <p:pic>
+        <p:nvPicPr>
+          <p:cNvPr id="7" name="תמונה 6">
+            <a:extLst>
+              <a:ext uri="{FF2B5EF4-FFF2-40B4-BE49-F238E27FC236}">
+                <a16:creationId xmlns:a16="http://schemas.microsoft.com/office/drawing/2014/main" id="{85A7D0F8-10C0-4966-8AAC-D5F7BB51FEFE}"/>
+              </a:ext>
+            </a:extLst>
+          </p:cNvPr>
+          <p:cNvPicPr>
+            <a:picLocks noChangeAspect="1"/>
+          </p:cNvPicPr>
+          <p:nvPr/>
+        </p:nvPicPr>
+        <p:blipFill>
+          <a:blip r:embed="rId2"/>
+          <a:stretch>
+            <a:fillRect/>
+          </a:stretch>
+        </p:blipFill>
+        <p:spPr>
+          <a:xfrm>
+            <a:off x="2958147" y="3162299"/>
+            <a:ext cx="5297329" cy="2162175"/>
+          </a:xfrm>
+          <a:prstGeom prst="rect">
+            <a:avLst/>
+          </a:prstGeom>
+        </p:spPr>
+      </p:pic>
+    </p:spTree>
+    <p:extLst>
+      <p:ext uri="{BB962C8B-B14F-4D97-AF65-F5344CB8AC3E}">
+        <p14:creationId xmlns:p14="http://schemas.microsoft.com/office/powerpoint/2010/main" val="1294004215"/>
+      </p:ext>
+    </p:extLst>
+  </p:cSld>
+  <p:clrMapOvr>
+    <a:masterClrMapping/>
+  </p:clrMapOvr>
+  <p:transition spd="slow">
+    <p:cover/>
+  </p:transition>
+  <p:timing>
+    <p:tnLst>
+      <p:par>
+        <p:cTn id="1" dur="indefinite" restart="never" nodeType="tmRoot">
+          <p:childTnLst>
+            <p:seq concurrent="1" nextAc="seek">
+              <p:cTn id="2" dur="indefinite" nodeType="mainSeq">
+                <p:childTnLst>
+                  <p:par>
+                    <p:cTn id="3" fill="hold">
+                      <p:stCondLst>
+                        <p:cond delay="indefinite"/>
+                      </p:stCondLst>
+                      <p:childTnLst>
+                        <p:par>
+                          <p:cTn id="4" fill="hold">
+                            <p:stCondLst>
+                              <p:cond delay="0"/>
+                            </p:stCondLst>
+                            <p:childTnLst>
+                              <p:par>
+                                <p:cTn id="5" presetID="14" presetClass="entr" presetSubtype="10" fill="hold" nodeType="clickEffect">
+                                  <p:stCondLst>
+                                    <p:cond delay="0"/>
+                                  </p:stCondLst>
+                                  <p:childTnLst>
+                                    <p:set>
+                                      <p:cBhvr>
+                                        <p:cTn id="6" dur="1" fill="hold">
+                                          <p:stCondLst>
+                                            <p:cond delay="0"/>
+                                          </p:stCondLst>
+                                        </p:cTn>
+                                        <p:tgtEl>
+                                          <p:spTgt spid="7"/>
+                                        </p:tgtEl>
+                                        <p:attrNameLst>
+                                          <p:attrName>style.visibility</p:attrName>
+                                        </p:attrNameLst>
+                                      </p:cBhvr>
+                                      <p:to>
+                                        <p:strVal val="visible"/>
+                                      </p:to>
+                                    </p:set>
+                                    <p:animEffect transition="in" filter="randombar(horizontal)">
+                                      <p:cBhvr>
+                                        <p:cTn id="7" dur="500"/>
+                                        <p:tgtEl>
+                                          <p:spTgt spid="7"/>
+                                        </p:tgtEl>
+                                      </p:cBhvr>
+                                    </p:animEffect>
+                                  </p:childTnLst>
+                                </p:cTn>
+                              </p:par>
+                            </p:childTnLst>
+                          </p:cTn>
+                        </p:par>
+                      </p:childTnLst>
+                    </p:cTn>
+                  </p:par>
+                </p:childTnLst>
+              </p:cTn>
+              <p:prevCondLst>
+                <p:cond evt="onPrev" delay="0">
+                  <p:tgtEl>
+                    <p:sldTgt/>
+                  </p:tgtEl>
+                </p:cond>
+              </p:prevCondLst>
+              <p:nextCondLst>
+                <p:cond evt="onNext" delay="0">
+                  <p:tgtEl>
+                    <p:sldTgt/>
+                  </p:tgtEl>
+                </p:cond>
+              </p:nextCondLst>
+            </p:seq>
+          </p:childTnLst>
+        </p:cTn>
+      </p:par>
+    </p:tnLst>
+  </p:timing>
+</p:sld>
+</file>
+
+<file path=ppt/slides/slide14.xml><?xml version="1.0" encoding="utf-8"?>
+<p:sld xmlns:a="http://schemas.openxmlformats.org/drawingml/2006/main" xmlns:r="http://schemas.openxmlformats.org/officeDocument/2006/relationships" xmlns:p="http://schemas.openxmlformats.org/presentationml/2006/main">
+  <p:cSld>
+    <p:spTree>
+      <p:nvGrpSpPr>
+        <p:cNvPr id="1" name=""/>
+        <p:cNvGrpSpPr/>
+        <p:nvPr/>
+      </p:nvGrpSpPr>
+      <p:grpSpPr>
+        <a:xfrm>
+          <a:off x="0" y="0"/>
+          <a:ext cx="0" cy="0"/>
+          <a:chOff x="0" y="0"/>
+          <a:chExt cx="0" cy="0"/>
+        </a:xfrm>
+      </p:grpSpPr>
+      <p:sp>
+        <p:nvSpPr>
+          <p:cNvPr id="2" name="כותרת 1">
+            <a:extLst>
+              <a:ext uri="{FF2B5EF4-FFF2-40B4-BE49-F238E27FC236}">
+                <a16:creationId xmlns:a16="http://schemas.microsoft.com/office/drawing/2014/main" id="{04CFF8C4-9641-4C0E-8AA3-83B355EC4EA7}"/>
+              </a:ext>
+            </a:extLst>
+          </p:cNvPr>
+          <p:cNvSpPr>
+            <a:spLocks noGrp="1"/>
+          </p:cNvSpPr>
+          <p:nvPr>
+            <p:ph type="title"/>
+          </p:nvPr>
+        </p:nvSpPr>
+        <p:spPr>
+          <a:xfrm>
+            <a:off x="2511319" y="0"/>
+            <a:ext cx="10018713" cy="1752599"/>
+          </a:xfrm>
+        </p:spPr>
+        <p:txBody>
+          <a:bodyPr/>
+          <a:lstStyle/>
+          <a:p>
+            <a:r>
+              <a:rPr lang="en-US" dirty="0"/>
               <a:t>Classes constructor</a:t>
             </a:r>
             <a:endParaRPr lang="he-IL" dirty="0"/>
@@ -2261,10 +3035,96 @@
   <p:clrMapOvr>
     <a:masterClrMapping/>
   </p:clrMapOvr>
+  <p:transition spd="slow">
+    <p:cover/>
+  </p:transition>
+  <p:timing>
+    <p:tnLst>
+      <p:par>
+        <p:cTn id="1" dur="indefinite" restart="never" nodeType="tmRoot">
+          <p:childTnLst>
+            <p:seq concurrent="1" nextAc="seek">
+              <p:cTn id="2" dur="indefinite" nodeType="mainSeq">
+                <p:childTnLst>
+                  <p:par>
+                    <p:cTn id="3" fill="hold">
+                      <p:stCondLst>
+                        <p:cond delay="indefinite"/>
+                      </p:stCondLst>
+                      <p:childTnLst>
+                        <p:par>
+                          <p:cTn id="4" fill="hold">
+                            <p:stCondLst>
+                              <p:cond delay="0"/>
+                            </p:stCondLst>
+                            <p:childTnLst>
+                              <p:par>
+                                <p:cTn id="5" presetID="10" presetClass="entr" presetSubtype="0" fill="hold" nodeType="clickEffect">
+                                  <p:stCondLst>
+                                    <p:cond delay="0"/>
+                                  </p:stCondLst>
+                                  <p:childTnLst>
+                                    <p:set>
+                                      <p:cBhvr>
+                                        <p:cTn id="6" dur="1" fill="hold">
+                                          <p:stCondLst>
+                                            <p:cond delay="0"/>
+                                          </p:stCondLst>
+                                        </p:cTn>
+                                        <p:tgtEl>
+                                          <p:spTgt spid="7"/>
+                                        </p:tgtEl>
+                                        <p:attrNameLst>
+                                          <p:attrName>style.visibility</p:attrName>
+                                        </p:attrNameLst>
+                                      </p:cBhvr>
+                                      <p:to>
+                                        <p:strVal val="visible"/>
+                                      </p:to>
+                                    </p:set>
+                                    <p:animEffect transition="in" filter="fade">
+                                      <p:cBhvr>
+                                        <p:cTn id="7" dur="500"/>
+                                        <p:tgtEl>
+                                          <p:spTgt spid="7"/>
+                                        </p:tgtEl>
+                                      </p:cBhvr>
+                                    </p:animEffect>
+                                  </p:childTnLst>
+                                </p:cTn>
+                              </p:par>
+                            </p:childTnLst>
+                          </p:cTn>
+                        </p:par>
+                      </p:childTnLst>
+                    </p:cTn>
+                  </p:par>
+                </p:childTnLst>
+              </p:cTn>
+              <p:prevCondLst>
+                <p:cond evt="onPrev" delay="0">
+                  <p:tgtEl>
+                    <p:sldTgt/>
+                  </p:tgtEl>
+                </p:cond>
+              </p:prevCondLst>
+              <p:nextCondLst>
+                <p:cond evt="onNext" delay="0">
+                  <p:tgtEl>
+                    <p:sldTgt/>
+                  </p:tgtEl>
+                </p:cond>
+              </p:nextCondLst>
+            </p:seq>
+          </p:childTnLst>
+        </p:cTn>
+      </p:par>
+    </p:tnLst>
+  </p:timing>
 </p:sld>
 </file>
 
-<file path=ppt/slides/slide14.xml><?xml version="1.0" encoding="utf-8"?>
+<file path=ppt/slides/slide15.xml><?xml version="1.0" encoding="utf-8"?>
 <p:sld xmlns:a="http://schemas.openxmlformats.org/drawingml/2006/main" xmlns:r="http://schemas.openxmlformats.org/officeDocument/2006/relationships" xmlns:p="http://schemas.openxmlformats.org/presentationml/2006/main">
   <p:cSld>
     <p:spTree>
@@ -2457,10 +3317,13 @@
   <p:clrMapOvr>
     <a:masterClrMapping/>
   </p:clrMapOvr>
+  <p:transition spd="slow">
+    <p:cover/>
+  </p:transition>
 </p:sld>
 </file>
 
-<file path=ppt/slides/slide15.xml><?xml version="1.0" encoding="utf-8"?>
+<file path=ppt/slides/slide16.xml><?xml version="1.0" encoding="utf-8"?>
 <p:sld xmlns:a="http://schemas.openxmlformats.org/drawingml/2006/main" xmlns:r="http://schemas.openxmlformats.org/officeDocument/2006/relationships" xmlns:p="http://schemas.openxmlformats.org/presentationml/2006/main">
   <p:cSld>
     <p:spTree>
@@ -2550,10 +3413,13 @@
   <p:clrMapOvr>
     <a:masterClrMapping/>
   </p:clrMapOvr>
+  <p:transition spd="slow">
+    <p:cover/>
+  </p:transition>
 </p:sld>
 </file>
 
-<file path=ppt/slides/slide16.xml><?xml version="1.0" encoding="utf-8"?>
+<file path=ppt/slides/slide17.xml><?xml version="1.0" encoding="utf-8"?>
 <p:sld xmlns:a="http://schemas.openxmlformats.org/drawingml/2006/main" xmlns:r="http://schemas.openxmlformats.org/officeDocument/2006/relationships" xmlns:p="http://schemas.openxmlformats.org/presentationml/2006/main">
   <p:cSld>
     <p:spTree>
@@ -2763,10 +3629,13 @@
   <p:clrMapOvr>
     <a:masterClrMapping/>
   </p:clrMapOvr>
+  <p:transition spd="slow">
+    <p:cover/>
+  </p:transition>
 </p:sld>
 </file>
 
-<file path=ppt/slides/slide17.xml><?xml version="1.0" encoding="utf-8"?>
+<file path=ppt/slides/slide18.xml><?xml version="1.0" encoding="utf-8"?>
 <p:sld xmlns:a="http://schemas.openxmlformats.org/drawingml/2006/main" xmlns:r="http://schemas.openxmlformats.org/officeDocument/2006/relationships" xmlns:p="http://schemas.openxmlformats.org/presentationml/2006/main">
   <p:cSld>
     <p:spTree>
@@ -2854,79 +3723,56 @@
           </a:bodyPr>
           <a:lstStyle/>
           <a:p>
-            <a:pPr marL="0" indent="0" algn="l">
-              <a:buNone/>
+            <a:pPr algn="l">
+              <a:buFont typeface="Arial" panose="020B0604020202020204" pitchFamily="34" charset="0"/>
+              <a:buChar char="•"/>
             </a:pPr>
             <a:r>
-              <a:rPr lang="en-US" sz="1400" b="0" i="0" dirty="0">
-                <a:solidFill>
-                  <a:schemeClr val="tx1"/>
-                </a:solidFill>
-                <a:effectLst/>
-                <a:latin typeface="Segoe UI" panose="020B0502040204020203" pitchFamily="34" charset="0"/>
-              </a:rPr>
-              <a:t>Java - What are Classes and Objects?</a:t>
-            </a:r>
-          </a:p>
-          <a:p>
-            <a:pPr marL="0" indent="0" algn="l">
-              <a:buNone/>
-            </a:pPr>
-            <a:r>
-              <a:rPr lang="en-US" sz="1400" b="0" i="0" dirty="0">
+              <a:rPr lang="en-US" sz="1100" b="1" i="0" dirty="0">
                 <a:solidFill>
                   <a:schemeClr val="tx1"/>
                 </a:solidFill>
                 <a:effectLst/>
                 <a:latin typeface="Verdana" panose="020B0604030504040204" pitchFamily="34" charset="0"/>
               </a:rPr>
-              <a:t>Classes and objects are the two main aspects of object-oriented programming.</a:t>
-            </a:r>
-          </a:p>
-          <a:p>
-            <a:pPr marL="0" indent="0" algn="l">
-              <a:buNone/>
-            </a:pPr>
-            <a:r>
-              <a:rPr lang="en-US" sz="1400" b="0" i="0" dirty="0">
+              <a:t>subclass</a:t>
+            </a:r>
+            <a:r>
+              <a:rPr lang="en-US" sz="1100" b="0" i="0" dirty="0">
                 <a:solidFill>
                   <a:schemeClr val="tx1"/>
                 </a:solidFill>
                 <a:effectLst/>
                 <a:latin typeface="Verdana" panose="020B0604030504040204" pitchFamily="34" charset="0"/>
               </a:rPr>
-              <a:t>Look at the following illustration to see the difference between class and objects:</a:t>
-            </a:r>
-            <a:endParaRPr lang="he-IL" sz="1400" b="0" i="0" dirty="0">
-              <a:solidFill>
-                <a:schemeClr val="tx1"/>
-              </a:solidFill>
-              <a:effectLst/>
-              <a:latin typeface="Verdana" panose="020B0604030504040204" pitchFamily="34" charset="0"/>
-            </a:endParaRPr>
-          </a:p>
-          <a:p>
-            <a:pPr marL="0" indent="0" algn="l">
-              <a:buNone/>
+              <a:t> (child) - the class that inherits from another class</a:t>
+            </a:r>
+          </a:p>
+          <a:p>
+            <a:pPr algn="l">
+              <a:buFont typeface="Arial" panose="020B0604020202020204" pitchFamily="34" charset="0"/>
+              <a:buChar char="•"/>
             </a:pPr>
-            <a:endParaRPr lang="he-IL" sz="1400" dirty="0">
-              <a:solidFill>
-                <a:schemeClr val="tx1"/>
-              </a:solidFill>
-              <a:latin typeface="Verdana" panose="020B0604030504040204" pitchFamily="34" charset="0"/>
-            </a:endParaRPr>
-          </a:p>
-          <a:p>
-            <a:pPr marL="0" indent="0" algn="l">
-              <a:buNone/>
-            </a:pPr>
-            <a:endParaRPr lang="en-US" sz="1400" b="0" i="0" dirty="0">
-              <a:solidFill>
-                <a:schemeClr val="tx1"/>
-              </a:solidFill>
-              <a:effectLst/>
-              <a:latin typeface="Verdana" panose="020B0604030504040204" pitchFamily="34" charset="0"/>
-            </a:endParaRPr>
+            <a:r>
+              <a:rPr lang="en-US" sz="1100" b="1" i="0" dirty="0">
+                <a:solidFill>
+                  <a:schemeClr val="tx1"/>
+                </a:solidFill>
+                <a:effectLst/>
+                <a:latin typeface="Verdana" panose="020B0604030504040204" pitchFamily="34" charset="0"/>
+              </a:rPr>
+              <a:t>superclass</a:t>
+            </a:r>
+            <a:r>
+              <a:rPr lang="en-US" sz="1100" b="0" i="0" dirty="0">
+                <a:solidFill>
+                  <a:schemeClr val="tx1"/>
+                </a:solidFill>
+                <a:effectLst/>
+                <a:latin typeface="Verdana" panose="020B0604030504040204" pitchFamily="34" charset="0"/>
+              </a:rPr>
+              <a:t> (parent) - the class being inherited from</a:t>
+            </a:r>
           </a:p>
           <a:p>
             <a:pPr marL="0" indent="0" algn="l">
@@ -2942,32 +3788,49 @@
       </p:sp>
       <p:pic>
         <p:nvPicPr>
-          <p:cNvPr id="5" name="תמונה 4">
+          <p:cNvPr id="2050" name="Picture 2" descr="Object Oriented Programming in C++ - GeeksforGeeks">
             <a:extLst>
               <a:ext uri="{FF2B5EF4-FFF2-40B4-BE49-F238E27FC236}">
-                <a16:creationId xmlns:a16="http://schemas.microsoft.com/office/drawing/2014/main" id="{726592D3-8C0A-4F2A-A8B6-65335B6F79E5}"/>
+                <a16:creationId xmlns:a16="http://schemas.microsoft.com/office/drawing/2014/main" id="{D2FD4B04-0F8A-4612-9BCE-0861481DCAB0}"/>
               </a:ext>
             </a:extLst>
           </p:cNvPr>
           <p:cNvPicPr>
-            <a:picLocks noChangeAspect="1"/>
+            <a:picLocks noChangeAspect="1" noChangeArrowheads="1"/>
           </p:cNvPicPr>
           <p:nvPr/>
         </p:nvPicPr>
         <p:blipFill>
-          <a:blip r:embed="rId2"/>
+          <a:blip r:embed="rId2">
+            <a:extLst>
+              <a:ext uri="{28A0092B-C50C-407E-A947-70E740481C1C}">
+                <a14:useLocalDpi xmlns:a14="http://schemas.microsoft.com/office/drawing/2010/main" val="0"/>
+              </a:ext>
+            </a:extLst>
+          </a:blip>
+          <a:srcRect/>
           <a:stretch>
             <a:fillRect/>
           </a:stretch>
         </p:blipFill>
-        <p:spPr>
+        <p:spPr bwMode="auto">
           <a:xfrm>
-            <a:off x="2997517" y="2360294"/>
-            <a:ext cx="8937308" cy="4183421"/>
+            <a:off x="4111321" y="2654464"/>
+            <a:ext cx="5702822" cy="3927964"/>
           </a:xfrm>
           <a:prstGeom prst="rect">
             <a:avLst/>
           </a:prstGeom>
+          <a:noFill/>
+          <a:extLst>
+            <a:ext uri="{909E8E84-426E-40DD-AFC4-6F175D3DCCD1}">
+              <a14:hiddenFill xmlns:a14="http://schemas.microsoft.com/office/drawing/2010/main">
+                <a:solidFill>
+                  <a:srgbClr val="FFFFFF"/>
+                </a:solidFill>
+              </a14:hiddenFill>
+            </a:ext>
+          </a:extLst>
         </p:spPr>
       </p:pic>
     </p:spTree>
@@ -2980,10 +3843,96 @@
   <p:clrMapOvr>
     <a:masterClrMapping/>
   </p:clrMapOvr>
+  <p:transition spd="slow">
+    <p:cover/>
+  </p:transition>
+  <p:timing>
+    <p:tnLst>
+      <p:par>
+        <p:cTn id="1" dur="indefinite" restart="never" nodeType="tmRoot">
+          <p:childTnLst>
+            <p:seq concurrent="1" nextAc="seek">
+              <p:cTn id="2" dur="indefinite" nodeType="mainSeq">
+                <p:childTnLst>
+                  <p:par>
+                    <p:cTn id="3" fill="hold">
+                      <p:stCondLst>
+                        <p:cond delay="indefinite"/>
+                      </p:stCondLst>
+                      <p:childTnLst>
+                        <p:par>
+                          <p:cTn id="4" fill="hold">
+                            <p:stCondLst>
+                              <p:cond delay="0"/>
+                            </p:stCondLst>
+                            <p:childTnLst>
+                              <p:par>
+                                <p:cTn id="5" presetID="6" presetClass="entr" presetSubtype="16" fill="hold" nodeType="clickEffect">
+                                  <p:stCondLst>
+                                    <p:cond delay="0"/>
+                                  </p:stCondLst>
+                                  <p:childTnLst>
+                                    <p:set>
+                                      <p:cBhvr>
+                                        <p:cTn id="6" dur="1" fill="hold">
+                                          <p:stCondLst>
+                                            <p:cond delay="0"/>
+                                          </p:stCondLst>
+                                        </p:cTn>
+                                        <p:tgtEl>
+                                          <p:spTgt spid="2050"/>
+                                        </p:tgtEl>
+                                        <p:attrNameLst>
+                                          <p:attrName>style.visibility</p:attrName>
+                                        </p:attrNameLst>
+                                      </p:cBhvr>
+                                      <p:to>
+                                        <p:strVal val="visible"/>
+                                      </p:to>
+                                    </p:set>
+                                    <p:animEffect transition="in" filter="circle(in)">
+                                      <p:cBhvr>
+                                        <p:cTn id="7" dur="2000"/>
+                                        <p:tgtEl>
+                                          <p:spTgt spid="2050"/>
+                                        </p:tgtEl>
+                                      </p:cBhvr>
+                                    </p:animEffect>
+                                  </p:childTnLst>
+                                </p:cTn>
+                              </p:par>
+                            </p:childTnLst>
+                          </p:cTn>
+                        </p:par>
+                      </p:childTnLst>
+                    </p:cTn>
+                  </p:par>
+                </p:childTnLst>
+              </p:cTn>
+              <p:prevCondLst>
+                <p:cond evt="onPrev" delay="0">
+                  <p:tgtEl>
+                    <p:sldTgt/>
+                  </p:tgtEl>
+                </p:cond>
+              </p:prevCondLst>
+              <p:nextCondLst>
+                <p:cond evt="onNext" delay="0">
+                  <p:tgtEl>
+                    <p:sldTgt/>
+                  </p:tgtEl>
+                </p:cond>
+              </p:nextCondLst>
+            </p:seq>
+          </p:childTnLst>
+        </p:cTn>
+      </p:par>
+    </p:tnLst>
+  </p:timing>
 </p:sld>
 </file>
 
-<file path=ppt/slides/slide18.xml><?xml version="1.0" encoding="utf-8"?>
+<file path=ppt/slides/slide19.xml><?xml version="1.0" encoding="utf-8"?>
 <p:sld xmlns:a="http://schemas.openxmlformats.org/drawingml/2006/main" xmlns:r="http://schemas.openxmlformats.org/officeDocument/2006/relationships" xmlns:p="http://schemas.openxmlformats.org/presentationml/2006/main">
   <p:cSld>
     <p:spTree>
@@ -3278,28 +4227,394 @@
         </p:blipFill>
         <p:spPr>
           <a:xfrm>
-            <a:off x="3838575" y="3429000"/>
-            <a:ext cx="5448300" cy="3199795"/>
+            <a:off x="2875637" y="3886258"/>
+            <a:ext cx="4417659" cy="2594498"/>
           </a:xfrm>
           <a:prstGeom prst="rect">
             <a:avLst/>
           </a:prstGeom>
         </p:spPr>
       </p:pic>
+      <p:pic>
+        <p:nvPicPr>
+          <p:cNvPr id="4100" name="Picture 4" descr="Smart Male It Programer Working On Desktop Computer In Data Center  Technical System Control Room Team Of Young Professionals Programming In  Coding Language Stock Photo - Download Image Now - iStock">
+            <a:extLst>
+              <a:ext uri="{FF2B5EF4-FFF2-40B4-BE49-F238E27FC236}">
+                <a16:creationId xmlns:a16="http://schemas.microsoft.com/office/drawing/2014/main" id="{8E0134BA-1C35-4296-AF69-064F60052297}"/>
+              </a:ext>
+            </a:extLst>
+          </p:cNvPr>
+          <p:cNvPicPr>
+            <a:picLocks noChangeAspect="1" noChangeArrowheads="1"/>
+          </p:cNvPicPr>
+          <p:nvPr/>
+        </p:nvPicPr>
+        <p:blipFill>
+          <a:blip r:embed="rId3">
+            <a:extLst>
+              <a:ext uri="{28A0092B-C50C-407E-A947-70E740481C1C}">
+                <a14:useLocalDpi xmlns:a14="http://schemas.microsoft.com/office/drawing/2010/main" val="0"/>
+              </a:ext>
+            </a:extLst>
+          </a:blip>
+          <a:srcRect/>
+          <a:stretch>
+            <a:fillRect/>
+          </a:stretch>
+        </p:blipFill>
+        <p:spPr bwMode="auto">
+          <a:xfrm>
+            <a:off x="7382072" y="3906233"/>
+            <a:ext cx="4577849" cy="2574523"/>
+          </a:xfrm>
+          <a:prstGeom prst="rect">
+            <a:avLst/>
+          </a:prstGeom>
+          <a:noFill/>
+          <a:extLst>
+            <a:ext uri="{909E8E84-426E-40DD-AFC4-6F175D3DCCD1}">
+              <a14:hiddenFill xmlns:a14="http://schemas.microsoft.com/office/drawing/2010/main">
+                <a:solidFill>
+                  <a:srgbClr val="FFFFFF"/>
+                </a:solidFill>
+              </a14:hiddenFill>
+            </a:ext>
+          </a:extLst>
+        </p:spPr>
+      </p:pic>
     </p:spTree>
     <p:extLst>
       <p:ext uri="{BB962C8B-B14F-4D97-AF65-F5344CB8AC3E}">
-        <p14:creationId xmlns:p14="http://schemas.microsoft.com/office/powerpoint/2010/main" val="2657083993"/>
+        <p14:creationId xmlns:p14="http://schemas.microsoft.com/office/powerpoint/2010/main" val="3350539143"/>
       </p:ext>
     </p:extLst>
   </p:cSld>
   <p:clrMapOvr>
     <a:masterClrMapping/>
   </p:clrMapOvr>
+  <p:transition spd="slow">
+    <p:cover/>
+  </p:transition>
+  <p:timing>
+    <p:tnLst>
+      <p:par>
+        <p:cTn id="1" dur="indefinite" restart="never" nodeType="tmRoot">
+          <p:childTnLst>
+            <p:seq concurrent="1" nextAc="seek">
+              <p:cTn id="2" dur="indefinite" nodeType="mainSeq">
+                <p:childTnLst>
+                  <p:par>
+                    <p:cTn id="3" fill="hold">
+                      <p:stCondLst>
+                        <p:cond delay="indefinite"/>
+                      </p:stCondLst>
+                      <p:childTnLst>
+                        <p:par>
+                          <p:cTn id="4" fill="hold">
+                            <p:stCondLst>
+                              <p:cond delay="0"/>
+                            </p:stCondLst>
+                            <p:childTnLst>
+                              <p:par>
+                                <p:cTn id="5" presetID="22" presetClass="entr" presetSubtype="4" fill="hold" nodeType="clickEffect">
+                                  <p:stCondLst>
+                                    <p:cond delay="0"/>
+                                  </p:stCondLst>
+                                  <p:childTnLst>
+                                    <p:set>
+                                      <p:cBhvr>
+                                        <p:cTn id="6" dur="1" fill="hold">
+                                          <p:stCondLst>
+                                            <p:cond delay="0"/>
+                                          </p:stCondLst>
+                                        </p:cTn>
+                                        <p:tgtEl>
+                                          <p:spTgt spid="4100"/>
+                                        </p:tgtEl>
+                                        <p:attrNameLst>
+                                          <p:attrName>style.visibility</p:attrName>
+                                        </p:attrNameLst>
+                                      </p:cBhvr>
+                                      <p:to>
+                                        <p:strVal val="visible"/>
+                                      </p:to>
+                                    </p:set>
+                                    <p:animEffect transition="in" filter="wipe(down)">
+                                      <p:cBhvr>
+                                        <p:cTn id="7" dur="500"/>
+                                        <p:tgtEl>
+                                          <p:spTgt spid="4100"/>
+                                        </p:tgtEl>
+                                      </p:cBhvr>
+                                    </p:animEffect>
+                                  </p:childTnLst>
+                                </p:cTn>
+                              </p:par>
+                            </p:childTnLst>
+                          </p:cTn>
+                        </p:par>
+                      </p:childTnLst>
+                    </p:cTn>
+                  </p:par>
+                  <p:par>
+                    <p:cTn id="8" fill="hold">
+                      <p:stCondLst>
+                        <p:cond delay="indefinite"/>
+                      </p:stCondLst>
+                      <p:childTnLst>
+                        <p:par>
+                          <p:cTn id="9" fill="hold">
+                            <p:stCondLst>
+                              <p:cond delay="0"/>
+                            </p:stCondLst>
+                            <p:childTnLst>
+                              <p:par>
+                                <p:cTn id="10" presetID="42" presetClass="entr" presetSubtype="0" fill="hold" nodeType="clickEffect">
+                                  <p:stCondLst>
+                                    <p:cond delay="0"/>
+                                  </p:stCondLst>
+                                  <p:childTnLst>
+                                    <p:set>
+                                      <p:cBhvr>
+                                        <p:cTn id="11" dur="1" fill="hold">
+                                          <p:stCondLst>
+                                            <p:cond delay="0"/>
+                                          </p:stCondLst>
+                                        </p:cTn>
+                                        <p:tgtEl>
+                                          <p:spTgt spid="9"/>
+                                        </p:tgtEl>
+                                        <p:attrNameLst>
+                                          <p:attrName>style.visibility</p:attrName>
+                                        </p:attrNameLst>
+                                      </p:cBhvr>
+                                      <p:to>
+                                        <p:strVal val="visible"/>
+                                      </p:to>
+                                    </p:set>
+                                    <p:animEffect transition="in" filter="fade">
+                                      <p:cBhvr>
+                                        <p:cTn id="12" dur="1000"/>
+                                        <p:tgtEl>
+                                          <p:spTgt spid="9"/>
+                                        </p:tgtEl>
+                                      </p:cBhvr>
+                                    </p:animEffect>
+                                    <p:anim calcmode="lin" valueType="num">
+                                      <p:cBhvr>
+                                        <p:cTn id="13" dur="1000" fill="hold"/>
+                                        <p:tgtEl>
+                                          <p:spTgt spid="9"/>
+                                        </p:tgtEl>
+                                        <p:attrNameLst>
+                                          <p:attrName>ppt_x</p:attrName>
+                                        </p:attrNameLst>
+                                      </p:cBhvr>
+                                      <p:tavLst>
+                                        <p:tav tm="0">
+                                          <p:val>
+                                            <p:strVal val="#ppt_x"/>
+                                          </p:val>
+                                        </p:tav>
+                                        <p:tav tm="100000">
+                                          <p:val>
+                                            <p:strVal val="#ppt_x"/>
+                                          </p:val>
+                                        </p:tav>
+                                      </p:tavLst>
+                                    </p:anim>
+                                    <p:anim calcmode="lin" valueType="num">
+                                      <p:cBhvr>
+                                        <p:cTn id="14" dur="1000" fill="hold"/>
+                                        <p:tgtEl>
+                                          <p:spTgt spid="9"/>
+                                        </p:tgtEl>
+                                        <p:attrNameLst>
+                                          <p:attrName>ppt_y</p:attrName>
+                                        </p:attrNameLst>
+                                      </p:cBhvr>
+                                      <p:tavLst>
+                                        <p:tav tm="0">
+                                          <p:val>
+                                            <p:strVal val="#ppt_y+.1"/>
+                                          </p:val>
+                                        </p:tav>
+                                        <p:tav tm="100000">
+                                          <p:val>
+                                            <p:strVal val="#ppt_y"/>
+                                          </p:val>
+                                        </p:tav>
+                                      </p:tavLst>
+                                    </p:anim>
+                                  </p:childTnLst>
+                                </p:cTn>
+                              </p:par>
+                            </p:childTnLst>
+                          </p:cTn>
+                        </p:par>
+                      </p:childTnLst>
+                    </p:cTn>
+                  </p:par>
+                </p:childTnLst>
+              </p:cTn>
+              <p:prevCondLst>
+                <p:cond evt="onPrev" delay="0">
+                  <p:tgtEl>
+                    <p:sldTgt/>
+                  </p:tgtEl>
+                </p:cond>
+              </p:prevCondLst>
+              <p:nextCondLst>
+                <p:cond evt="onNext" delay="0">
+                  <p:tgtEl>
+                    <p:sldTgt/>
+                  </p:tgtEl>
+                </p:cond>
+              </p:nextCondLst>
+            </p:seq>
+          </p:childTnLst>
+        </p:cTn>
+      </p:par>
+    </p:tnLst>
+  </p:timing>
 </p:sld>
 </file>
 
-<file path=ppt/slides/slide19.xml><?xml version="1.0" encoding="utf-8"?>
+<file path=ppt/slides/slide2.xml><?xml version="1.0" encoding="utf-8"?>
+<p:sld xmlns:a="http://schemas.openxmlformats.org/drawingml/2006/main" xmlns:r="http://schemas.openxmlformats.org/officeDocument/2006/relationships" xmlns:p="http://schemas.openxmlformats.org/presentationml/2006/main">
+  <p:cSld>
+    <p:spTree>
+      <p:nvGrpSpPr>
+        <p:cNvPr id="1" name=""/>
+        <p:cNvGrpSpPr/>
+        <p:nvPr/>
+      </p:nvGrpSpPr>
+      <p:grpSpPr>
+        <a:xfrm>
+          <a:off x="0" y="0"/>
+          <a:ext cx="0" cy="0"/>
+          <a:chOff x="0" y="0"/>
+          <a:chExt cx="0" cy="0"/>
+        </a:xfrm>
+      </p:grpSpPr>
+      <p:sp>
+        <p:nvSpPr>
+          <p:cNvPr id="2" name="כותרת 1">
+            <a:extLst>
+              <a:ext uri="{FF2B5EF4-FFF2-40B4-BE49-F238E27FC236}">
+                <a16:creationId xmlns:a16="http://schemas.microsoft.com/office/drawing/2014/main" id="{29E2CD88-F8D6-4AE2-8AD4-D38DC2C9A850}"/>
+              </a:ext>
+            </a:extLst>
+          </p:cNvPr>
+          <p:cNvSpPr>
+            <a:spLocks noGrp="1"/>
+          </p:cNvSpPr>
+          <p:nvPr>
+            <p:ph type="title"/>
+          </p:nvPr>
+        </p:nvSpPr>
+        <p:spPr/>
+        <p:txBody>
+          <a:bodyPr/>
+          <a:lstStyle/>
+          <a:p>
+            <a:r>
+              <a:rPr lang="he-IL" dirty="0"/>
+              <a:t>נושאים להיום</a:t>
+            </a:r>
+          </a:p>
+        </p:txBody>
+      </p:sp>
+      <p:sp>
+        <p:nvSpPr>
+          <p:cNvPr id="3" name="מציין מיקום תוכן 2">
+            <a:extLst>
+              <a:ext uri="{FF2B5EF4-FFF2-40B4-BE49-F238E27FC236}">
+                <a16:creationId xmlns:a16="http://schemas.microsoft.com/office/drawing/2014/main" id="{E666A8E8-BED2-4876-A795-DA9976C5FEF7}"/>
+              </a:ext>
+            </a:extLst>
+          </p:cNvPr>
+          <p:cNvSpPr>
+            <a:spLocks noGrp="1"/>
+          </p:cNvSpPr>
+          <p:nvPr>
+            <p:ph idx="1"/>
+          </p:nvPr>
+        </p:nvSpPr>
+        <p:spPr/>
+        <p:txBody>
+          <a:bodyPr>
+            <a:normAutofit fontScale="85000" lnSpcReduction="20000"/>
+          </a:bodyPr>
+          <a:lstStyle/>
+          <a:p>
+            <a:r>
+              <a:rPr lang="he-IL" dirty="0"/>
+              <a:t>בקצרה על הקורס .</a:t>
+            </a:r>
+          </a:p>
+          <a:p>
+            <a:r>
+              <a:rPr lang="he-IL" dirty="0"/>
+              <a:t>יישור קו.</a:t>
+            </a:r>
+          </a:p>
+          <a:p>
+            <a:r>
+              <a:rPr lang="he-IL" dirty="0"/>
+              <a:t> מושג האובייקט המחלקה  .</a:t>
+            </a:r>
+          </a:p>
+          <a:p>
+            <a:r>
+              <a:rPr lang="he-IL" dirty="0"/>
+              <a:t>שיטות ת הרשאות . </a:t>
+            </a:r>
+          </a:p>
+          <a:p>
+            <a:r>
+              <a:rPr lang="he-IL" dirty="0"/>
+              <a:t>וירושה.</a:t>
+            </a:r>
+            <a:endParaRPr lang="ru-RU" dirty="0"/>
+          </a:p>
+          <a:p>
+            <a:r>
+              <a:rPr lang="he-IL" dirty="0"/>
+              <a:t>ממשקים</a:t>
+            </a:r>
+          </a:p>
+          <a:p>
+            <a:r>
+              <a:rPr lang="he-IL" dirty="0"/>
+              <a:t> עבודה עם קבצים .</a:t>
+            </a:r>
+          </a:p>
+          <a:p>
+            <a:r>
+              <a:rPr lang="he-IL" dirty="0"/>
+              <a:t>איך מתחילים את המטלה.</a:t>
+            </a:r>
+          </a:p>
+        </p:txBody>
+      </p:sp>
+    </p:spTree>
+    <p:extLst>
+      <p:ext uri="{BB962C8B-B14F-4D97-AF65-F5344CB8AC3E}">
+        <p14:creationId xmlns:p14="http://schemas.microsoft.com/office/powerpoint/2010/main" val="3061857621"/>
+      </p:ext>
+    </p:extLst>
+  </p:cSld>
+  <p:clrMapOvr>
+    <a:masterClrMapping/>
+  </p:clrMapOvr>
+  <p:transition spd="slow">
+    <p:cover/>
+  </p:transition>
+</p:sld>
+</file>
+
+<file path=ppt/slides/slide20.xml><?xml version="1.0" encoding="utf-8"?>
 <p:sld xmlns:a="http://schemas.openxmlformats.org/drawingml/2006/main" xmlns:r="http://schemas.openxmlformats.org/officeDocument/2006/relationships" xmlns:p="http://schemas.openxmlformats.org/presentationml/2006/main">
   <p:cSld>
     <p:spTree>
@@ -3461,447 +4776,9 @@
   <p:clrMapOvr>
     <a:masterClrMapping/>
   </p:clrMapOvr>
-</p:sld>
-</file>
-
-<file path=ppt/slides/slide2.xml><?xml version="1.0" encoding="utf-8"?>
-<p:sld xmlns:a="http://schemas.openxmlformats.org/drawingml/2006/main" xmlns:r="http://schemas.openxmlformats.org/officeDocument/2006/relationships" xmlns:p="http://schemas.openxmlformats.org/presentationml/2006/main">
-  <p:cSld>
-    <p:spTree>
-      <p:nvGrpSpPr>
-        <p:cNvPr id="1" name=""/>
-        <p:cNvGrpSpPr/>
-        <p:nvPr/>
-      </p:nvGrpSpPr>
-      <p:grpSpPr>
-        <a:xfrm>
-          <a:off x="0" y="0"/>
-          <a:ext cx="0" cy="0"/>
-          <a:chOff x="0" y="0"/>
-          <a:chExt cx="0" cy="0"/>
-        </a:xfrm>
-      </p:grpSpPr>
-      <p:sp>
-        <p:nvSpPr>
-          <p:cNvPr id="2" name="כותרת 1">
-            <a:extLst>
-              <a:ext uri="{FF2B5EF4-FFF2-40B4-BE49-F238E27FC236}">
-                <a16:creationId xmlns:a16="http://schemas.microsoft.com/office/drawing/2014/main" id="{29E2CD88-F8D6-4AE2-8AD4-D38DC2C9A850}"/>
-              </a:ext>
-            </a:extLst>
-          </p:cNvPr>
-          <p:cNvSpPr>
-            <a:spLocks noGrp="1"/>
-          </p:cNvSpPr>
-          <p:nvPr>
-            <p:ph type="title"/>
-          </p:nvPr>
-        </p:nvSpPr>
-        <p:spPr/>
-        <p:txBody>
-          <a:bodyPr/>
-          <a:lstStyle/>
-          <a:p>
-            <a:r>
-              <a:rPr lang="he-IL" dirty="0"/>
-              <a:t>נושאים להיום</a:t>
-            </a:r>
-          </a:p>
-        </p:txBody>
-      </p:sp>
-      <p:sp>
-        <p:nvSpPr>
-          <p:cNvPr id="3" name="מציין מיקום תוכן 2">
-            <a:extLst>
-              <a:ext uri="{FF2B5EF4-FFF2-40B4-BE49-F238E27FC236}">
-                <a16:creationId xmlns:a16="http://schemas.microsoft.com/office/drawing/2014/main" id="{E666A8E8-BED2-4876-A795-DA9976C5FEF7}"/>
-              </a:ext>
-            </a:extLst>
-          </p:cNvPr>
-          <p:cNvSpPr>
-            <a:spLocks noGrp="1"/>
-          </p:cNvSpPr>
-          <p:nvPr>
-            <p:ph idx="1"/>
-          </p:nvPr>
-        </p:nvSpPr>
-        <p:spPr/>
-        <p:txBody>
-          <a:bodyPr>
-            <a:normAutofit fontScale="92500" lnSpcReduction="10000"/>
-          </a:bodyPr>
-          <a:lstStyle/>
-          <a:p>
-            <a:r>
-              <a:rPr lang="he-IL" dirty="0"/>
-              <a:t>בקצרה על הקורס .</a:t>
-            </a:r>
-          </a:p>
-          <a:p>
-            <a:r>
-              <a:rPr lang="he-IL" dirty="0"/>
-              <a:t>יישור קו.</a:t>
-            </a:r>
-          </a:p>
-          <a:p>
-            <a:r>
-              <a:rPr lang="he-IL" dirty="0"/>
-              <a:t> מושג האובייקט המחלקה  .</a:t>
-            </a:r>
-          </a:p>
-          <a:p>
-            <a:r>
-              <a:rPr lang="he-IL" dirty="0"/>
-              <a:t>שיטות ת הרשאות . </a:t>
-            </a:r>
-          </a:p>
-          <a:p>
-            <a:r>
-              <a:rPr lang="he-IL" dirty="0"/>
-              <a:t>וירושה.</a:t>
-            </a:r>
-            <a:endParaRPr lang="ru-RU" dirty="0"/>
-          </a:p>
-          <a:p>
-            <a:r>
-              <a:rPr lang="he-IL" dirty="0"/>
-              <a:t>ממשקים</a:t>
-            </a:r>
-          </a:p>
-          <a:p>
-            <a:r>
-              <a:rPr lang="he-IL" dirty="0"/>
-              <a:t> עבודה עם קבצים .</a:t>
-            </a:r>
-          </a:p>
-        </p:txBody>
-      </p:sp>
-    </p:spTree>
-    <p:extLst>
-      <p:ext uri="{BB962C8B-B14F-4D97-AF65-F5344CB8AC3E}">
-        <p14:creationId xmlns:p14="http://schemas.microsoft.com/office/powerpoint/2010/main" val="3061857621"/>
-      </p:ext>
-    </p:extLst>
-  </p:cSld>
-  <p:clrMapOvr>
-    <a:masterClrMapping/>
-  </p:clrMapOvr>
-</p:sld>
-</file>
-
-<file path=ppt/slides/slide20.xml><?xml version="1.0" encoding="utf-8"?>
-<p:sld xmlns:a="http://schemas.openxmlformats.org/drawingml/2006/main" xmlns:r="http://schemas.openxmlformats.org/officeDocument/2006/relationships" xmlns:p="http://schemas.openxmlformats.org/presentationml/2006/main">
-  <p:cSld>
-    <p:spTree>
-      <p:nvGrpSpPr>
-        <p:cNvPr id="1" name=""/>
-        <p:cNvGrpSpPr/>
-        <p:nvPr/>
-      </p:nvGrpSpPr>
-      <p:grpSpPr>
-        <a:xfrm>
-          <a:off x="0" y="0"/>
-          <a:ext cx="0" cy="0"/>
-          <a:chOff x="0" y="0"/>
-          <a:chExt cx="0" cy="0"/>
-        </a:xfrm>
-      </p:grpSpPr>
-      <p:sp>
-        <p:nvSpPr>
-          <p:cNvPr id="2" name="כותרת 1">
-            <a:extLst>
-              <a:ext uri="{FF2B5EF4-FFF2-40B4-BE49-F238E27FC236}">
-                <a16:creationId xmlns:a16="http://schemas.microsoft.com/office/drawing/2014/main" id="{04CFF8C4-9641-4C0E-8AA3-83B355EC4EA7}"/>
-              </a:ext>
-            </a:extLst>
-          </p:cNvPr>
-          <p:cNvSpPr>
-            <a:spLocks noGrp="1"/>
-          </p:cNvSpPr>
-          <p:nvPr>
-            <p:ph type="title"/>
-          </p:nvPr>
-        </p:nvSpPr>
-        <p:spPr>
-          <a:xfrm>
-            <a:off x="2173287" y="100966"/>
-            <a:ext cx="10018713" cy="1752599"/>
-          </a:xfrm>
-        </p:spPr>
-        <p:txBody>
-          <a:bodyPr/>
-          <a:lstStyle/>
-          <a:p>
-            <a:r>
-              <a:rPr lang="en-US" b="0" i="0" dirty="0">
-                <a:effectLst/>
-                <a:latin typeface="Segoe UI" panose="020B0502040204020203" pitchFamily="34" charset="0"/>
-              </a:rPr>
-              <a:t>Inheritance</a:t>
-            </a:r>
-            <a:br>
-              <a:rPr lang="en-US" b="0" i="0" dirty="0">
-                <a:effectLst/>
-                <a:latin typeface="Segoe UI" panose="020B0502040204020203" pitchFamily="34" charset="0"/>
-              </a:rPr>
-            </a:br>
-            <a:r>
-              <a:rPr lang="en-US" dirty="0"/>
-              <a:t> </a:t>
-            </a:r>
-            <a:endParaRPr lang="he-IL" dirty="0"/>
-          </a:p>
-        </p:txBody>
-      </p:sp>
-      <p:sp>
-        <p:nvSpPr>
-          <p:cNvPr id="3" name="מציין מיקום תוכן 2">
-            <a:extLst>
-              <a:ext uri="{FF2B5EF4-FFF2-40B4-BE49-F238E27FC236}">
-                <a16:creationId xmlns:a16="http://schemas.microsoft.com/office/drawing/2014/main" id="{7BF63E3D-ABEB-4A96-90D7-8B972409A3F8}"/>
-              </a:ext>
-            </a:extLst>
-          </p:cNvPr>
-          <p:cNvSpPr>
-            <a:spLocks noGrp="1"/>
-          </p:cNvSpPr>
-          <p:nvPr>
-            <p:ph idx="1"/>
-          </p:nvPr>
-        </p:nvSpPr>
-        <p:spPr>
-          <a:xfrm>
-            <a:off x="2667001" y="0"/>
-            <a:ext cx="10783252" cy="5183507"/>
-          </a:xfrm>
-        </p:spPr>
-        <p:txBody>
-          <a:bodyPr>
-            <a:noAutofit/>
-          </a:bodyPr>
-          <a:lstStyle/>
-          <a:p>
-            <a:pPr marL="0" indent="0" algn="l">
-              <a:buNone/>
-            </a:pPr>
-            <a:r>
-              <a:rPr lang="en-US" sz="1200" b="0" i="0" dirty="0">
-                <a:solidFill>
-                  <a:schemeClr val="tx1"/>
-                </a:solidFill>
-                <a:effectLst/>
-                <a:latin typeface="Segoe UI" panose="020B0502040204020203" pitchFamily="34" charset="0"/>
-              </a:rPr>
-              <a:t>In Java, it is possible to inherit attributes and methods from one class to another. We group the "inheritance concept" into two categories:</a:t>
-            </a:r>
-          </a:p>
-          <a:p>
-            <a:pPr marL="0" indent="0" algn="l">
-              <a:buNone/>
-            </a:pPr>
-            <a:r>
-              <a:rPr lang="en-US" sz="1200" b="0" i="0" dirty="0">
-                <a:solidFill>
-                  <a:schemeClr val="tx1"/>
-                </a:solidFill>
-                <a:effectLst/>
-                <a:latin typeface="Segoe UI" panose="020B0502040204020203" pitchFamily="34" charset="0"/>
-              </a:rPr>
-              <a:t>subclass (child) - the class that inherits from another class</a:t>
-            </a:r>
-          </a:p>
-          <a:p>
-            <a:pPr marL="0" indent="0" algn="l">
-              <a:buNone/>
-            </a:pPr>
-            <a:r>
-              <a:rPr lang="en-US" sz="1200" b="0" i="0" dirty="0">
-                <a:solidFill>
-                  <a:schemeClr val="tx1"/>
-                </a:solidFill>
-                <a:effectLst/>
-                <a:latin typeface="Segoe UI" panose="020B0502040204020203" pitchFamily="34" charset="0"/>
-              </a:rPr>
-              <a:t>superclass (parent) - the class being inherited from</a:t>
-            </a:r>
-          </a:p>
-          <a:p>
-            <a:pPr marL="0" indent="0" algn="l">
-              <a:buNone/>
-            </a:pPr>
-            <a:r>
-              <a:rPr lang="en-US" sz="1200" b="0" i="0" dirty="0">
-                <a:solidFill>
-                  <a:schemeClr val="tx1"/>
-                </a:solidFill>
-                <a:effectLst/>
-                <a:latin typeface="Segoe UI" panose="020B0502040204020203" pitchFamily="34" charset="0"/>
-              </a:rPr>
-              <a:t>To inherit from a class, use the extends keyword.</a:t>
-            </a:r>
-            <a:endParaRPr lang="he-IL" sz="1200" b="0" i="0" dirty="0">
-              <a:solidFill>
-                <a:schemeClr val="tx1"/>
-              </a:solidFill>
-              <a:effectLst/>
-              <a:latin typeface="Segoe UI" panose="020B0502040204020203" pitchFamily="34" charset="0"/>
-            </a:endParaRPr>
-          </a:p>
-          <a:p>
-            <a:pPr marL="0" indent="0" algn="l">
-              <a:buNone/>
-            </a:pPr>
-            <a:r>
-              <a:rPr lang="en-US" sz="1200" dirty="0">
-                <a:solidFill>
-                  <a:schemeClr val="accent3">
-                    <a:lumMod val="75000"/>
-                  </a:schemeClr>
-                </a:solidFill>
-              </a:rPr>
-              <a:t>class</a:t>
-            </a:r>
-            <a:r>
-              <a:rPr lang="en-US" sz="1200" dirty="0">
-                <a:solidFill>
-                  <a:schemeClr val="tx1"/>
-                </a:solidFill>
-              </a:rPr>
-              <a:t> Subclass-name </a:t>
-            </a:r>
-            <a:r>
-              <a:rPr lang="en-US" sz="1200" dirty="0">
-                <a:solidFill>
-                  <a:schemeClr val="accent3">
-                    <a:lumMod val="75000"/>
-                  </a:schemeClr>
-                </a:solidFill>
-              </a:rPr>
-              <a:t>extends</a:t>
-            </a:r>
-            <a:r>
-              <a:rPr lang="en-US" sz="1200" dirty="0">
-                <a:solidFill>
-                  <a:schemeClr val="tx1"/>
-                </a:solidFill>
-              </a:rPr>
-              <a:t> Superclass-name  </a:t>
-            </a:r>
-          </a:p>
-          <a:p>
-            <a:pPr marL="0" indent="0" algn="l">
-              <a:buNone/>
-            </a:pPr>
-            <a:r>
-              <a:rPr lang="en-US" sz="1200" dirty="0">
-                <a:solidFill>
-                  <a:schemeClr val="tx1"/>
-                </a:solidFill>
-              </a:rPr>
-              <a:t>{  </a:t>
-            </a:r>
-          </a:p>
-          <a:p>
-            <a:pPr marL="0" indent="0" algn="l">
-              <a:buNone/>
-            </a:pPr>
-            <a:r>
-              <a:rPr lang="en-US" sz="1200" dirty="0">
-                <a:solidFill>
-                  <a:schemeClr val="tx1"/>
-                </a:solidFill>
-              </a:rPr>
-              <a:t>   //methods and fields  </a:t>
-            </a:r>
-          </a:p>
-          <a:p>
-            <a:pPr marL="0" indent="0" algn="l">
-              <a:buNone/>
-            </a:pPr>
-            <a:r>
-              <a:rPr lang="en-US" sz="1200" dirty="0">
-                <a:solidFill>
-                  <a:schemeClr val="tx1"/>
-                </a:solidFill>
-              </a:rPr>
-              <a:t>} </a:t>
-            </a:r>
-          </a:p>
-          <a:p>
-            <a:pPr marL="0" indent="0" algn="l">
-              <a:buNone/>
-            </a:pPr>
-            <a:r>
-              <a:rPr lang="en-US" sz="1200" dirty="0">
-                <a:solidFill>
-                  <a:schemeClr val="tx1"/>
-                </a:solidFill>
-              </a:rPr>
-              <a:t>} </a:t>
-            </a:r>
-          </a:p>
-          <a:p>
-            <a:pPr marL="0" indent="0" algn="l">
-              <a:buNone/>
-            </a:pPr>
-            <a:endParaRPr lang="en-US" sz="1200" dirty="0">
-              <a:solidFill>
-                <a:schemeClr val="tx1"/>
-              </a:solidFill>
-            </a:endParaRPr>
-          </a:p>
-          <a:p>
-            <a:pPr marL="0" indent="0" algn="l">
-              <a:buNone/>
-            </a:pPr>
-            <a:endParaRPr lang="he-IL" sz="1200" dirty="0">
-              <a:solidFill>
-                <a:schemeClr val="tx1"/>
-              </a:solidFill>
-            </a:endParaRPr>
-          </a:p>
-        </p:txBody>
-      </p:sp>
-      <p:pic>
-        <p:nvPicPr>
-          <p:cNvPr id="9" name="תמונה 8">
-            <a:extLst>
-              <a:ext uri="{FF2B5EF4-FFF2-40B4-BE49-F238E27FC236}">
-                <a16:creationId xmlns:a16="http://schemas.microsoft.com/office/drawing/2014/main" id="{6B1CE4EF-353A-4856-9E55-30ADA419C4E6}"/>
-              </a:ext>
-            </a:extLst>
-          </p:cNvPr>
-          <p:cNvPicPr>
-            <a:picLocks noChangeAspect="1"/>
-          </p:cNvPicPr>
-          <p:nvPr/>
-        </p:nvPicPr>
-        <p:blipFill>
-          <a:blip r:embed="rId2"/>
-          <a:stretch>
-            <a:fillRect/>
-          </a:stretch>
-        </p:blipFill>
-        <p:spPr>
-          <a:xfrm>
-            <a:off x="3838575" y="3429000"/>
-            <a:ext cx="5448300" cy="3199795"/>
-          </a:xfrm>
-          <a:prstGeom prst="rect">
-            <a:avLst/>
-          </a:prstGeom>
-        </p:spPr>
-      </p:pic>
-    </p:spTree>
-    <p:extLst>
-      <p:ext uri="{BB962C8B-B14F-4D97-AF65-F5344CB8AC3E}">
-        <p14:creationId xmlns:p14="http://schemas.microsoft.com/office/powerpoint/2010/main" val="3350539143"/>
-      </p:ext>
-    </p:extLst>
-  </p:cSld>
-  <p:clrMapOvr>
-    <a:masterClrMapping/>
-  </p:clrMapOvr>
+  <p:transition spd="slow">
+    <p:cover/>
+  </p:transition>
 </p:sld>
 </file>
 
@@ -4061,13 +4938,22 @@
                 <a:effectLst/>
                 <a:latin typeface="Segoe UI" panose="020B0502040204020203" pitchFamily="34" charset="0"/>
               </a:rPr>
-              <a:t>The abstract keyword is a non-access modifier, used for classes and methods:</a:t>
+              <a:t>The abstract :</a:t>
             </a:r>
           </a:p>
           <a:p>
             <a:pPr marL="0" indent="0" algn="l">
               <a:buNone/>
             </a:pPr>
+            <a:r>
+              <a:rPr lang="en-US" sz="1200" dirty="0">
+                <a:solidFill>
+                  <a:schemeClr val="tx1"/>
+                </a:solidFill>
+                <a:latin typeface="Segoe UI" panose="020B0502040204020203" pitchFamily="34" charset="0"/>
+              </a:rPr>
+              <a:t>keyword is a non-access modifier, used for classes and methods</a:t>
+            </a:r>
             <a:endParaRPr lang="en-US" sz="1200" b="0" i="0" dirty="0">
               <a:solidFill>
                 <a:schemeClr val="tx1"/>
@@ -4210,6 +5096,191 @@
   <p:clrMapOvr>
     <a:masterClrMapping/>
   </p:clrMapOvr>
+  <p:transition spd="slow">
+    <p:cover/>
+  </p:transition>
+  <p:timing>
+    <p:tnLst>
+      <p:par>
+        <p:cTn id="1" dur="indefinite" restart="never" nodeType="tmRoot">
+          <p:childTnLst>
+            <p:seq concurrent="1" nextAc="seek">
+              <p:cTn id="2" dur="indefinite" nodeType="mainSeq">
+                <p:childTnLst>
+                  <p:par>
+                    <p:cTn id="3" fill="hold">
+                      <p:stCondLst>
+                        <p:cond delay="indefinite"/>
+                      </p:stCondLst>
+                      <p:childTnLst>
+                        <p:par>
+                          <p:cTn id="4" fill="hold">
+                            <p:stCondLst>
+                              <p:cond delay="0"/>
+                            </p:stCondLst>
+                            <p:childTnLst>
+                              <p:par>
+                                <p:cTn id="5" presetID="45" presetClass="entr" presetSubtype="0" fill="hold" nodeType="clickEffect">
+                                  <p:stCondLst>
+                                    <p:cond delay="0"/>
+                                  </p:stCondLst>
+                                  <p:childTnLst>
+                                    <p:set>
+                                      <p:cBhvr>
+                                        <p:cTn id="6" dur="1" fill="hold">
+                                          <p:stCondLst>
+                                            <p:cond delay="0"/>
+                                          </p:stCondLst>
+                                        </p:cTn>
+                                        <p:tgtEl>
+                                          <p:spTgt spid="11"/>
+                                        </p:tgtEl>
+                                        <p:attrNameLst>
+                                          <p:attrName>style.visibility</p:attrName>
+                                        </p:attrNameLst>
+                                      </p:cBhvr>
+                                      <p:to>
+                                        <p:strVal val="visible"/>
+                                      </p:to>
+                                    </p:set>
+                                    <p:animEffect transition="in" filter="fade">
+                                      <p:cBhvr>
+                                        <p:cTn id="7" dur="2000"/>
+                                        <p:tgtEl>
+                                          <p:spTgt spid="11"/>
+                                        </p:tgtEl>
+                                      </p:cBhvr>
+                                    </p:animEffect>
+                                    <p:anim calcmode="lin" valueType="num">
+                                      <p:cBhvr>
+                                        <p:cTn id="8" dur="2000" fill="hold"/>
+                                        <p:tgtEl>
+                                          <p:spTgt spid="11"/>
+                                        </p:tgtEl>
+                                        <p:attrNameLst>
+                                          <p:attrName>ppt_w</p:attrName>
+                                        </p:attrNameLst>
+                                      </p:cBhvr>
+                                      <p:tavLst>
+                                        <p:tav tm="0" fmla="#ppt_w*sin(2.5*pi*$)">
+                                          <p:val>
+                                            <p:fltVal val="0"/>
+                                          </p:val>
+                                        </p:tav>
+                                        <p:tav tm="100000">
+                                          <p:val>
+                                            <p:fltVal val="1"/>
+                                          </p:val>
+                                        </p:tav>
+                                      </p:tavLst>
+                                    </p:anim>
+                                    <p:anim calcmode="lin" valueType="num">
+                                      <p:cBhvr>
+                                        <p:cTn id="9" dur="2000" fill="hold"/>
+                                        <p:tgtEl>
+                                          <p:spTgt spid="11"/>
+                                        </p:tgtEl>
+                                        <p:attrNameLst>
+                                          <p:attrName>ppt_h</p:attrName>
+                                        </p:attrNameLst>
+                                      </p:cBhvr>
+                                      <p:tavLst>
+                                        <p:tav tm="0">
+                                          <p:val>
+                                            <p:strVal val="#ppt_h"/>
+                                          </p:val>
+                                        </p:tav>
+                                        <p:tav tm="100000">
+                                          <p:val>
+                                            <p:strVal val="#ppt_h"/>
+                                          </p:val>
+                                        </p:tav>
+                                      </p:tavLst>
+                                    </p:anim>
+                                  </p:childTnLst>
+                                </p:cTn>
+                              </p:par>
+                            </p:childTnLst>
+                          </p:cTn>
+                        </p:par>
+                      </p:childTnLst>
+                    </p:cTn>
+                  </p:par>
+                  <p:par>
+                    <p:cTn id="10" fill="hold">
+                      <p:stCondLst>
+                        <p:cond delay="indefinite"/>
+                      </p:stCondLst>
+                      <p:childTnLst>
+                        <p:par>
+                          <p:cTn id="11" fill="hold">
+                            <p:stCondLst>
+                              <p:cond delay="0"/>
+                            </p:stCondLst>
+                            <p:childTnLst>
+                              <p:par>
+                                <p:cTn id="12" presetID="10" presetClass="entr" presetSubtype="0" fill="hold" nodeType="clickEffect">
+                                  <p:stCondLst>
+                                    <p:cond delay="0"/>
+                                  </p:stCondLst>
+                                  <p:childTnLst>
+                                    <p:set>
+                                      <p:cBhvr>
+                                        <p:cTn id="13" dur="1" fill="hold">
+                                          <p:stCondLst>
+                                            <p:cond delay="0"/>
+                                          </p:stCondLst>
+                                        </p:cTn>
+                                        <p:tgtEl>
+                                          <p:spTgt spid="13"/>
+                                        </p:tgtEl>
+                                        <p:attrNameLst>
+                                          <p:attrName>style.visibility</p:attrName>
+                                        </p:attrNameLst>
+                                      </p:cBhvr>
+                                      <p:to>
+                                        <p:strVal val="visible"/>
+                                      </p:to>
+                                    </p:set>
+                                    <p:animEffect transition="in" filter="fade">
+                                      <p:cBhvr>
+                                        <p:cTn id="14" dur="500"/>
+                                        <p:tgtEl>
+                                          <p:spTgt spid="13"/>
+                                        </p:tgtEl>
+                                      </p:cBhvr>
+                                    </p:animEffect>
+                                  </p:childTnLst>
+                                </p:cTn>
+                              </p:par>
+                            </p:childTnLst>
+                          </p:cTn>
+                        </p:par>
+                      </p:childTnLst>
+                    </p:cTn>
+                  </p:par>
+                </p:childTnLst>
+              </p:cTn>
+              <p:prevCondLst>
+                <p:cond evt="onPrev" delay="0">
+                  <p:tgtEl>
+                    <p:sldTgt/>
+                  </p:tgtEl>
+                </p:cond>
+              </p:prevCondLst>
+              <p:nextCondLst>
+                <p:cond evt="onNext" delay="0">
+                  <p:tgtEl>
+                    <p:sldTgt/>
+                  </p:tgtEl>
+                </p:cond>
+              </p:nextCondLst>
+            </p:seq>
+          </p:childTnLst>
+        </p:cTn>
+      </p:par>
+    </p:tnLst>
+  </p:timing>
 </p:sld>
 </file>
 
@@ -4380,12 +5451,106 @@
         </p:blipFill>
         <p:spPr>
           <a:xfrm>
-            <a:off x="2952749" y="3333750"/>
-            <a:ext cx="8572501" cy="1612142"/>
+            <a:off x="3778372" y="2786679"/>
+            <a:ext cx="6679523" cy="1256149"/>
           </a:xfrm>
           <a:prstGeom prst="rect">
             <a:avLst/>
           </a:prstGeom>
+        </p:spPr>
+      </p:pic>
+      <p:pic>
+        <p:nvPicPr>
+          <p:cNvPr id="1028" name="Picture 4" descr="Animals: The Ultimate Guide To The Animal Kingdom - Information, Fun Facts  &amp; Awesome Pictures For Kids, Students &amp; Adults">
+            <a:extLst>
+              <a:ext uri="{FF2B5EF4-FFF2-40B4-BE49-F238E27FC236}">
+                <a16:creationId xmlns:a16="http://schemas.microsoft.com/office/drawing/2014/main" id="{FC16439D-5DDC-4C14-A48A-2792F827EC77}"/>
+              </a:ext>
+            </a:extLst>
+          </p:cNvPr>
+          <p:cNvPicPr>
+            <a:picLocks noChangeAspect="1" noChangeArrowheads="1"/>
+          </p:cNvPicPr>
+          <p:nvPr/>
+        </p:nvPicPr>
+        <p:blipFill>
+          <a:blip r:embed="rId3">
+            <a:extLst>
+              <a:ext uri="{28A0092B-C50C-407E-A947-70E740481C1C}">
+                <a14:useLocalDpi xmlns:a14="http://schemas.microsoft.com/office/drawing/2010/main" val="0"/>
+              </a:ext>
+            </a:extLst>
+          </a:blip>
+          <a:srcRect/>
+          <a:stretch>
+            <a:fillRect/>
+          </a:stretch>
+        </p:blipFill>
+        <p:spPr bwMode="auto">
+          <a:xfrm>
+            <a:off x="3778372" y="4120693"/>
+            <a:ext cx="4109121" cy="2737307"/>
+          </a:xfrm>
+          <a:prstGeom prst="rect">
+            <a:avLst/>
+          </a:prstGeom>
+          <a:noFill/>
+          <a:extLst>
+            <a:ext uri="{909E8E84-426E-40DD-AFC4-6F175D3DCCD1}">
+              <a14:hiddenFill xmlns:a14="http://schemas.microsoft.com/office/drawing/2010/main">
+                <a:solidFill>
+                  <a:srgbClr val="FFFFFF"/>
+                </a:solidFill>
+              </a14:hiddenFill>
+            </a:ext>
+          </a:extLst>
+        </p:spPr>
+      </p:pic>
+      <p:pic>
+        <p:nvPicPr>
+          <p:cNvPr id="1030" name="Picture 6" descr="Can we really know what animals are thinking?">
+            <a:extLst>
+              <a:ext uri="{FF2B5EF4-FFF2-40B4-BE49-F238E27FC236}">
+                <a16:creationId xmlns:a16="http://schemas.microsoft.com/office/drawing/2014/main" id="{757C1EE6-3A1E-48B2-A1B8-7E9075F4FDB7}"/>
+              </a:ext>
+            </a:extLst>
+          </p:cNvPr>
+          <p:cNvPicPr>
+            <a:picLocks noChangeAspect="1" noChangeArrowheads="1"/>
+          </p:cNvPicPr>
+          <p:nvPr/>
+        </p:nvPicPr>
+        <p:blipFill>
+          <a:blip r:embed="rId4">
+            <a:extLst>
+              <a:ext uri="{28A0092B-C50C-407E-A947-70E740481C1C}">
+                <a14:useLocalDpi xmlns:a14="http://schemas.microsoft.com/office/drawing/2010/main" val="0"/>
+              </a:ext>
+            </a:extLst>
+          </a:blip>
+          <a:srcRect/>
+          <a:stretch>
+            <a:fillRect/>
+          </a:stretch>
+        </p:blipFill>
+        <p:spPr bwMode="auto">
+          <a:xfrm>
+            <a:off x="8695360" y="4049521"/>
+            <a:ext cx="2737307" cy="2737307"/>
+          </a:xfrm>
+          <a:prstGeom prst="rect">
+            <a:avLst/>
+          </a:prstGeom>
+          <a:noFill/>
+          <a:extLst>
+            <a:ext uri="{909E8E84-426E-40DD-AFC4-6F175D3DCCD1}">
+              <a14:hiddenFill xmlns:a14="http://schemas.microsoft.com/office/drawing/2010/main">
+                <a:solidFill>
+                  <a:srgbClr val="FFFFFF"/>
+                </a:solidFill>
+              </a14:hiddenFill>
+            </a:ext>
+          </a:extLst>
         </p:spPr>
       </p:pic>
     </p:spTree>
@@ -4398,6 +5563,244 @@
   <p:clrMapOvr>
     <a:masterClrMapping/>
   </p:clrMapOvr>
+  <p:transition spd="slow">
+    <p:cover/>
+  </p:transition>
+  <p:timing>
+    <p:tnLst>
+      <p:par>
+        <p:cTn id="1" dur="indefinite" restart="never" nodeType="tmRoot">
+          <p:childTnLst>
+            <p:seq concurrent="1" nextAc="seek">
+              <p:cTn id="2" dur="indefinite" nodeType="mainSeq">
+                <p:childTnLst>
+                  <p:par>
+                    <p:cTn id="3" fill="hold">
+                      <p:stCondLst>
+                        <p:cond delay="indefinite"/>
+                      </p:stCondLst>
+                      <p:childTnLst>
+                        <p:par>
+                          <p:cTn id="4" fill="hold">
+                            <p:stCondLst>
+                              <p:cond delay="0"/>
+                            </p:stCondLst>
+                            <p:childTnLst>
+                              <p:par>
+                                <p:cTn id="5" presetID="10" presetClass="entr" presetSubtype="0" fill="hold" nodeType="clickEffect">
+                                  <p:stCondLst>
+                                    <p:cond delay="0"/>
+                                  </p:stCondLst>
+                                  <p:childTnLst>
+                                    <p:set>
+                                      <p:cBhvr>
+                                        <p:cTn id="6" dur="1" fill="hold">
+                                          <p:stCondLst>
+                                            <p:cond delay="0"/>
+                                          </p:stCondLst>
+                                        </p:cTn>
+                                        <p:tgtEl>
+                                          <p:spTgt spid="6"/>
+                                        </p:tgtEl>
+                                        <p:attrNameLst>
+                                          <p:attrName>style.visibility</p:attrName>
+                                        </p:attrNameLst>
+                                      </p:cBhvr>
+                                      <p:to>
+                                        <p:strVal val="visible"/>
+                                      </p:to>
+                                    </p:set>
+                                    <p:animEffect transition="in" filter="fade">
+                                      <p:cBhvr>
+                                        <p:cTn id="7" dur="500"/>
+                                        <p:tgtEl>
+                                          <p:spTgt spid="6"/>
+                                        </p:tgtEl>
+                                      </p:cBhvr>
+                                    </p:animEffect>
+                                  </p:childTnLst>
+                                </p:cTn>
+                              </p:par>
+                            </p:childTnLst>
+                          </p:cTn>
+                        </p:par>
+                      </p:childTnLst>
+                    </p:cTn>
+                  </p:par>
+                  <p:par>
+                    <p:cTn id="8" fill="hold">
+                      <p:stCondLst>
+                        <p:cond delay="indefinite"/>
+                      </p:stCondLst>
+                      <p:childTnLst>
+                        <p:par>
+                          <p:cTn id="9" fill="hold">
+                            <p:stCondLst>
+                              <p:cond delay="0"/>
+                            </p:stCondLst>
+                            <p:childTnLst>
+                              <p:par>
+                                <p:cTn id="10" presetID="6" presetClass="entr" presetSubtype="16" fill="hold" nodeType="clickEffect">
+                                  <p:stCondLst>
+                                    <p:cond delay="0"/>
+                                  </p:stCondLst>
+                                  <p:childTnLst>
+                                    <p:set>
+                                      <p:cBhvr>
+                                        <p:cTn id="11" dur="1" fill="hold">
+                                          <p:stCondLst>
+                                            <p:cond delay="0"/>
+                                          </p:stCondLst>
+                                        </p:cTn>
+                                        <p:tgtEl>
+                                          <p:spTgt spid="1028"/>
+                                        </p:tgtEl>
+                                        <p:attrNameLst>
+                                          <p:attrName>style.visibility</p:attrName>
+                                        </p:attrNameLst>
+                                      </p:cBhvr>
+                                      <p:to>
+                                        <p:strVal val="visible"/>
+                                      </p:to>
+                                    </p:set>
+                                    <p:animEffect transition="in" filter="circle(in)">
+                                      <p:cBhvr>
+                                        <p:cTn id="12" dur="2000"/>
+                                        <p:tgtEl>
+                                          <p:spTgt spid="1028"/>
+                                        </p:tgtEl>
+                                      </p:cBhvr>
+                                    </p:animEffect>
+                                  </p:childTnLst>
+                                </p:cTn>
+                              </p:par>
+                            </p:childTnLst>
+                          </p:cTn>
+                        </p:par>
+                      </p:childTnLst>
+                    </p:cTn>
+                  </p:par>
+                  <p:par>
+                    <p:cTn id="13" fill="hold">
+                      <p:stCondLst>
+                        <p:cond delay="indefinite"/>
+                      </p:stCondLst>
+                      <p:childTnLst>
+                        <p:par>
+                          <p:cTn id="14" fill="hold">
+                            <p:stCondLst>
+                              <p:cond delay="0"/>
+                            </p:stCondLst>
+                            <p:childTnLst>
+                              <p:par>
+                                <p:cTn id="15" presetID="45" presetClass="entr" presetSubtype="0" fill="hold" nodeType="clickEffect">
+                                  <p:stCondLst>
+                                    <p:cond delay="0"/>
+                                  </p:stCondLst>
+                                  <p:childTnLst>
+                                    <p:set>
+                                      <p:cBhvr>
+                                        <p:cTn id="16" dur="1" fill="hold">
+                                          <p:stCondLst>
+                                            <p:cond delay="0"/>
+                                          </p:stCondLst>
+                                        </p:cTn>
+                                        <p:tgtEl>
+                                          <p:spTgt spid="1030"/>
+                                        </p:tgtEl>
+                                        <p:attrNameLst>
+                                          <p:attrName>style.visibility</p:attrName>
+                                        </p:attrNameLst>
+                                      </p:cBhvr>
+                                      <p:to>
+                                        <p:strVal val="visible"/>
+                                      </p:to>
+                                    </p:set>
+                                    <p:animEffect transition="in" filter="fade">
+                                      <p:cBhvr>
+                                        <p:cTn id="17" dur="2000"/>
+                                        <p:tgtEl>
+                                          <p:spTgt spid="1030"/>
+                                        </p:tgtEl>
+                                      </p:cBhvr>
+                                    </p:animEffect>
+                                    <p:anim calcmode="lin" valueType="num">
+                                      <p:cBhvr>
+                                        <p:cTn id="18" dur="2000" fill="hold"/>
+                                        <p:tgtEl>
+                                          <p:spTgt spid="1030"/>
+                                        </p:tgtEl>
+                                        <p:attrNameLst>
+                                          <p:attrName>ppt_w</p:attrName>
+                                        </p:attrNameLst>
+                                      </p:cBhvr>
+                                      <p:tavLst>
+                                        <p:tav tm="0" fmla="#ppt_w*sin(2.5*pi*$)">
+                                          <p:val>
+                                            <p:fltVal val="0"/>
+                                          </p:val>
+                                        </p:tav>
+                                        <p:tav tm="100000">
+                                          <p:val>
+                                            <p:fltVal val="1"/>
+                                          </p:val>
+                                        </p:tav>
+                                      </p:tavLst>
+                                    </p:anim>
+                                    <p:anim calcmode="lin" valueType="num">
+                                      <p:cBhvr>
+                                        <p:cTn id="19" dur="2000" fill="hold"/>
+                                        <p:tgtEl>
+                                          <p:spTgt spid="1030"/>
+                                        </p:tgtEl>
+                                        <p:attrNameLst>
+                                          <p:attrName>ppt_h</p:attrName>
+                                        </p:attrNameLst>
+                                      </p:cBhvr>
+                                      <p:tavLst>
+                                        <p:tav tm="0">
+                                          <p:val>
+                                            <p:strVal val="#ppt_h"/>
+                                          </p:val>
+                                        </p:tav>
+                                        <p:tav tm="100000">
+                                          <p:val>
+                                            <p:strVal val="#ppt_h"/>
+                                          </p:val>
+                                        </p:tav>
+                                      </p:tavLst>
+                                    </p:anim>
+                                  </p:childTnLst>
+                                </p:cTn>
+                              </p:par>
+                            </p:childTnLst>
+                          </p:cTn>
+                        </p:par>
+                      </p:childTnLst>
+                    </p:cTn>
+                  </p:par>
+                </p:childTnLst>
+              </p:cTn>
+              <p:prevCondLst>
+                <p:cond evt="onPrev" delay="0">
+                  <p:tgtEl>
+                    <p:sldTgt/>
+                  </p:tgtEl>
+                </p:cond>
+              </p:prevCondLst>
+              <p:nextCondLst>
+                <p:cond evt="onNext" delay="0">
+                  <p:tgtEl>
+                    <p:sldTgt/>
+                  </p:tgtEl>
+                </p:cond>
+              </p:nextCondLst>
+            </p:seq>
+          </p:childTnLst>
+        </p:cTn>
+      </p:par>
+    </p:tnLst>
+  </p:timing>
 </p:sld>
 </file>
 
@@ -4630,6 +6033,502 @@
   <p:clrMapOvr>
     <a:masterClrMapping/>
   </p:clrMapOvr>
+  <p:transition spd="slow">
+    <p:cover/>
+  </p:transition>
+  <p:timing>
+    <p:tnLst>
+      <p:par>
+        <p:cTn id="1" dur="indefinite" restart="never" nodeType="tmRoot">
+          <p:childTnLst>
+            <p:seq concurrent="1" nextAc="seek">
+              <p:cTn id="2" dur="indefinite" nodeType="mainSeq">
+                <p:childTnLst>
+                  <p:par>
+                    <p:cTn id="3" fill="hold">
+                      <p:stCondLst>
+                        <p:cond delay="indefinite"/>
+                      </p:stCondLst>
+                      <p:childTnLst>
+                        <p:par>
+                          <p:cTn id="4" fill="hold">
+                            <p:stCondLst>
+                              <p:cond delay="0"/>
+                            </p:stCondLst>
+                            <p:childTnLst>
+                              <p:par>
+                                <p:cTn id="5" presetID="1" presetClass="entr" presetSubtype="0" fill="hold" nodeType="clickEffect">
+                                  <p:stCondLst>
+                                    <p:cond delay="0"/>
+                                  </p:stCondLst>
+                                  <p:childTnLst>
+                                    <p:set>
+                                      <p:cBhvr>
+                                        <p:cTn id="6" dur="1" fill="hold">
+                                          <p:stCondLst>
+                                            <p:cond delay="0"/>
+                                          </p:stCondLst>
+                                        </p:cTn>
+                                        <p:tgtEl>
+                                          <p:spTgt spid="7"/>
+                                        </p:tgtEl>
+                                        <p:attrNameLst>
+                                          <p:attrName>style.visibility</p:attrName>
+                                        </p:attrNameLst>
+                                      </p:cBhvr>
+                                      <p:to>
+                                        <p:strVal val="visible"/>
+                                      </p:to>
+                                    </p:set>
+                                  </p:childTnLst>
+                                </p:cTn>
+                              </p:par>
+                            </p:childTnLst>
+                          </p:cTn>
+                        </p:par>
+                      </p:childTnLst>
+                    </p:cTn>
+                  </p:par>
+                  <p:par>
+                    <p:cTn id="7" fill="hold">
+                      <p:stCondLst>
+                        <p:cond delay="indefinite"/>
+                      </p:stCondLst>
+                      <p:childTnLst>
+                        <p:par>
+                          <p:cTn id="8" fill="hold">
+                            <p:stCondLst>
+                              <p:cond delay="0"/>
+                            </p:stCondLst>
+                            <p:childTnLst>
+                              <p:par>
+                                <p:cTn id="9" presetID="31" presetClass="entr" presetSubtype="0" fill="hold" nodeType="clickEffect">
+                                  <p:stCondLst>
+                                    <p:cond delay="0"/>
+                                  </p:stCondLst>
+                                  <p:childTnLst>
+                                    <p:set>
+                                      <p:cBhvr>
+                                        <p:cTn id="10" dur="1" fill="hold">
+                                          <p:stCondLst>
+                                            <p:cond delay="0"/>
+                                          </p:stCondLst>
+                                        </p:cTn>
+                                        <p:tgtEl>
+                                          <p:spTgt spid="9"/>
+                                        </p:tgtEl>
+                                        <p:attrNameLst>
+                                          <p:attrName>style.visibility</p:attrName>
+                                        </p:attrNameLst>
+                                      </p:cBhvr>
+                                      <p:to>
+                                        <p:strVal val="visible"/>
+                                      </p:to>
+                                    </p:set>
+                                    <p:anim calcmode="lin" valueType="num">
+                                      <p:cBhvr>
+                                        <p:cTn id="11" dur="1000" fill="hold"/>
+                                        <p:tgtEl>
+                                          <p:spTgt spid="9"/>
+                                        </p:tgtEl>
+                                        <p:attrNameLst>
+                                          <p:attrName>ppt_w</p:attrName>
+                                        </p:attrNameLst>
+                                      </p:cBhvr>
+                                      <p:tavLst>
+                                        <p:tav tm="0">
+                                          <p:val>
+                                            <p:fltVal val="0"/>
+                                          </p:val>
+                                        </p:tav>
+                                        <p:tav tm="100000">
+                                          <p:val>
+                                            <p:strVal val="#ppt_w"/>
+                                          </p:val>
+                                        </p:tav>
+                                      </p:tavLst>
+                                    </p:anim>
+                                    <p:anim calcmode="lin" valueType="num">
+                                      <p:cBhvr>
+                                        <p:cTn id="12" dur="1000" fill="hold"/>
+                                        <p:tgtEl>
+                                          <p:spTgt spid="9"/>
+                                        </p:tgtEl>
+                                        <p:attrNameLst>
+                                          <p:attrName>ppt_h</p:attrName>
+                                        </p:attrNameLst>
+                                      </p:cBhvr>
+                                      <p:tavLst>
+                                        <p:tav tm="0">
+                                          <p:val>
+                                            <p:fltVal val="0"/>
+                                          </p:val>
+                                        </p:tav>
+                                        <p:tav tm="100000">
+                                          <p:val>
+                                            <p:strVal val="#ppt_h"/>
+                                          </p:val>
+                                        </p:tav>
+                                      </p:tavLst>
+                                    </p:anim>
+                                    <p:anim calcmode="lin" valueType="num">
+                                      <p:cBhvr>
+                                        <p:cTn id="13" dur="1000" fill="hold"/>
+                                        <p:tgtEl>
+                                          <p:spTgt spid="9"/>
+                                        </p:tgtEl>
+                                        <p:attrNameLst>
+                                          <p:attrName>style.rotation</p:attrName>
+                                        </p:attrNameLst>
+                                      </p:cBhvr>
+                                      <p:tavLst>
+                                        <p:tav tm="0">
+                                          <p:val>
+                                            <p:fltVal val="90"/>
+                                          </p:val>
+                                        </p:tav>
+                                        <p:tav tm="100000">
+                                          <p:val>
+                                            <p:fltVal val="0"/>
+                                          </p:val>
+                                        </p:tav>
+                                      </p:tavLst>
+                                    </p:anim>
+                                    <p:animEffect transition="in" filter="fade">
+                                      <p:cBhvr>
+                                        <p:cTn id="14" dur="1000"/>
+                                        <p:tgtEl>
+                                          <p:spTgt spid="9"/>
+                                        </p:tgtEl>
+                                      </p:cBhvr>
+                                    </p:animEffect>
+                                  </p:childTnLst>
+                                </p:cTn>
+                              </p:par>
+                            </p:childTnLst>
+                          </p:cTn>
+                        </p:par>
+                      </p:childTnLst>
+                    </p:cTn>
+                  </p:par>
+                  <p:par>
+                    <p:cTn id="15" fill="hold">
+                      <p:stCondLst>
+                        <p:cond delay="indefinite"/>
+                      </p:stCondLst>
+                      <p:childTnLst>
+                        <p:par>
+                          <p:cTn id="16" fill="hold">
+                            <p:stCondLst>
+                              <p:cond delay="0"/>
+                            </p:stCondLst>
+                            <p:childTnLst>
+                              <p:par>
+                                <p:cTn id="17" presetID="26" presetClass="entr" presetSubtype="0" fill="hold" nodeType="clickEffect">
+                                  <p:stCondLst>
+                                    <p:cond delay="0"/>
+                                  </p:stCondLst>
+                                  <p:childTnLst>
+                                    <p:set>
+                                      <p:cBhvr>
+                                        <p:cTn id="18" dur="1" fill="hold">
+                                          <p:stCondLst>
+                                            <p:cond delay="0"/>
+                                          </p:stCondLst>
+                                        </p:cTn>
+                                        <p:tgtEl>
+                                          <p:spTgt spid="11"/>
+                                        </p:tgtEl>
+                                        <p:attrNameLst>
+                                          <p:attrName>style.visibility</p:attrName>
+                                        </p:attrNameLst>
+                                      </p:cBhvr>
+                                      <p:to>
+                                        <p:strVal val="visible"/>
+                                      </p:to>
+                                    </p:set>
+                                    <p:animEffect transition="in" filter="wipe(down)">
+                                      <p:cBhvr>
+                                        <p:cTn id="19" dur="580">
+                                          <p:stCondLst>
+                                            <p:cond delay="0"/>
+                                          </p:stCondLst>
+                                        </p:cTn>
+                                        <p:tgtEl>
+                                          <p:spTgt spid="11"/>
+                                        </p:tgtEl>
+                                      </p:cBhvr>
+                                    </p:animEffect>
+                                    <p:anim calcmode="lin" valueType="num">
+                                      <p:cBhvr>
+                                        <p:cTn id="20" dur="1822" tmFilter="0,0; 0.14,0.36; 0.43,0.73; 0.71,0.91; 1.0,1.0">
+                                          <p:stCondLst>
+                                            <p:cond delay="0"/>
+                                          </p:stCondLst>
+                                        </p:cTn>
+                                        <p:tgtEl>
+                                          <p:spTgt spid="11"/>
+                                        </p:tgtEl>
+                                        <p:attrNameLst>
+                                          <p:attrName>ppt_x</p:attrName>
+                                        </p:attrNameLst>
+                                      </p:cBhvr>
+                                      <p:tavLst>
+                                        <p:tav tm="0">
+                                          <p:val>
+                                            <p:strVal val="#ppt_x-0.25"/>
+                                          </p:val>
+                                        </p:tav>
+                                        <p:tav tm="100000">
+                                          <p:val>
+                                            <p:strVal val="#ppt_x"/>
+                                          </p:val>
+                                        </p:tav>
+                                      </p:tavLst>
+                                    </p:anim>
+                                    <p:anim calcmode="lin" valueType="num">
+                                      <p:cBhvr>
+                                        <p:cTn id="21" dur="664" tmFilter="0.0,0.0; 0.25,0.07; 0.50,0.2; 0.75,0.467; 1.0,1.0">
+                                          <p:stCondLst>
+                                            <p:cond delay="0"/>
+                                          </p:stCondLst>
+                                        </p:cTn>
+                                        <p:tgtEl>
+                                          <p:spTgt spid="11"/>
+                                        </p:tgtEl>
+                                        <p:attrNameLst>
+                                          <p:attrName>ppt_y</p:attrName>
+                                        </p:attrNameLst>
+                                      </p:cBhvr>
+                                      <p:tavLst>
+                                        <p:tav tm="0" fmla="#ppt_y-sin(pi*$)/3">
+                                          <p:val>
+                                            <p:fltVal val="0.5"/>
+                                          </p:val>
+                                        </p:tav>
+                                        <p:tav tm="100000">
+                                          <p:val>
+                                            <p:fltVal val="1"/>
+                                          </p:val>
+                                        </p:tav>
+                                      </p:tavLst>
+                                    </p:anim>
+                                    <p:anim calcmode="lin" valueType="num">
+                                      <p:cBhvr>
+                                        <p:cTn id="22" dur="664" tmFilter="0, 0; 0.125,0.2665; 0.25,0.4; 0.375,0.465; 0.5,0.5;  0.625,0.535; 0.75,0.6; 0.875,0.7335; 1,1">
+                                          <p:stCondLst>
+                                            <p:cond delay="664"/>
+                                          </p:stCondLst>
+                                        </p:cTn>
+                                        <p:tgtEl>
+                                          <p:spTgt spid="11"/>
+                                        </p:tgtEl>
+                                        <p:attrNameLst>
+                                          <p:attrName>ppt_y</p:attrName>
+                                        </p:attrNameLst>
+                                      </p:cBhvr>
+                                      <p:tavLst>
+                                        <p:tav tm="0" fmla="#ppt_y-sin(pi*$)/9">
+                                          <p:val>
+                                            <p:fltVal val="0"/>
+                                          </p:val>
+                                        </p:tav>
+                                        <p:tav tm="100000">
+                                          <p:val>
+                                            <p:fltVal val="1"/>
+                                          </p:val>
+                                        </p:tav>
+                                      </p:tavLst>
+                                    </p:anim>
+                                    <p:anim calcmode="lin" valueType="num">
+                                      <p:cBhvr>
+                                        <p:cTn id="23" dur="332" tmFilter="0, 0; 0.125,0.2665; 0.25,0.4; 0.375,0.465; 0.5,0.5;  0.625,0.535; 0.75,0.6; 0.875,0.7335; 1,1">
+                                          <p:stCondLst>
+                                            <p:cond delay="1324"/>
+                                          </p:stCondLst>
+                                        </p:cTn>
+                                        <p:tgtEl>
+                                          <p:spTgt spid="11"/>
+                                        </p:tgtEl>
+                                        <p:attrNameLst>
+                                          <p:attrName>ppt_y</p:attrName>
+                                        </p:attrNameLst>
+                                      </p:cBhvr>
+                                      <p:tavLst>
+                                        <p:tav tm="0" fmla="#ppt_y-sin(pi*$)/27">
+                                          <p:val>
+                                            <p:fltVal val="0"/>
+                                          </p:val>
+                                        </p:tav>
+                                        <p:tav tm="100000">
+                                          <p:val>
+                                            <p:fltVal val="1"/>
+                                          </p:val>
+                                        </p:tav>
+                                      </p:tavLst>
+                                    </p:anim>
+                                    <p:anim calcmode="lin" valueType="num">
+                                      <p:cBhvr>
+                                        <p:cTn id="24" dur="164" tmFilter="0, 0; 0.125,0.2665; 0.25,0.4; 0.375,0.465; 0.5,0.5;  0.625,0.535; 0.75,0.6; 0.875,0.7335; 1,1">
+                                          <p:stCondLst>
+                                            <p:cond delay="1656"/>
+                                          </p:stCondLst>
+                                        </p:cTn>
+                                        <p:tgtEl>
+                                          <p:spTgt spid="11"/>
+                                        </p:tgtEl>
+                                        <p:attrNameLst>
+                                          <p:attrName>ppt_y</p:attrName>
+                                        </p:attrNameLst>
+                                      </p:cBhvr>
+                                      <p:tavLst>
+                                        <p:tav tm="0" fmla="#ppt_y-sin(pi*$)/81">
+                                          <p:val>
+                                            <p:fltVal val="0"/>
+                                          </p:val>
+                                        </p:tav>
+                                        <p:tav tm="100000">
+                                          <p:val>
+                                            <p:fltVal val="1"/>
+                                          </p:val>
+                                        </p:tav>
+                                      </p:tavLst>
+                                    </p:anim>
+                                    <p:animScale>
+                                      <p:cBhvr>
+                                        <p:cTn id="25" dur="26">
+                                          <p:stCondLst>
+                                            <p:cond delay="650"/>
+                                          </p:stCondLst>
+                                        </p:cTn>
+                                        <p:tgtEl>
+                                          <p:spTgt spid="11"/>
+                                        </p:tgtEl>
+                                      </p:cBhvr>
+                                      <p:to x="100000" y="60000"/>
+                                    </p:animScale>
+                                    <p:animScale>
+                                      <p:cBhvr>
+                                        <p:cTn id="26" dur="166" decel="50000">
+                                          <p:stCondLst>
+                                            <p:cond delay="676"/>
+                                          </p:stCondLst>
+                                        </p:cTn>
+                                        <p:tgtEl>
+                                          <p:spTgt spid="11"/>
+                                        </p:tgtEl>
+                                      </p:cBhvr>
+                                      <p:to x="100000" y="100000"/>
+                                    </p:animScale>
+                                    <p:animScale>
+                                      <p:cBhvr>
+                                        <p:cTn id="27" dur="26">
+                                          <p:stCondLst>
+                                            <p:cond delay="1312"/>
+                                          </p:stCondLst>
+                                        </p:cTn>
+                                        <p:tgtEl>
+                                          <p:spTgt spid="11"/>
+                                        </p:tgtEl>
+                                      </p:cBhvr>
+                                      <p:to x="100000" y="80000"/>
+                                    </p:animScale>
+                                    <p:animScale>
+                                      <p:cBhvr>
+                                        <p:cTn id="28" dur="166" decel="50000">
+                                          <p:stCondLst>
+                                            <p:cond delay="1338"/>
+                                          </p:stCondLst>
+                                        </p:cTn>
+                                        <p:tgtEl>
+                                          <p:spTgt spid="11"/>
+                                        </p:tgtEl>
+                                      </p:cBhvr>
+                                      <p:to x="100000" y="100000"/>
+                                    </p:animScale>
+                                    <p:animScale>
+                                      <p:cBhvr>
+                                        <p:cTn id="29" dur="26">
+                                          <p:stCondLst>
+                                            <p:cond delay="1642"/>
+                                          </p:stCondLst>
+                                        </p:cTn>
+                                        <p:tgtEl>
+                                          <p:spTgt spid="11"/>
+                                        </p:tgtEl>
+                                      </p:cBhvr>
+                                      <p:to x="100000" y="90000"/>
+                                    </p:animScale>
+                                    <p:animScale>
+                                      <p:cBhvr>
+                                        <p:cTn id="30" dur="166" decel="50000">
+                                          <p:stCondLst>
+                                            <p:cond delay="1668"/>
+                                          </p:stCondLst>
+                                        </p:cTn>
+                                        <p:tgtEl>
+                                          <p:spTgt spid="11"/>
+                                        </p:tgtEl>
+                                      </p:cBhvr>
+                                      <p:to x="100000" y="100000"/>
+                                    </p:animScale>
+                                    <p:animScale>
+                                      <p:cBhvr>
+                                        <p:cTn id="31" dur="26">
+                                          <p:stCondLst>
+                                            <p:cond delay="1808"/>
+                                          </p:stCondLst>
+                                        </p:cTn>
+                                        <p:tgtEl>
+                                          <p:spTgt spid="11"/>
+                                        </p:tgtEl>
+                                      </p:cBhvr>
+                                      <p:to x="100000" y="95000"/>
+                                    </p:animScale>
+                                    <p:animScale>
+                                      <p:cBhvr>
+                                        <p:cTn id="32" dur="166" decel="50000">
+                                          <p:stCondLst>
+                                            <p:cond delay="1834"/>
+                                          </p:stCondLst>
+                                        </p:cTn>
+                                        <p:tgtEl>
+                                          <p:spTgt spid="11"/>
+                                        </p:tgtEl>
+                                      </p:cBhvr>
+                                      <p:to x="100000" y="100000"/>
+                                    </p:animScale>
+                                  </p:childTnLst>
+                                </p:cTn>
+                              </p:par>
+                            </p:childTnLst>
+                          </p:cTn>
+                        </p:par>
+                      </p:childTnLst>
+                    </p:cTn>
+                  </p:par>
+                </p:childTnLst>
+              </p:cTn>
+              <p:prevCondLst>
+                <p:cond evt="onPrev" delay="0">
+                  <p:tgtEl>
+                    <p:sldTgt/>
+                  </p:tgtEl>
+                </p:cond>
+              </p:prevCondLst>
+              <p:nextCondLst>
+                <p:cond evt="onNext" delay="0">
+                  <p:tgtEl>
+                    <p:sldTgt/>
+                  </p:tgtEl>
+                </p:cond>
+              </p:nextCondLst>
+            </p:seq>
+          </p:childTnLst>
+        </p:cTn>
+      </p:par>
+    </p:tnLst>
+  </p:timing>
 </p:sld>
 </file>
 
@@ -4842,6 +6741,183 @@
   <p:clrMapOvr>
     <a:masterClrMapping/>
   </p:clrMapOvr>
+  <p:transition spd="slow">
+    <p:cover/>
+  </p:transition>
+  <p:timing>
+    <p:tnLst>
+      <p:par>
+        <p:cTn id="1" dur="indefinite" restart="never" nodeType="tmRoot">
+          <p:childTnLst>
+            <p:seq concurrent="1" nextAc="seek">
+              <p:cTn id="2" dur="indefinite" nodeType="mainSeq">
+                <p:childTnLst>
+                  <p:par>
+                    <p:cTn id="3" fill="hold">
+                      <p:stCondLst>
+                        <p:cond delay="indefinite"/>
+                      </p:stCondLst>
+                      <p:childTnLst>
+                        <p:par>
+                          <p:cTn id="4" fill="hold">
+                            <p:stCondLst>
+                              <p:cond delay="0"/>
+                            </p:stCondLst>
+                            <p:childTnLst>
+                              <p:par>
+                                <p:cTn id="5" presetID="2" presetClass="entr" presetSubtype="4" fill="hold" nodeType="clickEffect">
+                                  <p:stCondLst>
+                                    <p:cond delay="0"/>
+                                  </p:stCondLst>
+                                  <p:childTnLst>
+                                    <p:set>
+                                      <p:cBhvr>
+                                        <p:cTn id="6" dur="1" fill="hold">
+                                          <p:stCondLst>
+                                            <p:cond delay="0"/>
+                                          </p:stCondLst>
+                                        </p:cTn>
+                                        <p:tgtEl>
+                                          <p:spTgt spid="6"/>
+                                        </p:tgtEl>
+                                        <p:attrNameLst>
+                                          <p:attrName>style.visibility</p:attrName>
+                                        </p:attrNameLst>
+                                      </p:cBhvr>
+                                      <p:to>
+                                        <p:strVal val="visible"/>
+                                      </p:to>
+                                    </p:set>
+                                    <p:anim calcmode="lin" valueType="num">
+                                      <p:cBhvr additive="base">
+                                        <p:cTn id="7" dur="500" fill="hold"/>
+                                        <p:tgtEl>
+                                          <p:spTgt spid="6"/>
+                                        </p:tgtEl>
+                                        <p:attrNameLst>
+                                          <p:attrName>ppt_x</p:attrName>
+                                        </p:attrNameLst>
+                                      </p:cBhvr>
+                                      <p:tavLst>
+                                        <p:tav tm="0">
+                                          <p:val>
+                                            <p:strVal val="#ppt_x"/>
+                                          </p:val>
+                                        </p:tav>
+                                        <p:tav tm="100000">
+                                          <p:val>
+                                            <p:strVal val="#ppt_x"/>
+                                          </p:val>
+                                        </p:tav>
+                                      </p:tavLst>
+                                    </p:anim>
+                                    <p:anim calcmode="lin" valueType="num">
+                                      <p:cBhvr additive="base">
+                                        <p:cTn id="8" dur="500" fill="hold"/>
+                                        <p:tgtEl>
+                                          <p:spTgt spid="6"/>
+                                        </p:tgtEl>
+                                        <p:attrNameLst>
+                                          <p:attrName>ppt_y</p:attrName>
+                                        </p:attrNameLst>
+                                      </p:cBhvr>
+                                      <p:tavLst>
+                                        <p:tav tm="0">
+                                          <p:val>
+                                            <p:strVal val="1+#ppt_h/2"/>
+                                          </p:val>
+                                        </p:tav>
+                                        <p:tav tm="100000">
+                                          <p:val>
+                                            <p:strVal val="#ppt_y"/>
+                                          </p:val>
+                                        </p:tav>
+                                      </p:tavLst>
+                                    </p:anim>
+                                  </p:childTnLst>
+                                </p:cTn>
+                              </p:par>
+                            </p:childTnLst>
+                          </p:cTn>
+                        </p:par>
+                      </p:childTnLst>
+                    </p:cTn>
+                  </p:par>
+                  <p:par>
+                    <p:cTn id="9" fill="hold">
+                      <p:stCondLst>
+                        <p:cond delay="indefinite"/>
+                      </p:stCondLst>
+                      <p:childTnLst>
+                        <p:par>
+                          <p:cTn id="10" fill="hold">
+                            <p:stCondLst>
+                              <p:cond delay="0"/>
+                            </p:stCondLst>
+                            <p:childTnLst>
+                              <p:par>
+                                <p:cTn id="11" presetID="21" presetClass="entr" presetSubtype="1" fill="hold" nodeType="clickEffect">
+                                  <p:stCondLst>
+                                    <p:cond delay="0"/>
+                                  </p:stCondLst>
+                                  <p:childTnLst>
+                                    <p:set>
+                                      <p:cBhvr>
+                                        <p:cTn id="12" dur="1" fill="hold">
+                                          <p:stCondLst>
+                                            <p:cond delay="0"/>
+                                          </p:stCondLst>
+                                        </p:cTn>
+                                        <p:tgtEl>
+                                          <p:spTgt spid="10"/>
+                                        </p:tgtEl>
+                                        <p:attrNameLst>
+                                          <p:attrName>style.visibility</p:attrName>
+                                        </p:attrNameLst>
+                                      </p:cBhvr>
+                                      <p:to>
+                                        <p:strVal val="visible"/>
+                                      </p:to>
+                                    </p:set>
+                                    <p:animEffect transition="in" filter="wheel(1)">
+                                      <p:cBhvr>
+                                        <p:cTn id="13" dur="2000"/>
+                                        <p:tgtEl>
+                                          <p:spTgt spid="10"/>
+                                        </p:tgtEl>
+                                      </p:cBhvr>
+                                    </p:animEffect>
+                                  </p:childTnLst>
+                                </p:cTn>
+                              </p:par>
+                            </p:childTnLst>
+                          </p:cTn>
+                        </p:par>
+                      </p:childTnLst>
+                    </p:cTn>
+                  </p:par>
+                </p:childTnLst>
+              </p:cTn>
+              <p:prevCondLst>
+                <p:cond evt="onPrev" delay="0">
+                  <p:tgtEl>
+                    <p:sldTgt/>
+                  </p:tgtEl>
+                </p:cond>
+              </p:prevCondLst>
+              <p:nextCondLst>
+                <p:cond evt="onNext" delay="0">
+                  <p:tgtEl>
+                    <p:sldTgt/>
+                  </p:tgtEl>
+                </p:cond>
+              </p:nextCondLst>
+            </p:seq>
+          </p:childTnLst>
+        </p:cTn>
+      </p:par>
+    </p:tnLst>
+  </p:timing>
 </p:sld>
 </file>
 
@@ -5372,6 +7448,183 @@
   <p:clrMapOvr>
     <a:masterClrMapping/>
   </p:clrMapOvr>
+  <p:transition spd="slow">
+    <p:cover/>
+  </p:transition>
+  <p:timing>
+    <p:tnLst>
+      <p:par>
+        <p:cTn id="1" dur="indefinite" restart="never" nodeType="tmRoot">
+          <p:childTnLst>
+            <p:seq concurrent="1" nextAc="seek">
+              <p:cTn id="2" dur="indefinite" nodeType="mainSeq">
+                <p:childTnLst>
+                  <p:par>
+                    <p:cTn id="3" fill="hold">
+                      <p:stCondLst>
+                        <p:cond delay="indefinite"/>
+                      </p:stCondLst>
+                      <p:childTnLst>
+                        <p:par>
+                          <p:cTn id="4" fill="hold">
+                            <p:stCondLst>
+                              <p:cond delay="0"/>
+                            </p:stCondLst>
+                            <p:childTnLst>
+                              <p:par>
+                                <p:cTn id="5" presetID="1" presetClass="entr" presetSubtype="0" fill="hold" nodeType="clickEffect">
+                                  <p:stCondLst>
+                                    <p:cond delay="0"/>
+                                  </p:stCondLst>
+                                  <p:childTnLst>
+                                    <p:set>
+                                      <p:cBhvr>
+                                        <p:cTn id="6" dur="1" fill="hold">
+                                          <p:stCondLst>
+                                            <p:cond delay="0"/>
+                                          </p:stCondLst>
+                                        </p:cTn>
+                                        <p:tgtEl>
+                                          <p:spTgt spid="5"/>
+                                        </p:tgtEl>
+                                        <p:attrNameLst>
+                                          <p:attrName>style.visibility</p:attrName>
+                                        </p:attrNameLst>
+                                      </p:cBhvr>
+                                      <p:to>
+                                        <p:strVal val="visible"/>
+                                      </p:to>
+                                    </p:set>
+                                  </p:childTnLst>
+                                </p:cTn>
+                              </p:par>
+                            </p:childTnLst>
+                          </p:cTn>
+                        </p:par>
+                      </p:childTnLst>
+                    </p:cTn>
+                  </p:par>
+                  <p:par>
+                    <p:cTn id="7" fill="hold">
+                      <p:stCondLst>
+                        <p:cond delay="indefinite"/>
+                      </p:stCondLst>
+                      <p:childTnLst>
+                        <p:par>
+                          <p:cTn id="8" fill="hold">
+                            <p:stCondLst>
+                              <p:cond delay="0"/>
+                            </p:stCondLst>
+                            <p:childTnLst>
+                              <p:par>
+                                <p:cTn id="9" presetID="42" presetClass="entr" presetSubtype="0" fill="hold" nodeType="clickEffect">
+                                  <p:stCondLst>
+                                    <p:cond delay="0"/>
+                                  </p:stCondLst>
+                                  <p:childTnLst>
+                                    <p:set>
+                                      <p:cBhvr>
+                                        <p:cTn id="10" dur="1" fill="hold">
+                                          <p:stCondLst>
+                                            <p:cond delay="0"/>
+                                          </p:stCondLst>
+                                        </p:cTn>
+                                        <p:tgtEl>
+                                          <p:spTgt spid="15"/>
+                                        </p:tgtEl>
+                                        <p:attrNameLst>
+                                          <p:attrName>style.visibility</p:attrName>
+                                        </p:attrNameLst>
+                                      </p:cBhvr>
+                                      <p:to>
+                                        <p:strVal val="visible"/>
+                                      </p:to>
+                                    </p:set>
+                                    <p:animEffect transition="in" filter="fade">
+                                      <p:cBhvr>
+                                        <p:cTn id="11" dur="1000"/>
+                                        <p:tgtEl>
+                                          <p:spTgt spid="15"/>
+                                        </p:tgtEl>
+                                      </p:cBhvr>
+                                    </p:animEffect>
+                                    <p:anim calcmode="lin" valueType="num">
+                                      <p:cBhvr>
+                                        <p:cTn id="12" dur="1000" fill="hold"/>
+                                        <p:tgtEl>
+                                          <p:spTgt spid="15"/>
+                                        </p:tgtEl>
+                                        <p:attrNameLst>
+                                          <p:attrName>ppt_x</p:attrName>
+                                        </p:attrNameLst>
+                                      </p:cBhvr>
+                                      <p:tavLst>
+                                        <p:tav tm="0">
+                                          <p:val>
+                                            <p:strVal val="#ppt_x"/>
+                                          </p:val>
+                                        </p:tav>
+                                        <p:tav tm="100000">
+                                          <p:val>
+                                            <p:strVal val="#ppt_x"/>
+                                          </p:val>
+                                        </p:tav>
+                                      </p:tavLst>
+                                    </p:anim>
+                                    <p:anim calcmode="lin" valueType="num">
+                                      <p:cBhvr>
+                                        <p:cTn id="13" dur="1000" fill="hold"/>
+                                        <p:tgtEl>
+                                          <p:spTgt spid="15"/>
+                                        </p:tgtEl>
+                                        <p:attrNameLst>
+                                          <p:attrName>ppt_y</p:attrName>
+                                        </p:attrNameLst>
+                                      </p:cBhvr>
+                                      <p:tavLst>
+                                        <p:tav tm="0">
+                                          <p:val>
+                                            <p:strVal val="#ppt_y+.1"/>
+                                          </p:val>
+                                        </p:tav>
+                                        <p:tav tm="100000">
+                                          <p:val>
+                                            <p:strVal val="#ppt_y"/>
+                                          </p:val>
+                                        </p:tav>
+                                      </p:tavLst>
+                                    </p:anim>
+                                  </p:childTnLst>
+                                </p:cTn>
+                              </p:par>
+                            </p:childTnLst>
+                          </p:cTn>
+                        </p:par>
+                      </p:childTnLst>
+                    </p:cTn>
+                  </p:par>
+                </p:childTnLst>
+              </p:cTn>
+              <p:prevCondLst>
+                <p:cond evt="onPrev" delay="0">
+                  <p:tgtEl>
+                    <p:sldTgt/>
+                  </p:tgtEl>
+                </p:cond>
+              </p:prevCondLst>
+              <p:nextCondLst>
+                <p:cond evt="onNext" delay="0">
+                  <p:tgtEl>
+                    <p:sldTgt/>
+                  </p:tgtEl>
+                </p:cond>
+              </p:nextCondLst>
+            </p:seq>
+          </p:childTnLst>
+        </p:cTn>
+      </p:par>
+    </p:tnLst>
+  </p:timing>
 </p:sld>
 </file>
 
@@ -5604,6 +7857,9 @@
   <p:clrMapOvr>
     <a:masterClrMapping/>
   </p:clrMapOvr>
+  <p:transition spd="slow">
+    <p:cover/>
+  </p:transition>
 </p:sld>
 </file>
 
@@ -5779,10 +8035,358 @@
   <p:clrMapOvr>
     <a:masterClrMapping/>
   </p:clrMapOvr>
+  <p:transition spd="slow">
+    <p:cover/>
+  </p:transition>
+  <p:timing>
+    <p:tnLst>
+      <p:par>
+        <p:cTn id="1" dur="indefinite" restart="never" nodeType="tmRoot">
+          <p:childTnLst>
+            <p:seq concurrent="1" nextAc="seek">
+              <p:cTn id="2" dur="indefinite" nodeType="mainSeq">
+                <p:childTnLst>
+                  <p:par>
+                    <p:cTn id="3" fill="hold">
+                      <p:stCondLst>
+                        <p:cond delay="indefinite"/>
+                      </p:stCondLst>
+                      <p:childTnLst>
+                        <p:par>
+                          <p:cTn id="4" fill="hold">
+                            <p:stCondLst>
+                              <p:cond delay="0"/>
+                            </p:stCondLst>
+                            <p:childTnLst>
+                              <p:par>
+                                <p:cTn id="5" presetID="31" presetClass="entr" presetSubtype="0" fill="hold" nodeType="clickEffect">
+                                  <p:stCondLst>
+                                    <p:cond delay="0"/>
+                                  </p:stCondLst>
+                                  <p:childTnLst>
+                                    <p:set>
+                                      <p:cBhvr>
+                                        <p:cTn id="6" dur="1" fill="hold">
+                                          <p:stCondLst>
+                                            <p:cond delay="0"/>
+                                          </p:stCondLst>
+                                        </p:cTn>
+                                        <p:tgtEl>
+                                          <p:spTgt spid="8"/>
+                                        </p:tgtEl>
+                                        <p:attrNameLst>
+                                          <p:attrName>style.visibility</p:attrName>
+                                        </p:attrNameLst>
+                                      </p:cBhvr>
+                                      <p:to>
+                                        <p:strVal val="visible"/>
+                                      </p:to>
+                                    </p:set>
+                                    <p:anim calcmode="lin" valueType="num">
+                                      <p:cBhvr>
+                                        <p:cTn id="7" dur="1000" fill="hold"/>
+                                        <p:tgtEl>
+                                          <p:spTgt spid="8"/>
+                                        </p:tgtEl>
+                                        <p:attrNameLst>
+                                          <p:attrName>ppt_w</p:attrName>
+                                        </p:attrNameLst>
+                                      </p:cBhvr>
+                                      <p:tavLst>
+                                        <p:tav tm="0">
+                                          <p:val>
+                                            <p:fltVal val="0"/>
+                                          </p:val>
+                                        </p:tav>
+                                        <p:tav tm="100000">
+                                          <p:val>
+                                            <p:strVal val="#ppt_w"/>
+                                          </p:val>
+                                        </p:tav>
+                                      </p:tavLst>
+                                    </p:anim>
+                                    <p:anim calcmode="lin" valueType="num">
+                                      <p:cBhvr>
+                                        <p:cTn id="8" dur="1000" fill="hold"/>
+                                        <p:tgtEl>
+                                          <p:spTgt spid="8"/>
+                                        </p:tgtEl>
+                                        <p:attrNameLst>
+                                          <p:attrName>ppt_h</p:attrName>
+                                        </p:attrNameLst>
+                                      </p:cBhvr>
+                                      <p:tavLst>
+                                        <p:tav tm="0">
+                                          <p:val>
+                                            <p:fltVal val="0"/>
+                                          </p:val>
+                                        </p:tav>
+                                        <p:tav tm="100000">
+                                          <p:val>
+                                            <p:strVal val="#ppt_h"/>
+                                          </p:val>
+                                        </p:tav>
+                                      </p:tavLst>
+                                    </p:anim>
+                                    <p:anim calcmode="lin" valueType="num">
+                                      <p:cBhvr>
+                                        <p:cTn id="9" dur="1000" fill="hold"/>
+                                        <p:tgtEl>
+                                          <p:spTgt spid="8"/>
+                                        </p:tgtEl>
+                                        <p:attrNameLst>
+                                          <p:attrName>style.rotation</p:attrName>
+                                        </p:attrNameLst>
+                                      </p:cBhvr>
+                                      <p:tavLst>
+                                        <p:tav tm="0">
+                                          <p:val>
+                                            <p:fltVal val="90"/>
+                                          </p:val>
+                                        </p:tav>
+                                        <p:tav tm="100000">
+                                          <p:val>
+                                            <p:fltVal val="0"/>
+                                          </p:val>
+                                        </p:tav>
+                                      </p:tavLst>
+                                    </p:anim>
+                                    <p:animEffect transition="in" filter="fade">
+                                      <p:cBhvr>
+                                        <p:cTn id="10" dur="1000"/>
+                                        <p:tgtEl>
+                                          <p:spTgt spid="8"/>
+                                        </p:tgtEl>
+                                      </p:cBhvr>
+                                    </p:animEffect>
+                                  </p:childTnLst>
+                                </p:cTn>
+                              </p:par>
+                            </p:childTnLst>
+                          </p:cTn>
+                        </p:par>
+                      </p:childTnLst>
+                    </p:cTn>
+                  </p:par>
+                </p:childTnLst>
+              </p:cTn>
+              <p:prevCondLst>
+                <p:cond evt="onPrev" delay="0">
+                  <p:tgtEl>
+                    <p:sldTgt/>
+                  </p:tgtEl>
+                </p:cond>
+              </p:prevCondLst>
+              <p:nextCondLst>
+                <p:cond evt="onNext" delay="0">
+                  <p:tgtEl>
+                    <p:sldTgt/>
+                  </p:tgtEl>
+                </p:cond>
+              </p:nextCondLst>
+            </p:seq>
+          </p:childTnLst>
+        </p:cTn>
+      </p:par>
+    </p:tnLst>
+  </p:timing>
 </p:sld>
 </file>
 
 <file path=ppt/slides/slide28.xml><?xml version="1.0" encoding="utf-8"?>
+<p:sld xmlns:a="http://schemas.openxmlformats.org/drawingml/2006/main" xmlns:r="http://schemas.openxmlformats.org/officeDocument/2006/relationships" xmlns:p="http://schemas.openxmlformats.org/presentationml/2006/main">
+  <p:cSld>
+    <p:spTree>
+      <p:nvGrpSpPr>
+        <p:cNvPr id="1" name=""/>
+        <p:cNvGrpSpPr/>
+        <p:nvPr/>
+      </p:nvGrpSpPr>
+      <p:grpSpPr>
+        <a:xfrm>
+          <a:off x="0" y="0"/>
+          <a:ext cx="0" cy="0"/>
+          <a:chOff x="0" y="0"/>
+          <a:chExt cx="0" cy="0"/>
+        </a:xfrm>
+      </p:grpSpPr>
+      <p:sp>
+        <p:nvSpPr>
+          <p:cNvPr id="2" name="כותרת 1">
+            <a:extLst>
+              <a:ext uri="{FF2B5EF4-FFF2-40B4-BE49-F238E27FC236}">
+                <a16:creationId xmlns:a16="http://schemas.microsoft.com/office/drawing/2014/main" id="{04CFF8C4-9641-4C0E-8AA3-83B355EC4EA7}"/>
+              </a:ext>
+            </a:extLst>
+          </p:cNvPr>
+          <p:cNvSpPr>
+            <a:spLocks noGrp="1"/>
+          </p:cNvSpPr>
+          <p:nvPr>
+            <p:ph type="title"/>
+          </p:nvPr>
+        </p:nvSpPr>
+        <p:spPr>
+          <a:xfrm>
+            <a:off x="2081954" y="9525"/>
+            <a:ext cx="10018713" cy="1752599"/>
+          </a:xfrm>
+        </p:spPr>
+        <p:txBody>
+          <a:bodyPr/>
+          <a:lstStyle/>
+          <a:p>
+            <a:r>
+              <a:rPr lang="en-US" dirty="0">
+                <a:latin typeface="Segoe UI" panose="020B0502040204020203" pitchFamily="34" charset="0"/>
+              </a:rPr>
+              <a:t>Ex0</a:t>
+            </a:r>
+            <a:endParaRPr lang="en-US" b="0" i="0" dirty="0">
+              <a:effectLst/>
+              <a:latin typeface="Segoe UI" panose="020B0502040204020203" pitchFamily="34" charset="0"/>
+            </a:endParaRPr>
+          </a:p>
+        </p:txBody>
+      </p:sp>
+      <p:sp>
+        <p:nvSpPr>
+          <p:cNvPr id="3" name="מציין מיקום תוכן 2">
+            <a:extLst>
+              <a:ext uri="{FF2B5EF4-FFF2-40B4-BE49-F238E27FC236}">
+                <a16:creationId xmlns:a16="http://schemas.microsoft.com/office/drawing/2014/main" id="{7BF63E3D-ABEB-4A96-90D7-8B972409A3F8}"/>
+              </a:ext>
+            </a:extLst>
+          </p:cNvPr>
+          <p:cNvSpPr>
+            <a:spLocks noGrp="1"/>
+          </p:cNvSpPr>
+          <p:nvPr>
+            <p:ph idx="1"/>
+          </p:nvPr>
+        </p:nvSpPr>
+        <p:spPr>
+          <a:xfrm>
+            <a:off x="2663720" y="9525"/>
+            <a:ext cx="9252056" cy="2905125"/>
+          </a:xfrm>
+        </p:spPr>
+        <p:txBody>
+          <a:bodyPr>
+            <a:normAutofit/>
+          </a:bodyPr>
+          <a:lstStyle/>
+          <a:p>
+            <a:pPr marL="0" indent="0" algn="l">
+              <a:buNone/>
+            </a:pPr>
+            <a:endParaRPr lang="en-US" sz="1400" dirty="0">
+              <a:solidFill>
+                <a:schemeClr val="tx1"/>
+              </a:solidFill>
+            </a:endParaRPr>
+          </a:p>
+          <a:p>
+            <a:pPr marL="0" indent="0" algn="l">
+              <a:buNone/>
+            </a:pPr>
+            <a:r>
+              <a:rPr lang="en-US" sz="1400" dirty="0">
+                <a:solidFill>
+                  <a:schemeClr val="tx1"/>
+                </a:solidFill>
+              </a:rPr>
+              <a:t>Go Here : </a:t>
+            </a:r>
+          </a:p>
+          <a:p>
+            <a:pPr marL="0" indent="0" algn="l">
+              <a:buNone/>
+            </a:pPr>
+            <a:r>
+              <a:rPr lang="en-US" sz="1400" dirty="0">
+                <a:solidFill>
+                  <a:schemeClr val="tx1"/>
+                </a:solidFill>
+                <a:hlinkClick r:id="rId2"/>
+              </a:rPr>
+              <a:t>https://github.com/simon-pikalov/Ariel_OOP_2020/</a:t>
+            </a:r>
+            <a:endParaRPr lang="en-US" sz="1400" dirty="0">
+              <a:solidFill>
+                <a:schemeClr val="tx1"/>
+              </a:solidFill>
+            </a:endParaRPr>
+          </a:p>
+          <a:p>
+            <a:pPr marL="0" indent="0" algn="l">
+              <a:buNone/>
+            </a:pPr>
+            <a:endParaRPr lang="en-US" sz="1400" dirty="0">
+              <a:solidFill>
+                <a:schemeClr val="tx1"/>
+              </a:solidFill>
+            </a:endParaRPr>
+          </a:p>
+          <a:p>
+            <a:pPr marL="0" indent="0" algn="l">
+              <a:buNone/>
+            </a:pPr>
+            <a:endParaRPr lang="en-US" sz="1400" dirty="0">
+              <a:solidFill>
+                <a:schemeClr val="tx1"/>
+              </a:solidFill>
+            </a:endParaRPr>
+          </a:p>
+        </p:txBody>
+      </p:sp>
+      <p:pic>
+        <p:nvPicPr>
+          <p:cNvPr id="4" name="Picture 3">
+            <a:extLst>
+              <a:ext uri="{FF2B5EF4-FFF2-40B4-BE49-F238E27FC236}">
+                <a16:creationId xmlns:a16="http://schemas.microsoft.com/office/drawing/2014/main" id="{68B12D5B-9AAF-4835-A9A9-0ADA24A35E6F}"/>
+              </a:ext>
+            </a:extLst>
+          </p:cNvPr>
+          <p:cNvPicPr>
+            <a:picLocks noChangeAspect="1"/>
+          </p:cNvPicPr>
+          <p:nvPr/>
+        </p:nvPicPr>
+        <p:blipFill>
+          <a:blip r:embed="rId3"/>
+          <a:stretch>
+            <a:fillRect/>
+          </a:stretch>
+        </p:blipFill>
+        <p:spPr>
+          <a:xfrm>
+            <a:off x="2773680" y="1658112"/>
+            <a:ext cx="8336876" cy="3730752"/>
+          </a:xfrm>
+          <a:prstGeom prst="rect">
+            <a:avLst/>
+          </a:prstGeom>
+        </p:spPr>
+      </p:pic>
+    </p:spTree>
+    <p:extLst>
+      <p:ext uri="{BB962C8B-B14F-4D97-AF65-F5344CB8AC3E}">
+        <p14:creationId xmlns:p14="http://schemas.microsoft.com/office/powerpoint/2010/main" val="1260884507"/>
+      </p:ext>
+    </p:extLst>
+  </p:cSld>
+  <p:clrMapOvr>
+    <a:masterClrMapping/>
+  </p:clrMapOvr>
+  <p:transition spd="slow">
+    <p:cover/>
+  </p:transition>
+</p:sld>
+</file>
+
+<file path=ppt/slides/slide29.xml><?xml version="1.0" encoding="utf-8"?>
 <p:sld xmlns:a="http://schemas.openxmlformats.org/drawingml/2006/main" xmlns:r="http://schemas.openxmlformats.org/officeDocument/2006/relationships" xmlns:p="http://schemas.openxmlformats.org/presentationml/2006/main">
   <p:cSld>
     <p:spTree>
@@ -5906,106 +8510,9 @@
   <p:clrMapOvr>
     <a:masterClrMapping/>
   </p:clrMapOvr>
-</p:sld>
-</file>
-
-<file path=ppt/slides/slide29.xml><?xml version="1.0" encoding="utf-8"?>
-<p:sld xmlns:a="http://schemas.openxmlformats.org/drawingml/2006/main" xmlns:r="http://schemas.openxmlformats.org/officeDocument/2006/relationships" xmlns:p="http://schemas.openxmlformats.org/presentationml/2006/main">
-  <p:cSld>
-    <p:spTree>
-      <p:nvGrpSpPr>
-        <p:cNvPr id="1" name=""/>
-        <p:cNvGrpSpPr/>
-        <p:nvPr/>
-      </p:nvGrpSpPr>
-      <p:grpSpPr>
-        <a:xfrm>
-          <a:off x="0" y="0"/>
-          <a:ext cx="0" cy="0"/>
-          <a:chOff x="0" y="0"/>
-          <a:chExt cx="0" cy="0"/>
-        </a:xfrm>
-      </p:grpSpPr>
-      <p:sp>
-        <p:nvSpPr>
-          <p:cNvPr id="2" name="כותרת 1">
-            <a:extLst>
-              <a:ext uri="{FF2B5EF4-FFF2-40B4-BE49-F238E27FC236}">
-                <a16:creationId xmlns:a16="http://schemas.microsoft.com/office/drawing/2014/main" id="{2ACBCC89-86A8-4171-BF4B-C97204D4E207}"/>
-              </a:ext>
-            </a:extLst>
-          </p:cNvPr>
-          <p:cNvSpPr>
-            <a:spLocks noGrp="1"/>
-          </p:cNvSpPr>
-          <p:nvPr>
-            <p:ph type="title"/>
-          </p:nvPr>
-        </p:nvSpPr>
-        <p:spPr/>
-        <p:txBody>
-          <a:bodyPr/>
-          <a:lstStyle/>
-          <a:p>
-            <a:r>
-              <a:rPr lang="he-IL" dirty="0"/>
-              <a:t>מקורות</a:t>
-            </a:r>
-          </a:p>
-        </p:txBody>
-      </p:sp>
-      <p:sp>
-        <p:nvSpPr>
-          <p:cNvPr id="3" name="מציין מיקום תוכן 2">
-            <a:extLst>
-              <a:ext uri="{FF2B5EF4-FFF2-40B4-BE49-F238E27FC236}">
-                <a16:creationId xmlns:a16="http://schemas.microsoft.com/office/drawing/2014/main" id="{F04BEDE0-A3B3-4A64-8D04-60FC4A236331}"/>
-              </a:ext>
-            </a:extLst>
-          </p:cNvPr>
-          <p:cNvSpPr>
-            <a:spLocks noGrp="1"/>
-          </p:cNvSpPr>
-          <p:nvPr>
-            <p:ph idx="1"/>
-          </p:nvPr>
-        </p:nvSpPr>
-        <p:spPr>
-          <a:xfrm>
-            <a:off x="1981993" y="1453241"/>
-            <a:ext cx="10018713" cy="3124201"/>
-          </a:xfrm>
-        </p:spPr>
-        <p:txBody>
-          <a:bodyPr/>
-          <a:lstStyle/>
-          <a:p>
-            <a:r>
-              <a:rPr lang="en-US" dirty="0">
-                <a:hlinkClick r:id="rId2"/>
-              </a:rPr>
-              <a:t>https://www.w3schools.com/java/</a:t>
-            </a:r>
-            <a:endParaRPr lang="en-US" dirty="0"/>
-          </a:p>
-          <a:p>
-            <a:r>
-              <a:rPr lang="he-IL" dirty="0"/>
-              <a:t>ויקיפדיה</a:t>
-            </a:r>
-          </a:p>
-        </p:txBody>
-      </p:sp>
-    </p:spTree>
-    <p:extLst>
-      <p:ext uri="{BB962C8B-B14F-4D97-AF65-F5344CB8AC3E}">
-        <p14:creationId xmlns:p14="http://schemas.microsoft.com/office/powerpoint/2010/main" val="1728715580"/>
-      </p:ext>
-    </p:extLst>
-  </p:cSld>
-  <p:clrMapOvr>
-    <a:masterClrMapping/>
-  </p:clrMapOvr>
+  <p:transition spd="slow">
+    <p:cover/>
+  </p:transition>
 </p:sld>
 </file>
 
@@ -6098,7 +8605,7 @@
         </p:spPr>
         <p:txBody>
           <a:bodyPr>
-            <a:normAutofit fontScale="92500" lnSpcReduction="10000"/>
+            <a:normAutofit fontScale="92500" lnSpcReduction="20000"/>
           </a:bodyPr>
           <a:lstStyle/>
           <a:p>
@@ -6221,6 +8728,19 @@
                 </a:solidFill>
               </a:rPr>
               <a:t>     להבין את התאוריה של מה שאתם עושים.</a:t>
+            </a:r>
+          </a:p>
+          <a:p>
+            <a:pPr marL="0" indent="0">
+              <a:buNone/>
+            </a:pPr>
+            <a:r>
+              <a:rPr lang="he-IL" sz="1500" dirty="0">
+                <a:solidFill>
+                  <a:schemeClr val="tx1"/>
+                </a:solidFill>
+              </a:rPr>
+              <a:t>     ללמוד לחפש מידע.</a:t>
             </a:r>
           </a:p>
           <a:p>
@@ -6292,10 +8812,550 @@
   <p:clrMapOvr>
     <a:masterClrMapping/>
   </p:clrMapOvr>
+  <p:transition spd="slow">
+    <p:cover/>
+  </p:transition>
+</p:sld>
+</file>
+
+<file path=ppt/slides/slide30.xml><?xml version="1.0" encoding="utf-8"?>
+<p:sld xmlns:a="http://schemas.openxmlformats.org/drawingml/2006/main" xmlns:r="http://schemas.openxmlformats.org/officeDocument/2006/relationships" xmlns:p="http://schemas.openxmlformats.org/presentationml/2006/main">
+  <p:cSld>
+    <p:spTree>
+      <p:nvGrpSpPr>
+        <p:cNvPr id="1" name=""/>
+        <p:cNvGrpSpPr/>
+        <p:nvPr/>
+      </p:nvGrpSpPr>
+      <p:grpSpPr>
+        <a:xfrm>
+          <a:off x="0" y="0"/>
+          <a:ext cx="0" cy="0"/>
+          <a:chOff x="0" y="0"/>
+          <a:chExt cx="0" cy="0"/>
+        </a:xfrm>
+      </p:grpSpPr>
+      <p:sp>
+        <p:nvSpPr>
+          <p:cNvPr id="2" name="כותרת 1">
+            <a:extLst>
+              <a:ext uri="{FF2B5EF4-FFF2-40B4-BE49-F238E27FC236}">
+                <a16:creationId xmlns:a16="http://schemas.microsoft.com/office/drawing/2014/main" id="{2ACBCC89-86A8-4171-BF4B-C97204D4E207}"/>
+              </a:ext>
+            </a:extLst>
+          </p:cNvPr>
+          <p:cNvSpPr>
+            <a:spLocks noGrp="1"/>
+          </p:cNvSpPr>
+          <p:nvPr>
+            <p:ph type="title"/>
+          </p:nvPr>
+        </p:nvSpPr>
+        <p:spPr/>
+        <p:txBody>
+          <a:bodyPr/>
+          <a:lstStyle/>
+          <a:p>
+            <a:r>
+              <a:rPr lang="he-IL" dirty="0"/>
+              <a:t>מקורות</a:t>
+            </a:r>
+          </a:p>
+        </p:txBody>
+      </p:sp>
+      <p:sp>
+        <p:nvSpPr>
+          <p:cNvPr id="3" name="מציין מיקום תוכן 2">
+            <a:extLst>
+              <a:ext uri="{FF2B5EF4-FFF2-40B4-BE49-F238E27FC236}">
+                <a16:creationId xmlns:a16="http://schemas.microsoft.com/office/drawing/2014/main" id="{F04BEDE0-A3B3-4A64-8D04-60FC4A236331}"/>
+              </a:ext>
+            </a:extLst>
+          </p:cNvPr>
+          <p:cNvSpPr>
+            <a:spLocks noGrp="1"/>
+          </p:cNvSpPr>
+          <p:nvPr>
+            <p:ph idx="1"/>
+          </p:nvPr>
+        </p:nvSpPr>
+        <p:spPr>
+          <a:xfrm>
+            <a:off x="1981993" y="1453241"/>
+            <a:ext cx="10018713" cy="3124201"/>
+          </a:xfrm>
+        </p:spPr>
+        <p:txBody>
+          <a:bodyPr/>
+          <a:lstStyle/>
+          <a:p>
+            <a:r>
+              <a:rPr lang="en-US" dirty="0">
+                <a:hlinkClick r:id="rId2"/>
+              </a:rPr>
+              <a:t>https://www.w3schools.com/java/</a:t>
+            </a:r>
+            <a:endParaRPr lang="en-US" dirty="0"/>
+          </a:p>
+          <a:p>
+            <a:r>
+              <a:rPr lang="he-IL" dirty="0"/>
+              <a:t>ויקיפדיה</a:t>
+            </a:r>
+          </a:p>
+        </p:txBody>
+      </p:sp>
+    </p:spTree>
+    <p:extLst>
+      <p:ext uri="{BB962C8B-B14F-4D97-AF65-F5344CB8AC3E}">
+        <p14:creationId xmlns:p14="http://schemas.microsoft.com/office/powerpoint/2010/main" val="1728715580"/>
+      </p:ext>
+    </p:extLst>
+  </p:cSld>
+  <p:clrMapOvr>
+    <a:masterClrMapping/>
+  </p:clrMapOvr>
+  <p:transition spd="slow">
+    <p:cover/>
+  </p:transition>
 </p:sld>
 </file>
 
 <file path=ppt/slides/slide4.xml><?xml version="1.0" encoding="utf-8"?>
+<p:sld xmlns:a="http://schemas.openxmlformats.org/drawingml/2006/main" xmlns:r="http://schemas.openxmlformats.org/officeDocument/2006/relationships" xmlns:p="http://schemas.openxmlformats.org/presentationml/2006/main">
+  <p:cSld>
+    <p:spTree>
+      <p:nvGrpSpPr>
+        <p:cNvPr id="1" name=""/>
+        <p:cNvGrpSpPr/>
+        <p:nvPr/>
+      </p:nvGrpSpPr>
+      <p:grpSpPr>
+        <a:xfrm>
+          <a:off x="0" y="0"/>
+          <a:ext cx="0" cy="0"/>
+          <a:chOff x="0" y="0"/>
+          <a:chExt cx="0" cy="0"/>
+        </a:xfrm>
+      </p:grpSpPr>
+      <p:sp>
+        <p:nvSpPr>
+          <p:cNvPr id="2" name="Title 1">
+            <a:extLst>
+              <a:ext uri="{FF2B5EF4-FFF2-40B4-BE49-F238E27FC236}">
+                <a16:creationId xmlns:a16="http://schemas.microsoft.com/office/drawing/2014/main" id="{BBDBB54E-C161-4A33-9EA9-4A58A547DE7F}"/>
+              </a:ext>
+            </a:extLst>
+          </p:cNvPr>
+          <p:cNvSpPr>
+            <a:spLocks noGrp="1"/>
+          </p:cNvSpPr>
+          <p:nvPr>
+            <p:ph type="title"/>
+          </p:nvPr>
+        </p:nvSpPr>
+        <p:spPr>
+          <a:xfrm>
+            <a:off x="3632983" y="1225296"/>
+            <a:ext cx="10018713" cy="1752599"/>
+          </a:xfrm>
+        </p:spPr>
+        <p:txBody>
+          <a:bodyPr/>
+          <a:lstStyle/>
+          <a:p>
+            <a:endParaRPr lang="en-US" dirty="0"/>
+          </a:p>
+        </p:txBody>
+      </p:sp>
+      <p:sp>
+        <p:nvSpPr>
+          <p:cNvPr id="3" name="Content Placeholder 2">
+            <a:extLst>
+              <a:ext uri="{FF2B5EF4-FFF2-40B4-BE49-F238E27FC236}">
+                <a16:creationId xmlns:a16="http://schemas.microsoft.com/office/drawing/2014/main" id="{00D42F33-206D-4ED3-9968-B60AD4B236E4}"/>
+              </a:ext>
+            </a:extLst>
+          </p:cNvPr>
+          <p:cNvSpPr>
+            <a:spLocks noGrp="1"/>
+          </p:cNvSpPr>
+          <p:nvPr>
+            <p:ph idx="1"/>
+          </p:nvPr>
+        </p:nvSpPr>
+        <p:spPr/>
+        <p:txBody>
+          <a:bodyPr/>
+          <a:lstStyle/>
+          <a:p>
+            <a:endParaRPr lang="en-US" dirty="0"/>
+          </a:p>
+        </p:txBody>
+      </p:sp>
+      <p:pic>
+        <p:nvPicPr>
+          <p:cNvPr id="1030" name="Picture 6">
+            <a:extLst>
+              <a:ext uri="{FF2B5EF4-FFF2-40B4-BE49-F238E27FC236}">
+                <a16:creationId xmlns:a16="http://schemas.microsoft.com/office/drawing/2014/main" id="{F1D143A0-1EB4-4731-B55A-175752B13C6F}"/>
+              </a:ext>
+            </a:extLst>
+          </p:cNvPr>
+          <p:cNvPicPr>
+            <a:picLocks noChangeAspect="1" noChangeArrowheads="1"/>
+          </p:cNvPicPr>
+          <p:nvPr/>
+        </p:nvPicPr>
+        <p:blipFill>
+          <a:blip r:embed="rId2">
+            <a:extLst>
+              <a:ext uri="{28A0092B-C50C-407E-A947-70E740481C1C}">
+                <a14:useLocalDpi xmlns:a14="http://schemas.microsoft.com/office/drawing/2010/main" val="0"/>
+              </a:ext>
+            </a:extLst>
+          </a:blip>
+          <a:srcRect/>
+          <a:stretch>
+            <a:fillRect/>
+          </a:stretch>
+        </p:blipFill>
+        <p:spPr bwMode="auto">
+          <a:xfrm>
+            <a:off x="10270299" y="-93945"/>
+            <a:ext cx="1717110" cy="1717110"/>
+          </a:xfrm>
+          <a:prstGeom prst="rect">
+            <a:avLst/>
+          </a:prstGeom>
+          <a:noFill/>
+          <a:extLst>
+            <a:ext uri="{909E8E84-426E-40DD-AFC4-6F175D3DCCD1}">
+              <a14:hiddenFill xmlns:a14="http://schemas.microsoft.com/office/drawing/2010/main">
+                <a:solidFill>
+                  <a:srgbClr val="FFFFFF"/>
+                </a:solidFill>
+              </a14:hiddenFill>
+            </a:ext>
+          </a:extLst>
+        </p:spPr>
+      </p:pic>
+      <p:pic>
+        <p:nvPicPr>
+          <p:cNvPr id="1026" name="Picture 2" descr="intellij love meme">
+            <a:extLst>
+              <a:ext uri="{FF2B5EF4-FFF2-40B4-BE49-F238E27FC236}">
+                <a16:creationId xmlns:a16="http://schemas.microsoft.com/office/drawing/2014/main" id="{7223FE5B-39A3-443D-86B0-BA895B74A8B9}"/>
+              </a:ext>
+            </a:extLst>
+          </p:cNvPr>
+          <p:cNvPicPr>
+            <a:picLocks noChangeAspect="1" noChangeArrowheads="1"/>
+          </p:cNvPicPr>
+          <p:nvPr/>
+        </p:nvPicPr>
+        <p:blipFill>
+          <a:blip r:embed="rId3">
+            <a:extLst>
+              <a:ext uri="{28A0092B-C50C-407E-A947-70E740481C1C}">
+                <a14:useLocalDpi xmlns:a14="http://schemas.microsoft.com/office/drawing/2010/main" val="0"/>
+              </a:ext>
+            </a:extLst>
+          </a:blip>
+          <a:srcRect/>
+          <a:stretch>
+            <a:fillRect/>
+          </a:stretch>
+        </p:blipFill>
+        <p:spPr bwMode="auto">
+          <a:xfrm>
+            <a:off x="3239171" y="529302"/>
+            <a:ext cx="7508723" cy="5005815"/>
+          </a:xfrm>
+          <a:prstGeom prst="rect">
+            <a:avLst/>
+          </a:prstGeom>
+          <a:noFill/>
+          <a:extLst>
+            <a:ext uri="{909E8E84-426E-40DD-AFC4-6F175D3DCCD1}">
+              <a14:hiddenFill xmlns:a14="http://schemas.microsoft.com/office/drawing/2010/main">
+                <a:solidFill>
+                  <a:srgbClr val="FFFFFF"/>
+                </a:solidFill>
+              </a14:hiddenFill>
+            </a:ext>
+          </a:extLst>
+        </p:spPr>
+      </p:pic>
+      <p:pic>
+        <p:nvPicPr>
+          <p:cNvPr id="1032" name="Picture 8">
+            <a:extLst>
+              <a:ext uri="{FF2B5EF4-FFF2-40B4-BE49-F238E27FC236}">
+                <a16:creationId xmlns:a16="http://schemas.microsoft.com/office/drawing/2014/main" id="{F1C59103-EED4-4FEE-85F9-0C1639D64F24}"/>
+              </a:ext>
+            </a:extLst>
+          </p:cNvPr>
+          <p:cNvPicPr>
+            <a:picLocks noChangeAspect="1" noChangeArrowheads="1"/>
+          </p:cNvPicPr>
+          <p:nvPr/>
+        </p:nvPicPr>
+        <p:blipFill>
+          <a:blip r:embed="rId4">
+            <a:extLst>
+              <a:ext uri="{28A0092B-C50C-407E-A947-70E740481C1C}">
+                <a14:useLocalDpi xmlns:a14="http://schemas.microsoft.com/office/drawing/2010/main" val="0"/>
+              </a:ext>
+            </a:extLst>
+          </a:blip>
+          <a:srcRect/>
+          <a:stretch>
+            <a:fillRect/>
+          </a:stretch>
+        </p:blipFill>
+        <p:spPr bwMode="auto">
+          <a:xfrm>
+            <a:off x="3483891" y="529302"/>
+            <a:ext cx="6786408" cy="6039820"/>
+          </a:xfrm>
+          <a:prstGeom prst="rect">
+            <a:avLst/>
+          </a:prstGeom>
+          <a:noFill/>
+          <a:extLst>
+            <a:ext uri="{909E8E84-426E-40DD-AFC4-6F175D3DCCD1}">
+              <a14:hiddenFill xmlns:a14="http://schemas.microsoft.com/office/drawing/2010/main">
+                <a:solidFill>
+                  <a:srgbClr val="FFFFFF"/>
+                </a:solidFill>
+              </a14:hiddenFill>
+            </a:ext>
+          </a:extLst>
+        </p:spPr>
+      </p:pic>
+    </p:spTree>
+    <p:extLst>
+      <p:ext uri="{BB962C8B-B14F-4D97-AF65-F5344CB8AC3E}">
+        <p14:creationId xmlns:p14="http://schemas.microsoft.com/office/powerpoint/2010/main" val="645972090"/>
+      </p:ext>
+    </p:extLst>
+  </p:cSld>
+  <p:clrMapOvr>
+    <a:masterClrMapping/>
+  </p:clrMapOvr>
+  <p:transition spd="slow">
+    <p:cover/>
+  </p:transition>
+  <p:timing>
+    <p:tnLst>
+      <p:par>
+        <p:cTn id="1" dur="indefinite" restart="never" nodeType="tmRoot">
+          <p:childTnLst>
+            <p:seq concurrent="1" nextAc="seek">
+              <p:cTn id="2" dur="indefinite" nodeType="mainSeq">
+                <p:childTnLst>
+                  <p:par>
+                    <p:cTn id="3" fill="hold">
+                      <p:stCondLst>
+                        <p:cond delay="indefinite"/>
+                      </p:stCondLst>
+                      <p:childTnLst>
+                        <p:par>
+                          <p:cTn id="4" fill="hold">
+                            <p:stCondLst>
+                              <p:cond delay="0"/>
+                            </p:stCondLst>
+                            <p:childTnLst>
+                              <p:par>
+                                <p:cTn id="5" presetID="6" presetClass="entr" presetSubtype="16" fill="hold" nodeType="clickEffect">
+                                  <p:stCondLst>
+                                    <p:cond delay="0"/>
+                                  </p:stCondLst>
+                                  <p:childTnLst>
+                                    <p:set>
+                                      <p:cBhvr>
+                                        <p:cTn id="6" dur="1" fill="hold">
+                                          <p:stCondLst>
+                                            <p:cond delay="0"/>
+                                          </p:stCondLst>
+                                        </p:cTn>
+                                        <p:tgtEl>
+                                          <p:spTgt spid="1032"/>
+                                        </p:tgtEl>
+                                        <p:attrNameLst>
+                                          <p:attrName>style.visibility</p:attrName>
+                                        </p:attrNameLst>
+                                      </p:cBhvr>
+                                      <p:to>
+                                        <p:strVal val="visible"/>
+                                      </p:to>
+                                    </p:set>
+                                    <p:animEffect transition="in" filter="circle(in)">
+                                      <p:cBhvr>
+                                        <p:cTn id="7" dur="2000"/>
+                                        <p:tgtEl>
+                                          <p:spTgt spid="1032"/>
+                                        </p:tgtEl>
+                                      </p:cBhvr>
+                                    </p:animEffect>
+                                  </p:childTnLst>
+                                </p:cTn>
+                              </p:par>
+                            </p:childTnLst>
+                          </p:cTn>
+                        </p:par>
+                      </p:childTnLst>
+                    </p:cTn>
+                  </p:par>
+                </p:childTnLst>
+              </p:cTn>
+              <p:prevCondLst>
+                <p:cond evt="onPrev" delay="0">
+                  <p:tgtEl>
+                    <p:sldTgt/>
+                  </p:tgtEl>
+                </p:cond>
+              </p:prevCondLst>
+              <p:nextCondLst>
+                <p:cond evt="onNext" delay="0">
+                  <p:tgtEl>
+                    <p:sldTgt/>
+                  </p:tgtEl>
+                </p:cond>
+              </p:nextCondLst>
+            </p:seq>
+          </p:childTnLst>
+        </p:cTn>
+      </p:par>
+    </p:tnLst>
+  </p:timing>
+</p:sld>
+</file>
+
+<file path=ppt/slides/slide5.xml><?xml version="1.0" encoding="utf-8"?>
+<p:sld xmlns:a="http://schemas.openxmlformats.org/drawingml/2006/main" xmlns:r="http://schemas.openxmlformats.org/officeDocument/2006/relationships" xmlns:p="http://schemas.openxmlformats.org/presentationml/2006/main">
+  <p:cSld>
+    <p:spTree>
+      <p:nvGrpSpPr>
+        <p:cNvPr id="1" name=""/>
+        <p:cNvGrpSpPr/>
+        <p:nvPr/>
+      </p:nvGrpSpPr>
+      <p:grpSpPr>
+        <a:xfrm>
+          <a:off x="0" y="0"/>
+          <a:ext cx="0" cy="0"/>
+          <a:chOff x="0" y="0"/>
+          <a:chExt cx="0" cy="0"/>
+        </a:xfrm>
+      </p:grpSpPr>
+      <p:sp>
+        <p:nvSpPr>
+          <p:cNvPr id="2" name="Title 1">
+            <a:extLst>
+              <a:ext uri="{FF2B5EF4-FFF2-40B4-BE49-F238E27FC236}">
+                <a16:creationId xmlns:a16="http://schemas.microsoft.com/office/drawing/2014/main" id="{9C9464DA-9B43-4F2E-9F24-D95AE4D3FB0B}"/>
+              </a:ext>
+            </a:extLst>
+          </p:cNvPr>
+          <p:cNvSpPr>
+            <a:spLocks noGrp="1"/>
+          </p:cNvSpPr>
+          <p:nvPr>
+            <p:ph type="title"/>
+          </p:nvPr>
+        </p:nvSpPr>
+        <p:spPr/>
+        <p:txBody>
+          <a:bodyPr/>
+          <a:lstStyle/>
+          <a:p>
+            <a:r>
+              <a:rPr lang="en-US" dirty="0"/>
+              <a:t>Google is your best friend from now ! </a:t>
+            </a:r>
+          </a:p>
+        </p:txBody>
+      </p:sp>
+      <p:sp>
+        <p:nvSpPr>
+          <p:cNvPr id="3" name="Content Placeholder 2">
+            <a:extLst>
+              <a:ext uri="{FF2B5EF4-FFF2-40B4-BE49-F238E27FC236}">
+                <a16:creationId xmlns:a16="http://schemas.microsoft.com/office/drawing/2014/main" id="{5D131E76-8018-4A65-BB7B-4CC96EC84022}"/>
+              </a:ext>
+            </a:extLst>
+          </p:cNvPr>
+          <p:cNvSpPr>
+            <a:spLocks noGrp="1"/>
+          </p:cNvSpPr>
+          <p:nvPr>
+            <p:ph idx="1"/>
+          </p:nvPr>
+        </p:nvSpPr>
+        <p:spPr>
+          <a:xfrm>
+            <a:off x="3014535" y="1634597"/>
+            <a:ext cx="10018713" cy="3124201"/>
+          </a:xfrm>
+        </p:spPr>
+        <p:txBody>
+          <a:bodyPr/>
+          <a:lstStyle/>
+          <a:p>
+            <a:pPr marL="0" indent="0" algn="l">
+              <a:buNone/>
+            </a:pPr>
+            <a:r>
+              <a:rPr lang="en-US" dirty="0"/>
+              <a:t>How to </a:t>
+            </a:r>
+            <a:r>
+              <a:rPr lang="en-US" dirty="0" err="1"/>
+              <a:t>syso</a:t>
+            </a:r>
+            <a:r>
+              <a:rPr lang="en-US" dirty="0"/>
+              <a:t> in </a:t>
+            </a:r>
+            <a:r>
+              <a:rPr lang="en-US" dirty="0" err="1"/>
+              <a:t>intellij</a:t>
+            </a:r>
+            <a:r>
+              <a:rPr lang="en-US" dirty="0"/>
+              <a:t> ????</a:t>
+            </a:r>
+          </a:p>
+          <a:p>
+            <a:pPr marL="0" indent="0" algn="l">
+              <a:buNone/>
+            </a:pPr>
+            <a:r>
+              <a:rPr lang="en-US">
+                <a:hlinkClick r:id="rId2"/>
+              </a:rPr>
+              <a:t>Answer</a:t>
+            </a:r>
+            <a:endParaRPr lang="en-US" dirty="0"/>
+          </a:p>
+        </p:txBody>
+      </p:sp>
+    </p:spTree>
+    <p:extLst>
+      <p:ext uri="{BB962C8B-B14F-4D97-AF65-F5344CB8AC3E}">
+        <p14:creationId xmlns:p14="http://schemas.microsoft.com/office/powerpoint/2010/main" val="1319006282"/>
+      </p:ext>
+    </p:extLst>
+  </p:cSld>
+  <p:clrMapOvr>
+    <a:masterClrMapping/>
+  </p:clrMapOvr>
+</p:sld>
+</file>
+
+<file path=ppt/slides/slide6.xml><?xml version="1.0" encoding="utf-8"?>
 <p:sld xmlns:a="http://schemas.openxmlformats.org/drawingml/2006/main" xmlns:r="http://schemas.openxmlformats.org/officeDocument/2006/relationships" xmlns:p="http://schemas.openxmlformats.org/presentationml/2006/main">
   <p:cSld>
     <p:spTree>
@@ -6658,10 +9718,384 @@
   <p:clrMapOvr>
     <a:masterClrMapping/>
   </p:clrMapOvr>
+  <p:transition spd="slow">
+    <p:cover/>
+  </p:transition>
+  <p:timing>
+    <p:tnLst>
+      <p:par>
+        <p:cTn id="1" dur="indefinite" restart="never" nodeType="tmRoot">
+          <p:childTnLst>
+            <p:seq concurrent="1" nextAc="seek">
+              <p:cTn id="2" dur="indefinite" nodeType="mainSeq">
+                <p:childTnLst>
+                  <p:par>
+                    <p:cTn id="3" fill="hold">
+                      <p:stCondLst>
+                        <p:cond delay="indefinite"/>
+                      </p:stCondLst>
+                      <p:childTnLst>
+                        <p:par>
+                          <p:cTn id="4" fill="hold">
+                            <p:stCondLst>
+                              <p:cond delay="0"/>
+                            </p:stCondLst>
+                            <p:childTnLst>
+                              <p:par>
+                                <p:cTn id="5" presetID="1" presetClass="entr" presetSubtype="0" fill="hold" nodeType="clickEffect">
+                                  <p:stCondLst>
+                                    <p:cond delay="0"/>
+                                  </p:stCondLst>
+                                  <p:childTnLst>
+                                    <p:set>
+                                      <p:cBhvr>
+                                        <p:cTn id="6" dur="1" fill="hold">
+                                          <p:stCondLst>
+                                            <p:cond delay="0"/>
+                                          </p:stCondLst>
+                                        </p:cTn>
+                                        <p:tgtEl>
+                                          <p:spTgt spid="9"/>
+                                        </p:tgtEl>
+                                        <p:attrNameLst>
+                                          <p:attrName>style.visibility</p:attrName>
+                                        </p:attrNameLst>
+                                      </p:cBhvr>
+                                      <p:to>
+                                        <p:strVal val="visible"/>
+                                      </p:to>
+                                    </p:set>
+                                  </p:childTnLst>
+                                </p:cTn>
+                              </p:par>
+                            </p:childTnLst>
+                          </p:cTn>
+                        </p:par>
+                      </p:childTnLst>
+                    </p:cTn>
+                  </p:par>
+                  <p:par>
+                    <p:cTn id="7" fill="hold">
+                      <p:stCondLst>
+                        <p:cond delay="indefinite"/>
+                      </p:stCondLst>
+                      <p:childTnLst>
+                        <p:par>
+                          <p:cTn id="8" fill="hold">
+                            <p:stCondLst>
+                              <p:cond delay="0"/>
+                            </p:stCondLst>
+                            <p:childTnLst>
+                              <p:par>
+                                <p:cTn id="9" presetID="26" presetClass="entr" presetSubtype="0" fill="hold" nodeType="clickEffect">
+                                  <p:stCondLst>
+                                    <p:cond delay="0"/>
+                                  </p:stCondLst>
+                                  <p:childTnLst>
+                                    <p:set>
+                                      <p:cBhvr>
+                                        <p:cTn id="10" dur="1" fill="hold">
+                                          <p:stCondLst>
+                                            <p:cond delay="0"/>
+                                          </p:stCondLst>
+                                        </p:cTn>
+                                        <p:tgtEl>
+                                          <p:spTgt spid="11"/>
+                                        </p:tgtEl>
+                                        <p:attrNameLst>
+                                          <p:attrName>style.visibility</p:attrName>
+                                        </p:attrNameLst>
+                                      </p:cBhvr>
+                                      <p:to>
+                                        <p:strVal val="visible"/>
+                                      </p:to>
+                                    </p:set>
+                                    <p:animEffect transition="in" filter="wipe(down)">
+                                      <p:cBhvr>
+                                        <p:cTn id="11" dur="580">
+                                          <p:stCondLst>
+                                            <p:cond delay="0"/>
+                                          </p:stCondLst>
+                                        </p:cTn>
+                                        <p:tgtEl>
+                                          <p:spTgt spid="11"/>
+                                        </p:tgtEl>
+                                      </p:cBhvr>
+                                    </p:animEffect>
+                                    <p:anim calcmode="lin" valueType="num">
+                                      <p:cBhvr>
+                                        <p:cTn id="12" dur="1822" tmFilter="0,0; 0.14,0.36; 0.43,0.73; 0.71,0.91; 1.0,1.0">
+                                          <p:stCondLst>
+                                            <p:cond delay="0"/>
+                                          </p:stCondLst>
+                                        </p:cTn>
+                                        <p:tgtEl>
+                                          <p:spTgt spid="11"/>
+                                        </p:tgtEl>
+                                        <p:attrNameLst>
+                                          <p:attrName>ppt_x</p:attrName>
+                                        </p:attrNameLst>
+                                      </p:cBhvr>
+                                      <p:tavLst>
+                                        <p:tav tm="0">
+                                          <p:val>
+                                            <p:strVal val="#ppt_x-0.25"/>
+                                          </p:val>
+                                        </p:tav>
+                                        <p:tav tm="100000">
+                                          <p:val>
+                                            <p:strVal val="#ppt_x"/>
+                                          </p:val>
+                                        </p:tav>
+                                      </p:tavLst>
+                                    </p:anim>
+                                    <p:anim calcmode="lin" valueType="num">
+                                      <p:cBhvr>
+                                        <p:cTn id="13" dur="664" tmFilter="0.0,0.0; 0.25,0.07; 0.50,0.2; 0.75,0.467; 1.0,1.0">
+                                          <p:stCondLst>
+                                            <p:cond delay="0"/>
+                                          </p:stCondLst>
+                                        </p:cTn>
+                                        <p:tgtEl>
+                                          <p:spTgt spid="11"/>
+                                        </p:tgtEl>
+                                        <p:attrNameLst>
+                                          <p:attrName>ppt_y</p:attrName>
+                                        </p:attrNameLst>
+                                      </p:cBhvr>
+                                      <p:tavLst>
+                                        <p:tav tm="0" fmla="#ppt_y-sin(pi*$)/3">
+                                          <p:val>
+                                            <p:fltVal val="0.5"/>
+                                          </p:val>
+                                        </p:tav>
+                                        <p:tav tm="100000">
+                                          <p:val>
+                                            <p:fltVal val="1"/>
+                                          </p:val>
+                                        </p:tav>
+                                      </p:tavLst>
+                                    </p:anim>
+                                    <p:anim calcmode="lin" valueType="num">
+                                      <p:cBhvr>
+                                        <p:cTn id="14" dur="664" tmFilter="0, 0; 0.125,0.2665; 0.25,0.4; 0.375,0.465; 0.5,0.5;  0.625,0.535; 0.75,0.6; 0.875,0.7335; 1,1">
+                                          <p:stCondLst>
+                                            <p:cond delay="664"/>
+                                          </p:stCondLst>
+                                        </p:cTn>
+                                        <p:tgtEl>
+                                          <p:spTgt spid="11"/>
+                                        </p:tgtEl>
+                                        <p:attrNameLst>
+                                          <p:attrName>ppt_y</p:attrName>
+                                        </p:attrNameLst>
+                                      </p:cBhvr>
+                                      <p:tavLst>
+                                        <p:tav tm="0" fmla="#ppt_y-sin(pi*$)/9">
+                                          <p:val>
+                                            <p:fltVal val="0"/>
+                                          </p:val>
+                                        </p:tav>
+                                        <p:tav tm="100000">
+                                          <p:val>
+                                            <p:fltVal val="1"/>
+                                          </p:val>
+                                        </p:tav>
+                                      </p:tavLst>
+                                    </p:anim>
+                                    <p:anim calcmode="lin" valueType="num">
+                                      <p:cBhvr>
+                                        <p:cTn id="15" dur="332" tmFilter="0, 0; 0.125,0.2665; 0.25,0.4; 0.375,0.465; 0.5,0.5;  0.625,0.535; 0.75,0.6; 0.875,0.7335; 1,1">
+                                          <p:stCondLst>
+                                            <p:cond delay="1324"/>
+                                          </p:stCondLst>
+                                        </p:cTn>
+                                        <p:tgtEl>
+                                          <p:spTgt spid="11"/>
+                                        </p:tgtEl>
+                                        <p:attrNameLst>
+                                          <p:attrName>ppt_y</p:attrName>
+                                        </p:attrNameLst>
+                                      </p:cBhvr>
+                                      <p:tavLst>
+                                        <p:tav tm="0" fmla="#ppt_y-sin(pi*$)/27">
+                                          <p:val>
+                                            <p:fltVal val="0"/>
+                                          </p:val>
+                                        </p:tav>
+                                        <p:tav tm="100000">
+                                          <p:val>
+                                            <p:fltVal val="1"/>
+                                          </p:val>
+                                        </p:tav>
+                                      </p:tavLst>
+                                    </p:anim>
+                                    <p:anim calcmode="lin" valueType="num">
+                                      <p:cBhvr>
+                                        <p:cTn id="16" dur="164" tmFilter="0, 0; 0.125,0.2665; 0.25,0.4; 0.375,0.465; 0.5,0.5;  0.625,0.535; 0.75,0.6; 0.875,0.7335; 1,1">
+                                          <p:stCondLst>
+                                            <p:cond delay="1656"/>
+                                          </p:stCondLst>
+                                        </p:cTn>
+                                        <p:tgtEl>
+                                          <p:spTgt spid="11"/>
+                                        </p:tgtEl>
+                                        <p:attrNameLst>
+                                          <p:attrName>ppt_y</p:attrName>
+                                        </p:attrNameLst>
+                                      </p:cBhvr>
+                                      <p:tavLst>
+                                        <p:tav tm="0" fmla="#ppt_y-sin(pi*$)/81">
+                                          <p:val>
+                                            <p:fltVal val="0"/>
+                                          </p:val>
+                                        </p:tav>
+                                        <p:tav tm="100000">
+                                          <p:val>
+                                            <p:fltVal val="1"/>
+                                          </p:val>
+                                        </p:tav>
+                                      </p:tavLst>
+                                    </p:anim>
+                                    <p:animScale>
+                                      <p:cBhvr>
+                                        <p:cTn id="17" dur="26">
+                                          <p:stCondLst>
+                                            <p:cond delay="650"/>
+                                          </p:stCondLst>
+                                        </p:cTn>
+                                        <p:tgtEl>
+                                          <p:spTgt spid="11"/>
+                                        </p:tgtEl>
+                                      </p:cBhvr>
+                                      <p:to x="100000" y="60000"/>
+                                    </p:animScale>
+                                    <p:animScale>
+                                      <p:cBhvr>
+                                        <p:cTn id="18" dur="166" decel="50000">
+                                          <p:stCondLst>
+                                            <p:cond delay="676"/>
+                                          </p:stCondLst>
+                                        </p:cTn>
+                                        <p:tgtEl>
+                                          <p:spTgt spid="11"/>
+                                        </p:tgtEl>
+                                      </p:cBhvr>
+                                      <p:to x="100000" y="100000"/>
+                                    </p:animScale>
+                                    <p:animScale>
+                                      <p:cBhvr>
+                                        <p:cTn id="19" dur="26">
+                                          <p:stCondLst>
+                                            <p:cond delay="1312"/>
+                                          </p:stCondLst>
+                                        </p:cTn>
+                                        <p:tgtEl>
+                                          <p:spTgt spid="11"/>
+                                        </p:tgtEl>
+                                      </p:cBhvr>
+                                      <p:to x="100000" y="80000"/>
+                                    </p:animScale>
+                                    <p:animScale>
+                                      <p:cBhvr>
+                                        <p:cTn id="20" dur="166" decel="50000">
+                                          <p:stCondLst>
+                                            <p:cond delay="1338"/>
+                                          </p:stCondLst>
+                                        </p:cTn>
+                                        <p:tgtEl>
+                                          <p:spTgt spid="11"/>
+                                        </p:tgtEl>
+                                      </p:cBhvr>
+                                      <p:to x="100000" y="100000"/>
+                                    </p:animScale>
+                                    <p:animScale>
+                                      <p:cBhvr>
+                                        <p:cTn id="21" dur="26">
+                                          <p:stCondLst>
+                                            <p:cond delay="1642"/>
+                                          </p:stCondLst>
+                                        </p:cTn>
+                                        <p:tgtEl>
+                                          <p:spTgt spid="11"/>
+                                        </p:tgtEl>
+                                      </p:cBhvr>
+                                      <p:to x="100000" y="90000"/>
+                                    </p:animScale>
+                                    <p:animScale>
+                                      <p:cBhvr>
+                                        <p:cTn id="22" dur="166" decel="50000">
+                                          <p:stCondLst>
+                                            <p:cond delay="1668"/>
+                                          </p:stCondLst>
+                                        </p:cTn>
+                                        <p:tgtEl>
+                                          <p:spTgt spid="11"/>
+                                        </p:tgtEl>
+                                      </p:cBhvr>
+                                      <p:to x="100000" y="100000"/>
+                                    </p:animScale>
+                                    <p:animScale>
+                                      <p:cBhvr>
+                                        <p:cTn id="23" dur="26">
+                                          <p:stCondLst>
+                                            <p:cond delay="1808"/>
+                                          </p:stCondLst>
+                                        </p:cTn>
+                                        <p:tgtEl>
+                                          <p:spTgt spid="11"/>
+                                        </p:tgtEl>
+                                      </p:cBhvr>
+                                      <p:to x="100000" y="95000"/>
+                                    </p:animScale>
+                                    <p:animScale>
+                                      <p:cBhvr>
+                                        <p:cTn id="24" dur="166" decel="50000">
+                                          <p:stCondLst>
+                                            <p:cond delay="1834"/>
+                                          </p:stCondLst>
+                                        </p:cTn>
+                                        <p:tgtEl>
+                                          <p:spTgt spid="11"/>
+                                        </p:tgtEl>
+                                      </p:cBhvr>
+                                      <p:to x="100000" y="100000"/>
+                                    </p:animScale>
+                                  </p:childTnLst>
+                                </p:cTn>
+                              </p:par>
+                            </p:childTnLst>
+                          </p:cTn>
+                        </p:par>
+                      </p:childTnLst>
+                    </p:cTn>
+                  </p:par>
+                </p:childTnLst>
+              </p:cTn>
+              <p:prevCondLst>
+                <p:cond evt="onPrev" delay="0">
+                  <p:tgtEl>
+                    <p:sldTgt/>
+                  </p:tgtEl>
+                </p:cond>
+              </p:prevCondLst>
+              <p:nextCondLst>
+                <p:cond evt="onNext" delay="0">
+                  <p:tgtEl>
+                    <p:sldTgt/>
+                  </p:tgtEl>
+                </p:cond>
+              </p:nextCondLst>
+            </p:seq>
+          </p:childTnLst>
+        </p:cTn>
+      </p:par>
+    </p:tnLst>
+  </p:timing>
 </p:sld>
 </file>
 
-<file path=ppt/slides/slide5.xml><?xml version="1.0" encoding="utf-8"?>
+<file path=ppt/slides/slide7.xml><?xml version="1.0" encoding="utf-8"?>
 <p:sld xmlns:a="http://schemas.openxmlformats.org/drawingml/2006/main" xmlns:r="http://schemas.openxmlformats.org/officeDocument/2006/relationships" xmlns:p="http://schemas.openxmlformats.org/presentationml/2006/main">
   <p:cSld>
     <p:spTree>
@@ -7226,10 +10660,320 @@
   <p:clrMapOvr>
     <a:masterClrMapping/>
   </p:clrMapOvr>
+  <p:transition spd="slow">
+    <p:cover/>
+  </p:transition>
+  <p:timing>
+    <p:tnLst>
+      <p:par>
+        <p:cTn id="1" dur="indefinite" restart="never" nodeType="tmRoot">
+          <p:childTnLst>
+            <p:seq concurrent="1" nextAc="seek">
+              <p:cTn id="2" dur="indefinite" nodeType="mainSeq">
+                <p:childTnLst>
+                  <p:par>
+                    <p:cTn id="3" fill="hold">
+                      <p:stCondLst>
+                        <p:cond delay="indefinite"/>
+                      </p:stCondLst>
+                      <p:childTnLst>
+                        <p:par>
+                          <p:cTn id="4" fill="hold">
+                            <p:stCondLst>
+                              <p:cond delay="0"/>
+                            </p:stCondLst>
+                            <p:childTnLst>
+                              <p:par>
+                                <p:cTn id="5" presetID="31" presetClass="entr" presetSubtype="0" fill="hold" grpId="0" nodeType="clickEffect">
+                                  <p:stCondLst>
+                                    <p:cond delay="0"/>
+                                  </p:stCondLst>
+                                  <p:childTnLst>
+                                    <p:set>
+                                      <p:cBhvr>
+                                        <p:cTn id="6" dur="1" fill="hold">
+                                          <p:stCondLst>
+                                            <p:cond delay="0"/>
+                                          </p:stCondLst>
+                                        </p:cTn>
+                                        <p:tgtEl>
+                                          <p:spTgt spid="8">
+                                            <p:bg/>
+                                          </p:spTgt>
+                                        </p:tgtEl>
+                                        <p:attrNameLst>
+                                          <p:attrName>style.visibility</p:attrName>
+                                        </p:attrNameLst>
+                                      </p:cBhvr>
+                                      <p:to>
+                                        <p:strVal val="visible"/>
+                                      </p:to>
+                                    </p:set>
+                                    <p:anim calcmode="lin" valueType="num">
+                                      <p:cBhvr>
+                                        <p:cTn id="7" dur="1000" fill="hold"/>
+                                        <p:tgtEl>
+                                          <p:spTgt spid="8">
+                                            <p:bg/>
+                                          </p:spTgt>
+                                        </p:tgtEl>
+                                        <p:attrNameLst>
+                                          <p:attrName>ppt_w</p:attrName>
+                                        </p:attrNameLst>
+                                      </p:cBhvr>
+                                      <p:tavLst>
+                                        <p:tav tm="0">
+                                          <p:val>
+                                            <p:fltVal val="0"/>
+                                          </p:val>
+                                        </p:tav>
+                                        <p:tav tm="100000">
+                                          <p:val>
+                                            <p:strVal val="#ppt_w"/>
+                                          </p:val>
+                                        </p:tav>
+                                      </p:tavLst>
+                                    </p:anim>
+                                    <p:anim calcmode="lin" valueType="num">
+                                      <p:cBhvr>
+                                        <p:cTn id="8" dur="1000" fill="hold"/>
+                                        <p:tgtEl>
+                                          <p:spTgt spid="8">
+                                            <p:bg/>
+                                          </p:spTgt>
+                                        </p:tgtEl>
+                                        <p:attrNameLst>
+                                          <p:attrName>ppt_h</p:attrName>
+                                        </p:attrNameLst>
+                                      </p:cBhvr>
+                                      <p:tavLst>
+                                        <p:tav tm="0">
+                                          <p:val>
+                                            <p:fltVal val="0"/>
+                                          </p:val>
+                                        </p:tav>
+                                        <p:tav tm="100000">
+                                          <p:val>
+                                            <p:strVal val="#ppt_h"/>
+                                          </p:val>
+                                        </p:tav>
+                                      </p:tavLst>
+                                    </p:anim>
+                                    <p:anim calcmode="lin" valueType="num">
+                                      <p:cBhvr>
+                                        <p:cTn id="9" dur="1000" fill="hold"/>
+                                        <p:tgtEl>
+                                          <p:spTgt spid="8">
+                                            <p:bg/>
+                                          </p:spTgt>
+                                        </p:tgtEl>
+                                        <p:attrNameLst>
+                                          <p:attrName>style.rotation</p:attrName>
+                                        </p:attrNameLst>
+                                      </p:cBhvr>
+                                      <p:tavLst>
+                                        <p:tav tm="0">
+                                          <p:val>
+                                            <p:fltVal val="90"/>
+                                          </p:val>
+                                        </p:tav>
+                                        <p:tav tm="100000">
+                                          <p:val>
+                                            <p:fltVal val="0"/>
+                                          </p:val>
+                                        </p:tav>
+                                      </p:tavLst>
+                                    </p:anim>
+                                    <p:animEffect transition="in" filter="fade">
+                                      <p:cBhvr>
+                                        <p:cTn id="10" dur="1000"/>
+                                        <p:tgtEl>
+                                          <p:spTgt spid="8">
+                                            <p:bg/>
+                                          </p:spTgt>
+                                        </p:tgtEl>
+                                      </p:cBhvr>
+                                    </p:animEffect>
+                                  </p:childTnLst>
+                                </p:cTn>
+                              </p:par>
+                            </p:childTnLst>
+                          </p:cTn>
+                        </p:par>
+                      </p:childTnLst>
+                    </p:cTn>
+                  </p:par>
+                  <p:par>
+                    <p:cTn id="11" fill="hold">
+                      <p:stCondLst>
+                        <p:cond delay="indefinite"/>
+                      </p:stCondLst>
+                      <p:childTnLst>
+                        <p:par>
+                          <p:cTn id="12" fill="hold">
+                            <p:stCondLst>
+                              <p:cond delay="0"/>
+                            </p:stCondLst>
+                            <p:childTnLst>
+                              <p:par>
+                                <p:cTn id="13" presetID="31" presetClass="entr" presetSubtype="0" fill="hold" grpId="0" nodeType="clickEffect">
+                                  <p:stCondLst>
+                                    <p:cond delay="0"/>
+                                  </p:stCondLst>
+                                  <p:childTnLst>
+                                    <p:set>
+                                      <p:cBhvr>
+                                        <p:cTn id="14" dur="1" fill="hold">
+                                          <p:stCondLst>
+                                            <p:cond delay="0"/>
+                                          </p:stCondLst>
+                                        </p:cTn>
+                                        <p:tgtEl>
+                                          <p:spTgt spid="8">
+                                            <p:txEl>
+                                              <p:pRg st="0" end="0"/>
+                                            </p:txEl>
+                                          </p:spTgt>
+                                        </p:tgtEl>
+                                        <p:attrNameLst>
+                                          <p:attrName>style.visibility</p:attrName>
+                                        </p:attrNameLst>
+                                      </p:cBhvr>
+                                      <p:to>
+                                        <p:strVal val="visible"/>
+                                      </p:to>
+                                    </p:set>
+                                    <p:anim calcmode="lin" valueType="num">
+                                      <p:cBhvr>
+                                        <p:cTn id="15" dur="1000" fill="hold"/>
+                                        <p:tgtEl>
+                                          <p:spTgt spid="8">
+                                            <p:txEl>
+                                              <p:pRg st="0" end="0"/>
+                                            </p:txEl>
+                                          </p:spTgt>
+                                        </p:tgtEl>
+                                        <p:attrNameLst>
+                                          <p:attrName>ppt_w</p:attrName>
+                                        </p:attrNameLst>
+                                      </p:cBhvr>
+                                      <p:tavLst>
+                                        <p:tav tm="0">
+                                          <p:val>
+                                            <p:fltVal val="0"/>
+                                          </p:val>
+                                        </p:tav>
+                                        <p:tav tm="100000">
+                                          <p:val>
+                                            <p:strVal val="#ppt_w"/>
+                                          </p:val>
+                                        </p:tav>
+                                      </p:tavLst>
+                                    </p:anim>
+                                    <p:anim calcmode="lin" valueType="num">
+                                      <p:cBhvr>
+                                        <p:cTn id="16" dur="1000" fill="hold"/>
+                                        <p:tgtEl>
+                                          <p:spTgt spid="8">
+                                            <p:txEl>
+                                              <p:pRg st="0" end="0"/>
+                                            </p:txEl>
+                                          </p:spTgt>
+                                        </p:tgtEl>
+                                        <p:attrNameLst>
+                                          <p:attrName>ppt_h</p:attrName>
+                                        </p:attrNameLst>
+                                      </p:cBhvr>
+                                      <p:tavLst>
+                                        <p:tav tm="0">
+                                          <p:val>
+                                            <p:fltVal val="0"/>
+                                          </p:val>
+                                        </p:tav>
+                                        <p:tav tm="100000">
+                                          <p:val>
+                                            <p:strVal val="#ppt_h"/>
+                                          </p:val>
+                                        </p:tav>
+                                      </p:tavLst>
+                                    </p:anim>
+                                    <p:anim calcmode="lin" valueType="num">
+                                      <p:cBhvr>
+                                        <p:cTn id="17" dur="1000" fill="hold"/>
+                                        <p:tgtEl>
+                                          <p:spTgt spid="8">
+                                            <p:txEl>
+                                              <p:pRg st="0" end="0"/>
+                                            </p:txEl>
+                                          </p:spTgt>
+                                        </p:tgtEl>
+                                        <p:attrNameLst>
+                                          <p:attrName>style.rotation</p:attrName>
+                                        </p:attrNameLst>
+                                      </p:cBhvr>
+                                      <p:tavLst>
+                                        <p:tav tm="0">
+                                          <p:val>
+                                            <p:fltVal val="90"/>
+                                          </p:val>
+                                        </p:tav>
+                                        <p:tav tm="100000">
+                                          <p:val>
+                                            <p:fltVal val="0"/>
+                                          </p:val>
+                                        </p:tav>
+                                      </p:tavLst>
+                                    </p:anim>
+                                    <p:animEffect transition="in" filter="fade">
+                                      <p:cBhvr>
+                                        <p:cTn id="18" dur="1000"/>
+                                        <p:tgtEl>
+                                          <p:spTgt spid="8">
+                                            <p:txEl>
+                                              <p:pRg st="0" end="0"/>
+                                            </p:txEl>
+                                          </p:spTgt>
+                                        </p:tgtEl>
+                                      </p:cBhvr>
+                                    </p:animEffect>
+                                  </p:childTnLst>
+                                </p:cTn>
+                              </p:par>
+                            </p:childTnLst>
+                          </p:cTn>
+                        </p:par>
+                      </p:childTnLst>
+                    </p:cTn>
+                  </p:par>
+                </p:childTnLst>
+              </p:cTn>
+              <p:prevCondLst>
+                <p:cond evt="onPrev" delay="0">
+                  <p:tgtEl>
+                    <p:sldTgt/>
+                  </p:tgtEl>
+                </p:cond>
+              </p:prevCondLst>
+              <p:nextCondLst>
+                <p:cond evt="onNext" delay="0">
+                  <p:tgtEl>
+                    <p:sldTgt/>
+                  </p:tgtEl>
+                </p:cond>
+              </p:nextCondLst>
+            </p:seq>
+          </p:childTnLst>
+        </p:cTn>
+      </p:par>
+    </p:tnLst>
+    <p:bldLst>
+      <p:bldP spid="8" grpId="0" build="p" animBg="1"/>
+    </p:bldLst>
+  </p:timing>
 </p:sld>
 </file>
 
-<file path=ppt/slides/slide6.xml><?xml version="1.0" encoding="utf-8"?>
+<file path=ppt/slides/slide8.xml><?xml version="1.0" encoding="utf-8"?>
 <p:sld xmlns:a="http://schemas.openxmlformats.org/drawingml/2006/main" xmlns:r="http://schemas.openxmlformats.org/officeDocument/2006/relationships" xmlns:p="http://schemas.openxmlformats.org/presentationml/2006/main">
   <p:cSld>
     <p:spTree>
@@ -7589,10 +11333,142 @@
   <p:clrMapOvr>
     <a:masterClrMapping/>
   </p:clrMapOvr>
+  <p:transition spd="slow">
+    <p:cover/>
+  </p:transition>
+  <p:timing>
+    <p:tnLst>
+      <p:par>
+        <p:cTn id="1" dur="indefinite" restart="never" nodeType="tmRoot">
+          <p:childTnLst>
+            <p:seq concurrent="1" nextAc="seek">
+              <p:cTn id="2" dur="indefinite" nodeType="mainSeq">
+                <p:childTnLst>
+                  <p:par>
+                    <p:cTn id="3" fill="hold">
+                      <p:stCondLst>
+                        <p:cond delay="indefinite"/>
+                      </p:stCondLst>
+                      <p:childTnLst>
+                        <p:par>
+                          <p:cTn id="4" fill="hold">
+                            <p:stCondLst>
+                              <p:cond delay="0"/>
+                            </p:stCondLst>
+                            <p:childTnLst>
+                              <p:par>
+                                <p:cTn id="5" presetID="42" presetClass="entr" presetSubtype="0" fill="hold" nodeType="clickEffect">
+                                  <p:stCondLst>
+                                    <p:cond delay="0"/>
+                                  </p:stCondLst>
+                                  <p:childTnLst>
+                                    <p:set>
+                                      <p:cBhvr>
+                                        <p:cTn id="6" dur="1" fill="hold">
+                                          <p:stCondLst>
+                                            <p:cond delay="0"/>
+                                          </p:stCondLst>
+                                        </p:cTn>
+                                        <p:tgtEl>
+                                          <p:spTgt spid="9"/>
+                                        </p:tgtEl>
+                                        <p:attrNameLst>
+                                          <p:attrName>style.visibility</p:attrName>
+                                        </p:attrNameLst>
+                                      </p:cBhvr>
+                                      <p:to>
+                                        <p:strVal val="visible"/>
+                                      </p:to>
+                                    </p:set>
+                                    <p:animEffect transition="in" filter="fade">
+                                      <p:cBhvr>
+                                        <p:cTn id="7" dur="1000"/>
+                                        <p:tgtEl>
+                                          <p:spTgt spid="9"/>
+                                        </p:tgtEl>
+                                      </p:cBhvr>
+                                    </p:animEffect>
+                                    <p:anim calcmode="lin" valueType="num">
+                                      <p:cBhvr>
+                                        <p:cTn id="8" dur="1000" fill="hold"/>
+                                        <p:tgtEl>
+                                          <p:spTgt spid="9"/>
+                                        </p:tgtEl>
+                                        <p:attrNameLst>
+                                          <p:attrName>ppt_x</p:attrName>
+                                        </p:attrNameLst>
+                                      </p:cBhvr>
+                                      <p:tavLst>
+                                        <p:tav tm="0">
+                                          <p:val>
+                                            <p:strVal val="#ppt_x"/>
+                                          </p:val>
+                                        </p:tav>
+                                        <p:tav tm="100000">
+                                          <p:val>
+                                            <p:strVal val="#ppt_x"/>
+                                          </p:val>
+                                        </p:tav>
+                                      </p:tavLst>
+                                    </p:anim>
+                                    <p:anim calcmode="lin" valueType="num">
+                                      <p:cBhvr>
+                                        <p:cTn id="9" dur="1000" fill="hold"/>
+                                        <p:tgtEl>
+                                          <p:spTgt spid="9"/>
+                                        </p:tgtEl>
+                                        <p:attrNameLst>
+                                          <p:attrName>ppt_y</p:attrName>
+                                        </p:attrNameLst>
+                                      </p:cBhvr>
+                                      <p:tavLst>
+                                        <p:tav tm="0">
+                                          <p:val>
+                                            <p:strVal val="#ppt_y+.1"/>
+                                          </p:val>
+                                        </p:tav>
+                                        <p:tav tm="100000">
+                                          <p:val>
+                                            <p:strVal val="#ppt_y"/>
+                                          </p:val>
+                                        </p:tav>
+                                      </p:tavLst>
+                                    </p:anim>
+                                  </p:childTnLst>
+                                </p:cTn>
+                              </p:par>
+                            </p:childTnLst>
+                          </p:cTn>
+                        </p:par>
+                      </p:childTnLst>
+                    </p:cTn>
+                  </p:par>
+                </p:childTnLst>
+              </p:cTn>
+              <p:prevCondLst>
+                <p:cond evt="onPrev" delay="0">
+                  <p:tgtEl>
+                    <p:sldTgt/>
+                  </p:tgtEl>
+                </p:cond>
+              </p:prevCondLst>
+              <p:nextCondLst>
+                <p:cond evt="onNext" delay="0">
+                  <p:tgtEl>
+                    <p:sldTgt/>
+                  </p:tgtEl>
+                </p:cond>
+              </p:nextCondLst>
+            </p:seq>
+          </p:childTnLst>
+        </p:cTn>
+      </p:par>
+    </p:tnLst>
+  </p:timing>
 </p:sld>
 </file>
 
-<file path=ppt/slides/slide7.xml><?xml version="1.0" encoding="utf-8"?>
+<file path=ppt/slides/slide9.xml><?xml version="1.0" encoding="utf-8"?>
 <p:sld xmlns:a="http://schemas.openxmlformats.org/drawingml/2006/main" xmlns:r="http://schemas.openxmlformats.org/officeDocument/2006/relationships" xmlns:p="http://schemas.openxmlformats.org/presentationml/2006/main">
   <p:cSld>
     <p:spTree>
@@ -7842,266 +11718,130 @@
   <p:clrMapOvr>
     <a:masterClrMapping/>
   </p:clrMapOvr>
-</p:sld>
-</file>
-
-<file path=ppt/slides/slide8.xml><?xml version="1.0" encoding="utf-8"?>
-<p:sld xmlns:a="http://schemas.openxmlformats.org/drawingml/2006/main" xmlns:r="http://schemas.openxmlformats.org/officeDocument/2006/relationships" xmlns:p="http://schemas.openxmlformats.org/presentationml/2006/main">
-  <p:cSld>
-    <p:spTree>
-      <p:nvGrpSpPr>
-        <p:cNvPr id="1" name=""/>
-        <p:cNvGrpSpPr/>
-        <p:nvPr/>
-      </p:nvGrpSpPr>
-      <p:grpSpPr>
-        <a:xfrm>
-          <a:off x="0" y="0"/>
-          <a:ext cx="0" cy="0"/>
-          <a:chOff x="0" y="0"/>
-          <a:chExt cx="0" cy="0"/>
-        </a:xfrm>
-      </p:grpSpPr>
-      <p:sp>
-        <p:nvSpPr>
-          <p:cNvPr id="2" name="כותרת 1">
-            <a:extLst>
-              <a:ext uri="{FF2B5EF4-FFF2-40B4-BE49-F238E27FC236}">
-                <a16:creationId xmlns:a16="http://schemas.microsoft.com/office/drawing/2014/main" id="{148F0701-6498-4272-AEE7-646753DDA5E1}"/>
-              </a:ext>
-            </a:extLst>
-          </p:cNvPr>
-          <p:cNvSpPr>
-            <a:spLocks noGrp="1"/>
-          </p:cNvSpPr>
-          <p:nvPr>
-            <p:ph type="title"/>
-          </p:nvPr>
-        </p:nvSpPr>
-        <p:spPr/>
-        <p:txBody>
-          <a:bodyPr/>
-          <a:lstStyle/>
-          <a:p>
-            <a:r>
-              <a:rPr lang="en-US" dirty="0"/>
-              <a:t>for each</a:t>
-            </a:r>
-            <a:endParaRPr lang="he-IL" dirty="0"/>
-          </a:p>
-        </p:txBody>
-      </p:sp>
-      <p:sp>
-        <p:nvSpPr>
-          <p:cNvPr id="5" name="Content Placeholder 4">
-            <a:extLst>
-              <a:ext uri="{FF2B5EF4-FFF2-40B4-BE49-F238E27FC236}">
-                <a16:creationId xmlns:a16="http://schemas.microsoft.com/office/drawing/2014/main" id="{C821A2D8-DB43-4F32-9B19-9822BDFD912E}"/>
-              </a:ext>
-            </a:extLst>
-          </p:cNvPr>
-          <p:cNvSpPr>
-            <a:spLocks noGrp="1"/>
-          </p:cNvSpPr>
-          <p:nvPr>
-            <p:ph idx="1"/>
-          </p:nvPr>
-        </p:nvSpPr>
-        <p:spPr>
-          <a:xfrm>
-            <a:off x="2173287" y="1722269"/>
-            <a:ext cx="10018713" cy="4036274"/>
-          </a:xfrm>
-        </p:spPr>
-        <p:txBody>
-          <a:bodyPr/>
-          <a:lstStyle/>
-          <a:p>
-            <a:pPr marL="0" indent="0" algn="l">
-              <a:buNone/>
-            </a:pPr>
-            <a:r>
-              <a:rPr lang="en-US" dirty="0"/>
-              <a:t>               </a:t>
-            </a:r>
-            <a:r>
-              <a:rPr lang="en-US" dirty="0">
-                <a:solidFill>
-                  <a:schemeClr val="bg2">
-                    <a:lumMod val="10000"/>
-                    <a:lumOff val="90000"/>
-                  </a:schemeClr>
-                </a:solidFill>
-              </a:rPr>
-              <a:t>Out:</a:t>
-            </a:r>
-          </a:p>
-        </p:txBody>
-      </p:sp>
-      <p:pic>
-        <p:nvPicPr>
-          <p:cNvPr id="6" name="Picture 5">
-            <a:extLst>
-              <a:ext uri="{FF2B5EF4-FFF2-40B4-BE49-F238E27FC236}">
-                <a16:creationId xmlns:a16="http://schemas.microsoft.com/office/drawing/2014/main" id="{CEBF4BA9-9AE7-4A6F-9671-92C873349E39}"/>
-              </a:ext>
-            </a:extLst>
-          </p:cNvPr>
-          <p:cNvPicPr>
-            <a:picLocks noChangeAspect="1"/>
-          </p:cNvPicPr>
-          <p:nvPr/>
-        </p:nvPicPr>
-        <p:blipFill>
-          <a:blip r:embed="rId2"/>
-          <a:stretch>
-            <a:fillRect/>
-          </a:stretch>
-        </p:blipFill>
-        <p:spPr>
-          <a:xfrm>
-            <a:off x="3119437" y="2098276"/>
-            <a:ext cx="5953125" cy="1390650"/>
-          </a:xfrm>
-          <a:prstGeom prst="rect">
-            <a:avLst/>
-          </a:prstGeom>
-        </p:spPr>
-      </p:pic>
-      <p:pic>
-        <p:nvPicPr>
-          <p:cNvPr id="7" name="Picture 6">
-            <a:extLst>
-              <a:ext uri="{FF2B5EF4-FFF2-40B4-BE49-F238E27FC236}">
-                <a16:creationId xmlns:a16="http://schemas.microsoft.com/office/drawing/2014/main" id="{A2AE082B-CE1F-4D23-8FB8-6143F3B77A3A}"/>
-              </a:ext>
-            </a:extLst>
-          </p:cNvPr>
-          <p:cNvPicPr>
-            <a:picLocks noChangeAspect="1"/>
-          </p:cNvPicPr>
-          <p:nvPr/>
-        </p:nvPicPr>
-        <p:blipFill>
-          <a:blip r:embed="rId3"/>
-          <a:stretch>
-            <a:fillRect/>
-          </a:stretch>
-        </p:blipFill>
-        <p:spPr>
-          <a:xfrm>
-            <a:off x="3119437" y="4051867"/>
-            <a:ext cx="3844151" cy="702128"/>
-          </a:xfrm>
-          <a:prstGeom prst="rect">
-            <a:avLst/>
-          </a:prstGeom>
-        </p:spPr>
-      </p:pic>
-    </p:spTree>
-    <p:extLst>
-      <p:ext uri="{BB962C8B-B14F-4D97-AF65-F5344CB8AC3E}">
-        <p14:creationId xmlns:p14="http://schemas.microsoft.com/office/powerpoint/2010/main" val="777950363"/>
-      </p:ext>
-    </p:extLst>
-  </p:cSld>
-  <p:clrMapOvr>
-    <a:masterClrMapping/>
-  </p:clrMapOvr>
-</p:sld>
-</file>
-
-<file path=ppt/slides/slide9.xml><?xml version="1.0" encoding="utf-8"?>
-<p:sld xmlns:a="http://schemas.openxmlformats.org/drawingml/2006/main" xmlns:r="http://schemas.openxmlformats.org/officeDocument/2006/relationships" xmlns:p="http://schemas.openxmlformats.org/presentationml/2006/main">
-  <p:cSld>
-    <p:spTree>
-      <p:nvGrpSpPr>
-        <p:cNvPr id="1" name=""/>
-        <p:cNvGrpSpPr/>
-        <p:nvPr/>
-      </p:nvGrpSpPr>
-      <p:grpSpPr>
-        <a:xfrm>
-          <a:off x="0" y="0"/>
-          <a:ext cx="0" cy="0"/>
-          <a:chOff x="0" y="0"/>
-          <a:chExt cx="0" cy="0"/>
-        </a:xfrm>
-      </p:grpSpPr>
-      <p:sp>
-        <p:nvSpPr>
-          <p:cNvPr id="2" name="כותרת 1">
-            <a:extLst>
-              <a:ext uri="{FF2B5EF4-FFF2-40B4-BE49-F238E27FC236}">
-                <a16:creationId xmlns:a16="http://schemas.microsoft.com/office/drawing/2014/main" id="{04CFF8C4-9641-4C0E-8AA3-83B355EC4EA7}"/>
-              </a:ext>
-            </a:extLst>
-          </p:cNvPr>
-          <p:cNvSpPr>
-            <a:spLocks noGrp="1"/>
-          </p:cNvSpPr>
-          <p:nvPr>
-            <p:ph type="title"/>
-          </p:nvPr>
-        </p:nvSpPr>
-        <p:spPr>
-          <a:xfrm>
-            <a:off x="2511319" y="1"/>
-            <a:ext cx="10018713" cy="1287780"/>
-          </a:xfrm>
-        </p:spPr>
-        <p:txBody>
-          <a:bodyPr/>
-          <a:lstStyle/>
-          <a:p>
-            <a:r>
-              <a:rPr lang="en-US" dirty="0"/>
-              <a:t>Classes </a:t>
-            </a:r>
-            <a:endParaRPr lang="he-IL" dirty="0"/>
-          </a:p>
-        </p:txBody>
-      </p:sp>
-      <p:pic>
-        <p:nvPicPr>
-          <p:cNvPr id="3" name="Picture 2">
-            <a:extLst>
-              <a:ext uri="{FF2B5EF4-FFF2-40B4-BE49-F238E27FC236}">
-                <a16:creationId xmlns:a16="http://schemas.microsoft.com/office/drawing/2014/main" id="{C81AB030-E6BC-446D-B098-333A3D5D733F}"/>
-              </a:ext>
-            </a:extLst>
-          </p:cNvPr>
-          <p:cNvPicPr>
-            <a:picLocks noChangeAspect="1"/>
-          </p:cNvPicPr>
-          <p:nvPr/>
-        </p:nvPicPr>
-        <p:blipFill>
-          <a:blip r:embed="rId2"/>
-          <a:stretch>
-            <a:fillRect/>
-          </a:stretch>
-        </p:blipFill>
-        <p:spPr>
-          <a:xfrm>
-            <a:off x="2849904" y="1024146"/>
-            <a:ext cx="9035537" cy="4809708"/>
-          </a:xfrm>
-          <a:prstGeom prst="rect">
-            <a:avLst/>
-          </a:prstGeom>
-        </p:spPr>
-      </p:pic>
-    </p:spTree>
-    <p:extLst>
-      <p:ext uri="{BB962C8B-B14F-4D97-AF65-F5344CB8AC3E}">
-        <p14:creationId xmlns:p14="http://schemas.microsoft.com/office/powerpoint/2010/main" val="776866220"/>
-      </p:ext>
-    </p:extLst>
-  </p:cSld>
-  <p:clrMapOvr>
-    <a:masterClrMapping/>
-  </p:clrMapOvr>
+  <p:transition spd="slow">
+    <p:cover/>
+  </p:transition>
+  <p:timing>
+    <p:tnLst>
+      <p:par>
+        <p:cTn id="1" dur="indefinite" restart="never" nodeType="tmRoot">
+          <p:childTnLst>
+            <p:seq concurrent="1" nextAc="seek">
+              <p:cTn id="2" dur="indefinite" nodeType="mainSeq">
+                <p:childTnLst>
+                  <p:par>
+                    <p:cTn id="3" fill="hold">
+                      <p:stCondLst>
+                        <p:cond delay="indefinite"/>
+                      </p:stCondLst>
+                      <p:childTnLst>
+                        <p:par>
+                          <p:cTn id="4" fill="hold">
+                            <p:stCondLst>
+                              <p:cond delay="0"/>
+                            </p:stCondLst>
+                            <p:childTnLst>
+                              <p:par>
+                                <p:cTn id="5" presetID="2" presetClass="entr" presetSubtype="4" fill="hold" nodeType="clickEffect">
+                                  <p:stCondLst>
+                                    <p:cond delay="0"/>
+                                  </p:stCondLst>
+                                  <p:childTnLst>
+                                    <p:set>
+                                      <p:cBhvr>
+                                        <p:cTn id="6" dur="1" fill="hold">
+                                          <p:stCondLst>
+                                            <p:cond delay="0"/>
+                                          </p:stCondLst>
+                                        </p:cTn>
+                                        <p:tgtEl>
+                                          <p:spTgt spid="6"/>
+                                        </p:tgtEl>
+                                        <p:attrNameLst>
+                                          <p:attrName>style.visibility</p:attrName>
+                                        </p:attrNameLst>
+                                      </p:cBhvr>
+                                      <p:to>
+                                        <p:strVal val="visible"/>
+                                      </p:to>
+                                    </p:set>
+                                    <p:anim calcmode="lin" valueType="num">
+                                      <p:cBhvr additive="base">
+                                        <p:cTn id="7" dur="500" fill="hold"/>
+                                        <p:tgtEl>
+                                          <p:spTgt spid="6"/>
+                                        </p:tgtEl>
+                                        <p:attrNameLst>
+                                          <p:attrName>ppt_x</p:attrName>
+                                        </p:attrNameLst>
+                                      </p:cBhvr>
+                                      <p:tavLst>
+                                        <p:tav tm="0">
+                                          <p:val>
+                                            <p:strVal val="#ppt_x"/>
+                                          </p:val>
+                                        </p:tav>
+                                        <p:tav tm="100000">
+                                          <p:val>
+                                            <p:strVal val="#ppt_x"/>
+                                          </p:val>
+                                        </p:tav>
+                                      </p:tavLst>
+                                    </p:anim>
+                                    <p:anim calcmode="lin" valueType="num">
+                                      <p:cBhvr additive="base">
+                                        <p:cTn id="8" dur="500" fill="hold"/>
+                                        <p:tgtEl>
+                                          <p:spTgt spid="6"/>
+                                        </p:tgtEl>
+                                        <p:attrNameLst>
+                                          <p:attrName>ppt_y</p:attrName>
+                                        </p:attrNameLst>
+                                      </p:cBhvr>
+                                      <p:tavLst>
+                                        <p:tav tm="0">
+                                          <p:val>
+                                            <p:strVal val="1+#ppt_h/2"/>
+                                          </p:val>
+                                        </p:tav>
+                                        <p:tav tm="100000">
+                                          <p:val>
+                                            <p:strVal val="#ppt_y"/>
+                                          </p:val>
+                                        </p:tav>
+                                      </p:tavLst>
+                                    </p:anim>
+                                  </p:childTnLst>
+                                </p:cTn>
+                              </p:par>
+                            </p:childTnLst>
+                          </p:cTn>
+                        </p:par>
+                      </p:childTnLst>
+                    </p:cTn>
+                  </p:par>
+                </p:childTnLst>
+              </p:cTn>
+              <p:prevCondLst>
+                <p:cond evt="onPrev" delay="0">
+                  <p:tgtEl>
+                    <p:sldTgt/>
+                  </p:tgtEl>
+                </p:cond>
+              </p:prevCondLst>
+              <p:nextCondLst>
+                <p:cond evt="onNext" delay="0">
+                  <p:tgtEl>
+                    <p:sldTgt/>
+                  </p:tgtEl>
+                </p:cond>
+              </p:nextCondLst>
+            </p:seq>
+          </p:childTnLst>
+        </p:cTn>
+      </p:par>
+    </p:tnLst>
+  </p:timing>
 </p:sld>
 </file>
 
@@ -8362,18 +12102,18 @@
 </file>
 
 <file path=customXml/item1.xml><?xml version="1.0" encoding="utf-8"?>
+<p:properties xmlns:p="http://schemas.microsoft.com/office/2006/metadata/properties" xmlns:xsi="http://www.w3.org/2001/XMLSchema-instance" xmlns:pc="http://schemas.microsoft.com/office/infopath/2007/PartnerControls">
+  <documentManagement/>
+</p:properties>
+</file>
+
+<file path=customXml/item2.xml><?xml version="1.0" encoding="utf-8"?>
 <?mso-contentType ?>
 <FormTemplates xmlns="http://schemas.microsoft.com/sharepoint/v3/contenttype/forms">
   <Display>DocumentLibraryForm</Display>
   <Edit>DocumentLibraryForm</Edit>
   <New>DocumentLibraryForm</New>
 </FormTemplates>
-</file>
-
-<file path=customXml/item2.xml><?xml version="1.0" encoding="utf-8"?>
-<p:properties xmlns:p="http://schemas.microsoft.com/office/2006/metadata/properties" xmlns:xsi="http://www.w3.org/2001/XMLSchema-instance" xmlns:pc="http://schemas.microsoft.com/office/infopath/2007/PartnerControls">
-  <documentManagement/>
-</p:properties>
 </file>
 
 <file path=customXml/item3.xml><?xml version="1.0" encoding="utf-8"?>
@@ -8548,14 +12288,6 @@
 </file>
 
 <file path=customXml/itemProps1.xml><?xml version="1.0" encoding="utf-8"?>
-<ds:datastoreItem xmlns:ds="http://schemas.openxmlformats.org/officeDocument/2006/customXml" ds:itemID="{A77D7CE5-D6DD-4069-86F4-BB2DDC4628BD}">
-  <ds:schemaRefs>
-    <ds:schemaRef ds:uri="http://schemas.microsoft.com/sharepoint/v3/contenttype/forms"/>
-  </ds:schemaRefs>
-</ds:datastoreItem>
-</file>
-
-<file path=customXml/itemProps2.xml><?xml version="1.0" encoding="utf-8"?>
 <ds:datastoreItem xmlns:ds="http://schemas.openxmlformats.org/officeDocument/2006/customXml" ds:itemID="{75496198-2E38-4926-A1DA-329574697DDE}">
   <ds:schemaRefs>
     <ds:schemaRef ds:uri="http://schemas.openxmlformats.org/package/2006/metadata/core-properties"/>
@@ -8568,6 +12300,14 @@
     <ds:schemaRef ds:uri="http://purl.org/dc/terms/"/>
     <ds:schemaRef ds:uri="http://schemas.microsoft.com/office/infopath/2007/PartnerControls"/>
     <ds:schemaRef ds:uri="http://schemas.microsoft.com/office/2006/metadata/properties"/>
+  </ds:schemaRefs>
+</ds:datastoreItem>
+</file>
+
+<file path=customXml/itemProps2.xml><?xml version="1.0" encoding="utf-8"?>
+<ds:datastoreItem xmlns:ds="http://schemas.openxmlformats.org/officeDocument/2006/customXml" ds:itemID="{A77D7CE5-D6DD-4069-86F4-BB2DDC4628BD}">
+  <ds:schemaRefs>
+    <ds:schemaRef ds:uri="http://schemas.microsoft.com/sharepoint/v3/contenttype/forms"/>
   </ds:schemaRefs>
 </ds:datastoreItem>
 </file>
